--- a/1205進度報告.pptx
+++ b/1205進度報告.pptx
@@ -4762,7 +4762,37 @@
                 <a:effectLst/>
                 <a:latin typeface="標楷體" panose="03000509000000000000" pitchFamily="65" charset="-120"/>
               </a:rPr>
-              <a:t>bladeRF,FPGA</a:t>
+              <a:t>bladeRF</a:t>
+            </a:r>
+            <a:r>
+              <a:rPr lang="en-US" altLang="zh-TW" sz="1400" b="0" i="0" dirty="0">
+                <a:solidFill>
+                  <a:srgbClr val="000000"/>
+                </a:solidFill>
+                <a:effectLst/>
+                <a:latin typeface="標楷體" panose="03000509000000000000" pitchFamily="65" charset="-120"/>
+              </a:rPr>
+              <a:t>(</a:t>
+            </a:r>
+            <a:r>
+              <a:rPr lang="zh-TW" altLang="en-US" sz="1400" b="0" i="0" dirty="0">
+                <a:solidFill>
+                  <a:srgbClr val="000000"/>
+                </a:solidFill>
+                <a:effectLst/>
+                <a:latin typeface="標楷體" panose="03000509000000000000" pitchFamily="65" charset="-120"/>
+              </a:rPr>
+              <a:t>傳輸辨識過的影像</a:t>
+            </a:r>
+            <a:r>
+              <a:rPr lang="en-US" altLang="zh-TW" sz="1400" b="0" i="0" dirty="0">
+                <a:solidFill>
+                  <a:srgbClr val="000000"/>
+                </a:solidFill>
+                <a:effectLst/>
+                <a:latin typeface="標楷體" panose="03000509000000000000" pitchFamily="65" charset="-120"/>
+              </a:rPr>
+              <a:t>),FPGA</a:t>
             </a:r>
             <a:r>
               <a:rPr lang="en-US" altLang="zh-TW" sz="1400" dirty="0">
@@ -4771,7 +4801,25 @@
                 </a:solidFill>
                 <a:latin typeface="標楷體" panose="03000509000000000000" pitchFamily="65" charset="-120"/>
               </a:rPr>
-              <a:t>(Zynq7000 XC7Z020)</a:t>
+              <a:t>(Zynq7000 XC7Z020)(</a:t>
+            </a:r>
+            <a:r>
+              <a:rPr lang="zh-TW" altLang="en-US" sz="1400" dirty="0">
+                <a:solidFill>
+                  <a:srgbClr val="000000"/>
+                </a:solidFill>
+                <a:latin typeface="標楷體" panose="03000509000000000000" pitchFamily="65" charset="-120"/>
+              </a:rPr>
+              <a:t>影像處理</a:t>
+            </a:r>
+            <a:r>
+              <a:rPr lang="en-US" altLang="zh-TW" sz="1400" dirty="0">
+                <a:solidFill>
+                  <a:srgbClr val="000000"/>
+                </a:solidFill>
+                <a:latin typeface="標楷體" panose="03000509000000000000" pitchFamily="65" charset="-120"/>
+              </a:rPr>
+              <a:t>)</a:t>
             </a:r>
             <a:endParaRPr lang="en-US" altLang="zh-TW" sz="1200" dirty="0">
               <a:solidFill>

--- a/1205進度報告.pptx
+++ b/1205進度報告.pptx
@@ -5896,12 +5896,54 @@
           <a:chExt cx="0" cy="0"/>
         </a:xfrm>
       </p:grpSpPr>
+      <p:sp>
+        <p:nvSpPr>
+          <p:cNvPr id="4" name="標題 3"/>
+          <p:cNvSpPr>
+            <a:spLocks noGrp="1"/>
+          </p:cNvSpPr>
+          <p:nvPr>
+            <p:ph type="title"/>
+          </p:nvPr>
+        </p:nvSpPr>
+        <p:spPr>
+          <a:xfrm>
+            <a:off x="838200" y="365125"/>
+            <a:ext cx="10515600" cy="720000"/>
+          </a:xfrm>
+        </p:spPr>
+        <p:txBody>
+          <a:bodyPr anchor="ctr">
+            <a:normAutofit/>
+          </a:bodyPr>
+          <a:lstStyle/>
+          <a:p>
+            <a:r>
+              <a:rPr lang="zh-TW" altLang="en-US" dirty="0"/>
+              <a:t>系統分析 </a:t>
+            </a:r>
+            <a:r>
+              <a:rPr lang="en-US" altLang="zh-TW" dirty="0"/>
+              <a:t>–</a:t>
+            </a:r>
+            <a:r>
+              <a:rPr lang="zh-TW" altLang="en-US" dirty="0"/>
+              <a:t> </a:t>
+            </a:r>
+            <a:r>
+              <a:rPr lang="en-US" altLang="zh-TW" dirty="0"/>
+              <a:t>breakdown</a:t>
+            </a:r>
+            <a:endParaRPr lang="zh-TW" altLang="en-US" dirty="0"/>
+          </a:p>
+        </p:txBody>
+      </p:sp>
       <p:pic>
         <p:nvPicPr>
-          <p:cNvPr id="2054" name="Picture 6">
+          <p:cNvPr id="2056" name="Picture 8">
             <a:extLst>
               <a:ext uri="{FF2B5EF4-FFF2-40B4-BE49-F238E27FC236}">
-                <a16:creationId xmlns:a16="http://schemas.microsoft.com/office/drawing/2014/main" id="{336A5B21-0A85-A9E1-10A4-1C342765B9F6}"/>
+                <a16:creationId xmlns:a16="http://schemas.microsoft.com/office/drawing/2014/main" id="{B129B054-1F83-382E-4992-F01B22B74E8C}"/>
               </a:ext>
             </a:extLst>
           </p:cNvPr>
@@ -5918,21 +5960,20 @@
               </a:ext>
             </a:extLst>
           </a:blip>
+          <a:srcRect/>
           <a:stretch>
             <a:fillRect/>
           </a:stretch>
         </p:blipFill>
         <p:spPr bwMode="auto">
           <a:xfrm>
-            <a:off x="2653262" y="1428009"/>
-            <a:ext cx="7613263" cy="4434726"/>
+            <a:off x="2592687" y="1418505"/>
+            <a:ext cx="8524875" cy="4400550"/>
           </a:xfrm>
           <a:prstGeom prst="rect">
             <a:avLst/>
           </a:prstGeom>
-          <a:solidFill>
-            <a:srgbClr val="FFFFFF"/>
-          </a:solidFill>
+          <a:noFill/>
           <a:extLst>
             <a:ext uri="{909E8E84-426E-40DD-AFC4-6F175D3DCCD1}">
               <a14:hiddenFill xmlns:a14="http://schemas.microsoft.com/office/drawing/2010/main">
@@ -5944,48 +5985,6 @@
           </a:extLst>
         </p:spPr>
       </p:pic>
-      <p:sp>
-        <p:nvSpPr>
-          <p:cNvPr id="4" name="標題 3"/>
-          <p:cNvSpPr>
-            <a:spLocks noGrp="1"/>
-          </p:cNvSpPr>
-          <p:nvPr>
-            <p:ph type="title"/>
-          </p:nvPr>
-        </p:nvSpPr>
-        <p:spPr>
-          <a:xfrm>
-            <a:off x="838200" y="365125"/>
-            <a:ext cx="10515600" cy="720000"/>
-          </a:xfrm>
-        </p:spPr>
-        <p:txBody>
-          <a:bodyPr anchor="ctr">
-            <a:normAutofit/>
-          </a:bodyPr>
-          <a:lstStyle/>
-          <a:p>
-            <a:r>
-              <a:rPr lang="zh-TW" altLang="en-US" dirty="0"/>
-              <a:t>系統分析 </a:t>
-            </a:r>
-            <a:r>
-              <a:rPr lang="en-US" altLang="zh-TW" dirty="0"/>
-              <a:t>–</a:t>
-            </a:r>
-            <a:r>
-              <a:rPr lang="zh-TW" altLang="en-US" dirty="0"/>
-              <a:t> </a:t>
-            </a:r>
-            <a:r>
-              <a:rPr lang="en-US" altLang="zh-TW" dirty="0"/>
-              <a:t>breakdown</a:t>
-            </a:r>
-            <a:endParaRPr lang="zh-TW" altLang="en-US" dirty="0"/>
-          </a:p>
-        </p:txBody>
-      </p:sp>
     </p:spTree>
     <p:extLst>
       <p:ext uri="{BB962C8B-B14F-4D97-AF65-F5344CB8AC3E}">

--- a/1205進度報告.pptx
+++ b/1205進度報告.pptx
@@ -5,17 +5,18 @@
     <p:sldMasterId id="2147483648" r:id="rId1"/>
   </p:sldMasterIdLst>
   <p:notesMasterIdLst>
-    <p:notesMasterId r:id="rId7"/>
+    <p:notesMasterId r:id="rId8"/>
   </p:notesMasterIdLst>
   <p:handoutMasterIdLst>
-    <p:handoutMasterId r:id="rId8"/>
+    <p:handoutMasterId r:id="rId9"/>
   </p:handoutMasterIdLst>
   <p:sldIdLst>
     <p:sldId id="259" r:id="rId2"/>
     <p:sldId id="267" r:id="rId3"/>
     <p:sldId id="1142" r:id="rId4"/>
     <p:sldId id="1256" r:id="rId5"/>
-    <p:sldId id="1250" r:id="rId6"/>
+    <p:sldId id="1257" r:id="rId6"/>
+    <p:sldId id="1250" r:id="rId7"/>
   </p:sldIdLst>
   <p:sldSz cx="12192000" cy="6858000"/>
   <p:notesSz cx="6858000" cy="9144000"/>
@@ -123,6 +124,6766 @@
     </p:ext>
   </p:extLst>
 </p:presentation>
+</file>
+
+<file path=ppt/diagrams/colors1.xml><?xml version="1.0" encoding="utf-8"?>
+<dgm:colorsDef xmlns:dgm="http://schemas.openxmlformats.org/drawingml/2006/diagram" xmlns:a="http://schemas.openxmlformats.org/drawingml/2006/main" uniqueId="urn:microsoft.com/office/officeart/2005/8/colors/colorful1">
+  <dgm:title val=""/>
+  <dgm:desc val=""/>
+  <dgm:catLst>
+    <dgm:cat type="colorful" pri="10100"/>
+  </dgm:catLst>
+  <dgm:styleLbl name="node0">
+    <dgm:fillClrLst meth="repeat">
+      <a:schemeClr val="accent1"/>
+    </dgm:fillClrLst>
+    <dgm:linClrLst meth="repeat">
+      <a:schemeClr val="lt1"/>
+    </dgm:linClrLst>
+    <dgm:effectClrLst/>
+    <dgm:txLinClrLst/>
+    <dgm:txFillClrLst/>
+    <dgm:txEffectClrLst/>
+  </dgm:styleLbl>
+  <dgm:styleLbl name="node1">
+    <dgm:fillClrLst meth="repeat">
+      <a:schemeClr val="accent2"/>
+      <a:schemeClr val="accent3"/>
+      <a:schemeClr val="accent4"/>
+      <a:schemeClr val="accent5"/>
+      <a:schemeClr val="accent6"/>
+    </dgm:fillClrLst>
+    <dgm:linClrLst meth="repeat">
+      <a:schemeClr val="lt1"/>
+    </dgm:linClrLst>
+    <dgm:effectClrLst/>
+    <dgm:txLinClrLst/>
+    <dgm:txFillClrLst/>
+    <dgm:txEffectClrLst/>
+  </dgm:styleLbl>
+  <dgm:styleLbl name="alignNode1">
+    <dgm:fillClrLst meth="repeat">
+      <a:schemeClr val="accent2"/>
+      <a:schemeClr val="accent3"/>
+      <a:schemeClr val="accent4"/>
+      <a:schemeClr val="accent5"/>
+      <a:schemeClr val="accent6"/>
+    </dgm:fillClrLst>
+    <dgm:linClrLst meth="repeat">
+      <a:schemeClr val="accent2"/>
+      <a:schemeClr val="accent3"/>
+      <a:schemeClr val="accent4"/>
+      <a:schemeClr val="accent5"/>
+      <a:schemeClr val="accent6"/>
+    </dgm:linClrLst>
+    <dgm:effectClrLst/>
+    <dgm:txLinClrLst/>
+    <dgm:txFillClrLst/>
+    <dgm:txEffectClrLst/>
+  </dgm:styleLbl>
+  <dgm:styleLbl name="lnNode1">
+    <dgm:fillClrLst meth="repeat">
+      <a:schemeClr val="accent2"/>
+      <a:schemeClr val="accent3"/>
+      <a:schemeClr val="accent4"/>
+      <a:schemeClr val="accent5"/>
+      <a:schemeClr val="accent6"/>
+    </dgm:fillClrLst>
+    <dgm:linClrLst meth="repeat">
+      <a:schemeClr val="lt1"/>
+    </dgm:linClrLst>
+    <dgm:effectClrLst/>
+    <dgm:txLinClrLst/>
+    <dgm:txFillClrLst/>
+    <dgm:txEffectClrLst/>
+  </dgm:styleLbl>
+  <dgm:styleLbl name="vennNode1">
+    <dgm:fillClrLst meth="repeat">
+      <a:schemeClr val="accent2">
+        <a:alpha val="50000"/>
+      </a:schemeClr>
+      <a:schemeClr val="accent3">
+        <a:alpha val="50000"/>
+      </a:schemeClr>
+      <a:schemeClr val="accent4">
+        <a:alpha val="50000"/>
+      </a:schemeClr>
+      <a:schemeClr val="accent5">
+        <a:alpha val="50000"/>
+      </a:schemeClr>
+      <a:schemeClr val="accent6">
+        <a:alpha val="50000"/>
+      </a:schemeClr>
+    </dgm:fillClrLst>
+    <dgm:linClrLst meth="repeat">
+      <a:schemeClr val="lt1"/>
+    </dgm:linClrLst>
+    <dgm:effectClrLst/>
+    <dgm:txLinClrLst/>
+    <dgm:txFillClrLst/>
+    <dgm:txEffectClrLst/>
+  </dgm:styleLbl>
+  <dgm:styleLbl name="node2">
+    <dgm:fillClrLst>
+      <a:schemeClr val="accent2"/>
+    </dgm:fillClrLst>
+    <dgm:linClrLst meth="repeat">
+      <a:schemeClr val="lt1"/>
+    </dgm:linClrLst>
+    <dgm:effectClrLst/>
+    <dgm:txLinClrLst/>
+    <dgm:txFillClrLst/>
+    <dgm:txEffectClrLst/>
+  </dgm:styleLbl>
+  <dgm:styleLbl name="node3">
+    <dgm:fillClrLst>
+      <a:schemeClr val="accent3"/>
+    </dgm:fillClrLst>
+    <dgm:linClrLst meth="repeat">
+      <a:schemeClr val="lt1"/>
+    </dgm:linClrLst>
+    <dgm:effectClrLst/>
+    <dgm:txLinClrLst/>
+    <dgm:txFillClrLst/>
+    <dgm:txEffectClrLst/>
+  </dgm:styleLbl>
+  <dgm:styleLbl name="node4">
+    <dgm:fillClrLst>
+      <a:schemeClr val="accent4"/>
+    </dgm:fillClrLst>
+    <dgm:linClrLst meth="repeat">
+      <a:schemeClr val="lt1"/>
+    </dgm:linClrLst>
+    <dgm:effectClrLst/>
+    <dgm:txLinClrLst/>
+    <dgm:txFillClrLst/>
+    <dgm:txEffectClrLst/>
+  </dgm:styleLbl>
+  <dgm:styleLbl name="fgImgPlace1">
+    <dgm:fillClrLst meth="repeat">
+      <a:schemeClr val="accent2">
+        <a:tint val="50000"/>
+      </a:schemeClr>
+      <a:schemeClr val="accent3">
+        <a:tint val="50000"/>
+      </a:schemeClr>
+      <a:schemeClr val="accent4">
+        <a:tint val="50000"/>
+      </a:schemeClr>
+      <a:schemeClr val="accent5">
+        <a:tint val="50000"/>
+      </a:schemeClr>
+      <a:schemeClr val="accent6">
+        <a:tint val="50000"/>
+      </a:schemeClr>
+    </dgm:fillClrLst>
+    <dgm:linClrLst meth="repeat">
+      <a:schemeClr val="lt1"/>
+    </dgm:linClrLst>
+    <dgm:effectClrLst/>
+    <dgm:txLinClrLst/>
+    <dgm:txFillClrLst meth="repeat">
+      <a:schemeClr val="lt1"/>
+    </dgm:txFillClrLst>
+    <dgm:txEffectClrLst/>
+  </dgm:styleLbl>
+  <dgm:styleLbl name="alignImgPlace1">
+    <dgm:fillClrLst>
+      <a:schemeClr val="accent1">
+        <a:tint val="50000"/>
+      </a:schemeClr>
+      <a:schemeClr val="accent2">
+        <a:tint val="20000"/>
+      </a:schemeClr>
+    </dgm:fillClrLst>
+    <dgm:linClrLst meth="repeat">
+      <a:schemeClr val="lt1"/>
+    </dgm:linClrLst>
+    <dgm:effectClrLst/>
+    <dgm:txLinClrLst/>
+    <dgm:txFillClrLst meth="repeat">
+      <a:schemeClr val="lt1"/>
+    </dgm:txFillClrLst>
+    <dgm:txEffectClrLst/>
+  </dgm:styleLbl>
+  <dgm:styleLbl name="bgImgPlace1">
+    <dgm:fillClrLst>
+      <a:schemeClr val="accent1">
+        <a:tint val="50000"/>
+      </a:schemeClr>
+      <a:schemeClr val="accent2">
+        <a:tint val="20000"/>
+      </a:schemeClr>
+    </dgm:fillClrLst>
+    <dgm:linClrLst meth="repeat">
+      <a:schemeClr val="lt1"/>
+    </dgm:linClrLst>
+    <dgm:effectClrLst/>
+    <dgm:txLinClrLst/>
+    <dgm:txFillClrLst meth="repeat">
+      <a:schemeClr val="lt1"/>
+    </dgm:txFillClrLst>
+    <dgm:txEffectClrLst/>
+  </dgm:styleLbl>
+  <dgm:styleLbl name="sibTrans2D1">
+    <dgm:fillClrLst meth="repeat">
+      <a:schemeClr val="accent2"/>
+      <a:schemeClr val="accent3"/>
+      <a:schemeClr val="accent4"/>
+      <a:schemeClr val="accent5"/>
+      <a:schemeClr val="accent6"/>
+    </dgm:fillClrLst>
+    <dgm:linClrLst meth="cycle">
+      <a:schemeClr val="lt1"/>
+    </dgm:linClrLst>
+    <dgm:effectClrLst/>
+    <dgm:txLinClrLst/>
+    <dgm:txFillClrLst/>
+    <dgm:txEffectClrLst/>
+  </dgm:styleLbl>
+  <dgm:styleLbl name="fgSibTrans2D1">
+    <dgm:fillClrLst meth="repeat">
+      <a:schemeClr val="accent2"/>
+      <a:schemeClr val="accent3"/>
+      <a:schemeClr val="accent4"/>
+      <a:schemeClr val="accent5"/>
+      <a:schemeClr val="accent6"/>
+    </dgm:fillClrLst>
+    <dgm:linClrLst meth="cycle">
+      <a:schemeClr val="lt1"/>
+    </dgm:linClrLst>
+    <dgm:effectClrLst/>
+    <dgm:txLinClrLst/>
+    <dgm:txFillClrLst meth="repeat">
+      <a:schemeClr val="lt1"/>
+    </dgm:txFillClrLst>
+    <dgm:txEffectClrLst/>
+  </dgm:styleLbl>
+  <dgm:styleLbl name="bgSibTrans2D1">
+    <dgm:fillClrLst meth="repeat">
+      <a:schemeClr val="accent2"/>
+      <a:schemeClr val="accent3"/>
+      <a:schemeClr val="accent4"/>
+      <a:schemeClr val="accent5"/>
+      <a:schemeClr val="accent6"/>
+    </dgm:fillClrLst>
+    <dgm:linClrLst meth="cycle">
+      <a:schemeClr val="lt1"/>
+    </dgm:linClrLst>
+    <dgm:effectClrLst/>
+    <dgm:txLinClrLst/>
+    <dgm:txFillClrLst meth="repeat">
+      <a:schemeClr val="lt1"/>
+    </dgm:txFillClrLst>
+    <dgm:txEffectClrLst/>
+  </dgm:styleLbl>
+  <dgm:styleLbl name="sibTrans1D1">
+    <dgm:fillClrLst meth="repeat">
+      <a:schemeClr val="accent2"/>
+      <a:schemeClr val="accent3"/>
+      <a:schemeClr val="accent4"/>
+      <a:schemeClr val="accent5"/>
+      <a:schemeClr val="accent6"/>
+    </dgm:fillClrLst>
+    <dgm:linClrLst meth="repeat">
+      <a:schemeClr val="accent2"/>
+      <a:schemeClr val="accent3"/>
+      <a:schemeClr val="accent4"/>
+      <a:schemeClr val="accent5"/>
+      <a:schemeClr val="accent6"/>
+    </dgm:linClrLst>
+    <dgm:effectClrLst/>
+    <dgm:txLinClrLst/>
+    <dgm:txFillClrLst meth="repeat">
+      <a:schemeClr val="tx1"/>
+    </dgm:txFillClrLst>
+    <dgm:txEffectClrLst/>
+  </dgm:styleLbl>
+  <dgm:styleLbl name="callout">
+    <dgm:fillClrLst meth="repeat">
+      <a:schemeClr val="accent2"/>
+    </dgm:fillClrLst>
+    <dgm:linClrLst meth="repeat">
+      <a:schemeClr val="accent2">
+        <a:tint val="50000"/>
+      </a:schemeClr>
+    </dgm:linClrLst>
+    <dgm:effectClrLst/>
+    <dgm:txLinClrLst/>
+    <dgm:txFillClrLst meth="repeat">
+      <a:schemeClr val="tx1"/>
+    </dgm:txFillClrLst>
+    <dgm:txEffectClrLst/>
+  </dgm:styleLbl>
+  <dgm:styleLbl name="asst0">
+    <dgm:fillClrLst meth="repeat">
+      <a:schemeClr val="accent1"/>
+    </dgm:fillClrLst>
+    <dgm:linClrLst meth="repeat">
+      <a:schemeClr val="lt1"/>
+    </dgm:linClrLst>
+    <dgm:effectClrLst/>
+    <dgm:txLinClrLst/>
+    <dgm:txFillClrLst/>
+    <dgm:txEffectClrLst/>
+  </dgm:styleLbl>
+  <dgm:styleLbl name="asst1">
+    <dgm:fillClrLst meth="repeat">
+      <a:schemeClr val="accent2"/>
+    </dgm:fillClrLst>
+    <dgm:linClrLst meth="repeat">
+      <a:schemeClr val="lt1"/>
+    </dgm:linClrLst>
+    <dgm:effectClrLst/>
+    <dgm:txLinClrLst/>
+    <dgm:txFillClrLst/>
+    <dgm:txEffectClrLst/>
+  </dgm:styleLbl>
+  <dgm:styleLbl name="asst2">
+    <dgm:fillClrLst>
+      <a:schemeClr val="accent3"/>
+    </dgm:fillClrLst>
+    <dgm:linClrLst meth="repeat">
+      <a:schemeClr val="lt1"/>
+    </dgm:linClrLst>
+    <dgm:effectClrLst/>
+    <dgm:txLinClrLst/>
+    <dgm:txFillClrLst/>
+    <dgm:txEffectClrLst/>
+  </dgm:styleLbl>
+  <dgm:styleLbl name="asst3">
+    <dgm:fillClrLst>
+      <a:schemeClr val="accent4"/>
+    </dgm:fillClrLst>
+    <dgm:linClrLst meth="repeat">
+      <a:schemeClr val="lt1"/>
+    </dgm:linClrLst>
+    <dgm:effectClrLst/>
+    <dgm:txLinClrLst/>
+    <dgm:txFillClrLst/>
+    <dgm:txEffectClrLst/>
+  </dgm:styleLbl>
+  <dgm:styleLbl name="asst4">
+    <dgm:fillClrLst>
+      <a:schemeClr val="accent5"/>
+    </dgm:fillClrLst>
+    <dgm:linClrLst meth="repeat">
+      <a:schemeClr val="lt1"/>
+    </dgm:linClrLst>
+    <dgm:effectClrLst/>
+    <dgm:txLinClrLst/>
+    <dgm:txFillClrLst/>
+    <dgm:txEffectClrLst/>
+  </dgm:styleLbl>
+  <dgm:styleLbl name="parChTrans2D1">
+    <dgm:fillClrLst meth="repeat">
+      <a:schemeClr val="accent2"/>
+    </dgm:fillClrLst>
+    <dgm:linClrLst meth="repeat">
+      <a:schemeClr val="lt1"/>
+    </dgm:linClrLst>
+    <dgm:effectClrLst/>
+    <dgm:txLinClrLst/>
+    <dgm:txFillClrLst meth="repeat">
+      <a:schemeClr val="lt1"/>
+    </dgm:txFillClrLst>
+    <dgm:txEffectClrLst/>
+  </dgm:styleLbl>
+  <dgm:styleLbl name="parChTrans2D2">
+    <dgm:fillClrLst meth="repeat">
+      <a:schemeClr val="accent3"/>
+    </dgm:fillClrLst>
+    <dgm:linClrLst meth="repeat">
+      <a:schemeClr val="lt1"/>
+    </dgm:linClrLst>
+    <dgm:effectClrLst/>
+    <dgm:txLinClrLst/>
+    <dgm:txFillClrLst/>
+    <dgm:txEffectClrLst/>
+  </dgm:styleLbl>
+  <dgm:styleLbl name="parChTrans2D3">
+    <dgm:fillClrLst meth="repeat">
+      <a:schemeClr val="accent4"/>
+    </dgm:fillClrLst>
+    <dgm:linClrLst meth="repeat">
+      <a:schemeClr val="lt1"/>
+    </dgm:linClrLst>
+    <dgm:effectClrLst/>
+    <dgm:txLinClrLst/>
+    <dgm:txFillClrLst/>
+    <dgm:txEffectClrLst/>
+  </dgm:styleLbl>
+  <dgm:styleLbl name="parChTrans2D4">
+    <dgm:fillClrLst meth="repeat">
+      <a:schemeClr val="accent5"/>
+    </dgm:fillClrLst>
+    <dgm:linClrLst meth="repeat">
+      <a:schemeClr val="lt1"/>
+    </dgm:linClrLst>
+    <dgm:effectClrLst/>
+    <dgm:txLinClrLst/>
+    <dgm:txFillClrLst meth="repeat">
+      <a:schemeClr val="lt1"/>
+    </dgm:txFillClrLst>
+    <dgm:txEffectClrLst/>
+  </dgm:styleLbl>
+  <dgm:styleLbl name="parChTrans1D1">
+    <dgm:fillClrLst meth="repeat">
+      <a:schemeClr val="accent2"/>
+    </dgm:fillClrLst>
+    <dgm:linClrLst meth="repeat">
+      <a:schemeClr val="accent1"/>
+    </dgm:linClrLst>
+    <dgm:effectClrLst/>
+    <dgm:txLinClrLst/>
+    <dgm:txFillClrLst meth="repeat">
+      <a:schemeClr val="tx1"/>
+    </dgm:txFillClrLst>
+    <dgm:txEffectClrLst/>
+  </dgm:styleLbl>
+  <dgm:styleLbl name="parChTrans1D2">
+    <dgm:fillClrLst meth="repeat">
+      <a:schemeClr val="accent3">
+        <a:tint val="90000"/>
+      </a:schemeClr>
+    </dgm:fillClrLst>
+    <dgm:linClrLst meth="repeat">
+      <a:schemeClr val="accent2"/>
+    </dgm:linClrLst>
+    <dgm:effectClrLst/>
+    <dgm:txLinClrLst/>
+    <dgm:txFillClrLst meth="repeat">
+      <a:schemeClr val="tx1"/>
+    </dgm:txFillClrLst>
+    <dgm:txEffectClrLst/>
+  </dgm:styleLbl>
+  <dgm:styleLbl name="parChTrans1D3">
+    <dgm:fillClrLst meth="repeat">
+      <a:schemeClr val="accent4">
+        <a:tint val="70000"/>
+      </a:schemeClr>
+    </dgm:fillClrLst>
+    <dgm:linClrLst meth="repeat">
+      <a:schemeClr val="accent3"/>
+    </dgm:linClrLst>
+    <dgm:effectClrLst/>
+    <dgm:txLinClrLst/>
+    <dgm:txFillClrLst meth="repeat">
+      <a:schemeClr val="tx1"/>
+    </dgm:txFillClrLst>
+    <dgm:txEffectClrLst/>
+  </dgm:styleLbl>
+  <dgm:styleLbl name="parChTrans1D4">
+    <dgm:fillClrLst meth="repeat">
+      <a:schemeClr val="accent5">
+        <a:tint val="50000"/>
+      </a:schemeClr>
+    </dgm:fillClrLst>
+    <dgm:linClrLst meth="repeat">
+      <a:schemeClr val="accent4"/>
+    </dgm:linClrLst>
+    <dgm:effectClrLst/>
+    <dgm:txLinClrLst/>
+    <dgm:txFillClrLst meth="repeat">
+      <a:schemeClr val="tx1"/>
+    </dgm:txFillClrLst>
+    <dgm:txEffectClrLst/>
+  </dgm:styleLbl>
+  <dgm:styleLbl name="fgAcc1">
+    <dgm:fillClrLst meth="repeat">
+      <a:schemeClr val="lt1">
+        <a:alpha val="90000"/>
+      </a:schemeClr>
+    </dgm:fillClrLst>
+    <dgm:linClrLst meth="repeat">
+      <a:schemeClr val="accent2"/>
+      <a:schemeClr val="accent3"/>
+      <a:schemeClr val="accent4"/>
+      <a:schemeClr val="accent5"/>
+      <a:schemeClr val="accent6"/>
+    </dgm:linClrLst>
+    <dgm:effectClrLst/>
+    <dgm:txLinClrLst/>
+    <dgm:txFillClrLst meth="repeat">
+      <a:schemeClr val="dk1"/>
+    </dgm:txFillClrLst>
+    <dgm:txEffectClrLst/>
+  </dgm:styleLbl>
+  <dgm:styleLbl name="conFgAcc1">
+    <dgm:fillClrLst meth="repeat">
+      <a:schemeClr val="lt1">
+        <a:alpha val="90000"/>
+      </a:schemeClr>
+    </dgm:fillClrLst>
+    <dgm:linClrLst meth="repeat">
+      <a:schemeClr val="accent2"/>
+      <a:schemeClr val="accent3"/>
+      <a:schemeClr val="accent4"/>
+      <a:schemeClr val="accent5"/>
+      <a:schemeClr val="accent6"/>
+    </dgm:linClrLst>
+    <dgm:effectClrLst/>
+    <dgm:txLinClrLst/>
+    <dgm:txFillClrLst meth="repeat">
+      <a:schemeClr val="dk1"/>
+    </dgm:txFillClrLst>
+    <dgm:txEffectClrLst/>
+  </dgm:styleLbl>
+  <dgm:styleLbl name="alignAcc1">
+    <dgm:fillClrLst meth="repeat">
+      <a:schemeClr val="lt1">
+        <a:alpha val="90000"/>
+      </a:schemeClr>
+    </dgm:fillClrLst>
+    <dgm:linClrLst meth="repeat">
+      <a:schemeClr val="accent2"/>
+      <a:schemeClr val="accent3"/>
+      <a:schemeClr val="accent4"/>
+      <a:schemeClr val="accent5"/>
+      <a:schemeClr val="accent6"/>
+    </dgm:linClrLst>
+    <dgm:effectClrLst/>
+    <dgm:txLinClrLst/>
+    <dgm:txFillClrLst meth="repeat">
+      <a:schemeClr val="dk1"/>
+    </dgm:txFillClrLst>
+    <dgm:txEffectClrLst/>
+  </dgm:styleLbl>
+  <dgm:styleLbl name="trAlignAcc1">
+    <dgm:fillClrLst meth="repeat">
+      <a:schemeClr val="lt1">
+        <a:alpha val="40000"/>
+      </a:schemeClr>
+    </dgm:fillClrLst>
+    <dgm:linClrLst meth="repeat">
+      <a:schemeClr val="accent1"/>
+    </dgm:linClrLst>
+    <dgm:effectClrLst/>
+    <dgm:txLinClrLst/>
+    <dgm:txFillClrLst meth="repeat">
+      <a:schemeClr val="dk1"/>
+    </dgm:txFillClrLst>
+    <dgm:txEffectClrLst/>
+  </dgm:styleLbl>
+  <dgm:styleLbl name="bgAcc1">
+    <dgm:fillClrLst meth="repeat">
+      <a:schemeClr val="lt1">
+        <a:alpha val="90000"/>
+      </a:schemeClr>
+    </dgm:fillClrLst>
+    <dgm:linClrLst meth="repeat">
+      <a:schemeClr val="accent2"/>
+      <a:schemeClr val="accent3"/>
+      <a:schemeClr val="accent4"/>
+      <a:schemeClr val="accent5"/>
+      <a:schemeClr val="accent6"/>
+    </dgm:linClrLst>
+    <dgm:effectClrLst/>
+    <dgm:txLinClrLst/>
+    <dgm:txFillClrLst meth="repeat">
+      <a:schemeClr val="dk1"/>
+    </dgm:txFillClrLst>
+    <dgm:txEffectClrLst/>
+  </dgm:styleLbl>
+  <dgm:styleLbl name="solidFgAcc1">
+    <dgm:fillClrLst meth="repeat">
+      <a:schemeClr val="lt1"/>
+    </dgm:fillClrLst>
+    <dgm:linClrLst meth="repeat">
+      <a:schemeClr val="accent2"/>
+      <a:schemeClr val="accent3"/>
+      <a:schemeClr val="accent4"/>
+      <a:schemeClr val="accent5"/>
+      <a:schemeClr val="accent6"/>
+    </dgm:linClrLst>
+    <dgm:effectClrLst/>
+    <dgm:txLinClrLst/>
+    <dgm:txFillClrLst meth="repeat">
+      <a:schemeClr val="dk1"/>
+    </dgm:txFillClrLst>
+    <dgm:txEffectClrLst/>
+  </dgm:styleLbl>
+  <dgm:styleLbl name="solidAlignAcc1">
+    <dgm:fillClrLst meth="repeat">
+      <a:schemeClr val="lt1"/>
+    </dgm:fillClrLst>
+    <dgm:linClrLst meth="repeat">
+      <a:schemeClr val="accent2"/>
+      <a:schemeClr val="accent3"/>
+      <a:schemeClr val="accent4"/>
+      <a:schemeClr val="accent5"/>
+      <a:schemeClr val="accent6"/>
+    </dgm:linClrLst>
+    <dgm:effectClrLst/>
+    <dgm:txLinClrLst/>
+    <dgm:txFillClrLst meth="repeat">
+      <a:schemeClr val="dk1"/>
+    </dgm:txFillClrLst>
+    <dgm:txEffectClrLst/>
+  </dgm:styleLbl>
+  <dgm:styleLbl name="solidBgAcc1">
+    <dgm:fillClrLst meth="repeat">
+      <a:schemeClr val="lt1"/>
+    </dgm:fillClrLst>
+    <dgm:linClrLst meth="repeat">
+      <a:schemeClr val="accent2"/>
+      <a:schemeClr val="accent3"/>
+      <a:schemeClr val="accent4"/>
+      <a:schemeClr val="accent5"/>
+      <a:schemeClr val="accent6"/>
+    </dgm:linClrLst>
+    <dgm:effectClrLst/>
+    <dgm:txLinClrLst/>
+    <dgm:txFillClrLst meth="repeat">
+      <a:schemeClr val="dk1"/>
+    </dgm:txFillClrLst>
+    <dgm:txEffectClrLst/>
+  </dgm:styleLbl>
+  <dgm:styleLbl name="fgAccFollowNode1">
+    <dgm:fillClrLst meth="repeat">
+      <a:schemeClr val="accent2">
+        <a:tint val="40000"/>
+        <a:alpha val="90000"/>
+      </a:schemeClr>
+      <a:schemeClr val="accent3">
+        <a:tint val="40000"/>
+        <a:alpha val="90000"/>
+      </a:schemeClr>
+      <a:schemeClr val="accent4">
+        <a:tint val="40000"/>
+        <a:alpha val="90000"/>
+      </a:schemeClr>
+      <a:schemeClr val="accent5">
+        <a:tint val="40000"/>
+        <a:alpha val="90000"/>
+      </a:schemeClr>
+      <a:schemeClr val="accent6">
+        <a:tint val="40000"/>
+        <a:alpha val="90000"/>
+      </a:schemeClr>
+    </dgm:fillClrLst>
+    <dgm:linClrLst meth="repeat">
+      <a:schemeClr val="accent2">
+        <a:tint val="40000"/>
+        <a:alpha val="90000"/>
+      </a:schemeClr>
+      <a:schemeClr val="accent3">
+        <a:tint val="40000"/>
+        <a:alpha val="90000"/>
+      </a:schemeClr>
+      <a:schemeClr val="accent4">
+        <a:tint val="40000"/>
+        <a:alpha val="90000"/>
+      </a:schemeClr>
+      <a:schemeClr val="accent5">
+        <a:tint val="40000"/>
+        <a:alpha val="90000"/>
+      </a:schemeClr>
+      <a:schemeClr val="accent6">
+        <a:tint val="40000"/>
+        <a:alpha val="90000"/>
+      </a:schemeClr>
+    </dgm:linClrLst>
+    <dgm:effectClrLst/>
+    <dgm:txLinClrLst/>
+    <dgm:txFillClrLst meth="repeat">
+      <a:schemeClr val="dk1"/>
+    </dgm:txFillClrLst>
+    <dgm:txEffectClrLst/>
+  </dgm:styleLbl>
+  <dgm:styleLbl name="alignAccFollowNode1">
+    <dgm:fillClrLst meth="repeat">
+      <a:schemeClr val="accent2">
+        <a:tint val="40000"/>
+        <a:alpha val="90000"/>
+      </a:schemeClr>
+      <a:schemeClr val="accent3">
+        <a:tint val="40000"/>
+        <a:alpha val="90000"/>
+      </a:schemeClr>
+      <a:schemeClr val="accent4">
+        <a:tint val="40000"/>
+        <a:alpha val="90000"/>
+      </a:schemeClr>
+      <a:schemeClr val="accent5">
+        <a:tint val="40000"/>
+        <a:alpha val="90000"/>
+      </a:schemeClr>
+      <a:schemeClr val="accent6">
+        <a:tint val="40000"/>
+        <a:alpha val="90000"/>
+      </a:schemeClr>
+    </dgm:fillClrLst>
+    <dgm:linClrLst meth="repeat">
+      <a:schemeClr val="accent2">
+        <a:tint val="40000"/>
+        <a:alpha val="90000"/>
+      </a:schemeClr>
+      <a:schemeClr val="accent3">
+        <a:tint val="40000"/>
+        <a:alpha val="90000"/>
+      </a:schemeClr>
+      <a:schemeClr val="accent4">
+        <a:tint val="40000"/>
+        <a:alpha val="90000"/>
+      </a:schemeClr>
+      <a:schemeClr val="accent5">
+        <a:tint val="40000"/>
+        <a:alpha val="90000"/>
+      </a:schemeClr>
+      <a:schemeClr val="accent6">
+        <a:tint val="40000"/>
+        <a:alpha val="90000"/>
+      </a:schemeClr>
+    </dgm:linClrLst>
+    <dgm:effectClrLst/>
+    <dgm:txLinClrLst/>
+    <dgm:txFillClrLst meth="repeat">
+      <a:schemeClr val="dk1"/>
+    </dgm:txFillClrLst>
+    <dgm:txEffectClrLst/>
+  </dgm:styleLbl>
+  <dgm:styleLbl name="bgAccFollowNode1">
+    <dgm:fillClrLst meth="repeat">
+      <a:schemeClr val="accent2">
+        <a:tint val="40000"/>
+        <a:alpha val="90000"/>
+      </a:schemeClr>
+      <a:schemeClr val="accent3">
+        <a:tint val="40000"/>
+        <a:alpha val="90000"/>
+      </a:schemeClr>
+      <a:schemeClr val="accent4">
+        <a:tint val="40000"/>
+        <a:alpha val="90000"/>
+      </a:schemeClr>
+      <a:schemeClr val="accent5">
+        <a:tint val="40000"/>
+        <a:alpha val="90000"/>
+      </a:schemeClr>
+      <a:schemeClr val="accent6">
+        <a:tint val="40000"/>
+        <a:alpha val="90000"/>
+      </a:schemeClr>
+    </dgm:fillClrLst>
+    <dgm:linClrLst meth="repeat">
+      <a:schemeClr val="accent2">
+        <a:tint val="40000"/>
+        <a:alpha val="90000"/>
+      </a:schemeClr>
+      <a:schemeClr val="accent3">
+        <a:tint val="40000"/>
+        <a:alpha val="90000"/>
+      </a:schemeClr>
+      <a:schemeClr val="accent4">
+        <a:tint val="40000"/>
+        <a:alpha val="90000"/>
+      </a:schemeClr>
+      <a:schemeClr val="accent5">
+        <a:tint val="40000"/>
+        <a:alpha val="90000"/>
+      </a:schemeClr>
+      <a:schemeClr val="accent6">
+        <a:tint val="40000"/>
+        <a:alpha val="90000"/>
+      </a:schemeClr>
+    </dgm:linClrLst>
+    <dgm:effectClrLst/>
+    <dgm:txLinClrLst/>
+    <dgm:txFillClrLst meth="repeat">
+      <a:schemeClr val="dk1"/>
+    </dgm:txFillClrLst>
+    <dgm:txEffectClrLst/>
+  </dgm:styleLbl>
+  <dgm:styleLbl name="fgAcc0">
+    <dgm:fillClrLst meth="repeat">
+      <a:schemeClr val="lt1">
+        <a:alpha val="90000"/>
+      </a:schemeClr>
+    </dgm:fillClrLst>
+    <dgm:linClrLst>
+      <a:schemeClr val="accent1"/>
+    </dgm:linClrLst>
+    <dgm:effectClrLst/>
+    <dgm:txLinClrLst/>
+    <dgm:txFillClrLst meth="repeat">
+      <a:schemeClr val="dk1"/>
+    </dgm:txFillClrLst>
+    <dgm:txEffectClrLst/>
+  </dgm:styleLbl>
+  <dgm:styleLbl name="fgAcc2">
+    <dgm:fillClrLst meth="repeat">
+      <a:schemeClr val="lt1">
+        <a:alpha val="90000"/>
+      </a:schemeClr>
+    </dgm:fillClrLst>
+    <dgm:linClrLst>
+      <a:schemeClr val="accent2"/>
+    </dgm:linClrLst>
+    <dgm:effectClrLst/>
+    <dgm:txLinClrLst/>
+    <dgm:txFillClrLst meth="repeat">
+      <a:schemeClr val="dk1"/>
+    </dgm:txFillClrLst>
+    <dgm:txEffectClrLst/>
+  </dgm:styleLbl>
+  <dgm:styleLbl name="fgAcc3">
+    <dgm:fillClrLst meth="repeat">
+      <a:schemeClr val="lt1">
+        <a:alpha val="90000"/>
+      </a:schemeClr>
+    </dgm:fillClrLst>
+    <dgm:linClrLst>
+      <a:schemeClr val="accent3"/>
+    </dgm:linClrLst>
+    <dgm:effectClrLst/>
+    <dgm:txLinClrLst/>
+    <dgm:txFillClrLst meth="repeat">
+      <a:schemeClr val="dk1"/>
+    </dgm:txFillClrLst>
+    <dgm:txEffectClrLst/>
+  </dgm:styleLbl>
+  <dgm:styleLbl name="fgAcc4">
+    <dgm:fillClrLst meth="repeat">
+      <a:schemeClr val="lt1">
+        <a:alpha val="90000"/>
+      </a:schemeClr>
+    </dgm:fillClrLst>
+    <dgm:linClrLst>
+      <a:schemeClr val="accent4"/>
+    </dgm:linClrLst>
+    <dgm:effectClrLst/>
+    <dgm:txLinClrLst/>
+    <dgm:txFillClrLst meth="repeat">
+      <a:schemeClr val="dk1"/>
+    </dgm:txFillClrLst>
+    <dgm:txEffectClrLst/>
+  </dgm:styleLbl>
+  <dgm:styleLbl name="bgShp">
+    <dgm:fillClrLst meth="repeat">
+      <a:schemeClr val="accent2">
+        <a:tint val="40000"/>
+      </a:schemeClr>
+    </dgm:fillClrLst>
+    <dgm:linClrLst meth="repeat">
+      <a:schemeClr val="dk1"/>
+    </dgm:linClrLst>
+    <dgm:effectClrLst/>
+    <dgm:txLinClrLst/>
+    <dgm:txFillClrLst meth="repeat">
+      <a:schemeClr val="dk1"/>
+    </dgm:txFillClrLst>
+    <dgm:txEffectClrLst/>
+  </dgm:styleLbl>
+  <dgm:styleLbl name="dkBgShp">
+    <dgm:fillClrLst meth="repeat">
+      <a:schemeClr val="accent2">
+        <a:shade val="90000"/>
+      </a:schemeClr>
+    </dgm:fillClrLst>
+    <dgm:linClrLst meth="repeat">
+      <a:schemeClr val="dk1"/>
+    </dgm:linClrLst>
+    <dgm:effectClrLst/>
+    <dgm:txLinClrLst/>
+    <dgm:txFillClrLst meth="repeat">
+      <a:schemeClr val="lt1"/>
+    </dgm:txFillClrLst>
+    <dgm:txEffectClrLst/>
+  </dgm:styleLbl>
+  <dgm:styleLbl name="trBgShp">
+    <dgm:fillClrLst meth="repeat">
+      <a:schemeClr val="accent1">
+        <a:tint val="50000"/>
+        <a:alpha val="40000"/>
+      </a:schemeClr>
+    </dgm:fillClrLst>
+    <dgm:linClrLst meth="repeat">
+      <a:schemeClr val="accent2"/>
+    </dgm:linClrLst>
+    <dgm:effectClrLst/>
+    <dgm:txLinClrLst/>
+    <dgm:txFillClrLst meth="repeat">
+      <a:schemeClr val="lt1"/>
+    </dgm:txFillClrLst>
+    <dgm:txEffectClrLst/>
+  </dgm:styleLbl>
+  <dgm:styleLbl name="fgShp">
+    <dgm:fillClrLst meth="repeat">
+      <a:schemeClr val="accent2">
+        <a:tint val="40000"/>
+      </a:schemeClr>
+    </dgm:fillClrLst>
+    <dgm:linClrLst meth="repeat">
+      <a:schemeClr val="lt1"/>
+    </dgm:linClrLst>
+    <dgm:effectClrLst/>
+    <dgm:txLinClrLst/>
+    <dgm:txFillClrLst meth="repeat">
+      <a:schemeClr val="dk1"/>
+    </dgm:txFillClrLst>
+    <dgm:txEffectClrLst/>
+  </dgm:styleLbl>
+  <dgm:styleLbl name="revTx">
+    <dgm:fillClrLst meth="repeat">
+      <a:schemeClr val="lt1">
+        <a:alpha val="0"/>
+      </a:schemeClr>
+    </dgm:fillClrLst>
+    <dgm:linClrLst meth="repeat">
+      <a:schemeClr val="dk1">
+        <a:alpha val="0"/>
+      </a:schemeClr>
+    </dgm:linClrLst>
+    <dgm:effectClrLst/>
+    <dgm:txLinClrLst/>
+    <dgm:txFillClrLst meth="repeat">
+      <a:schemeClr val="tx1"/>
+    </dgm:txFillClrLst>
+    <dgm:txEffectClrLst/>
+  </dgm:styleLbl>
+</dgm:colorsDef>
+</file>
+
+<file path=ppt/diagrams/data1.xml><?xml version="1.0" encoding="utf-8"?>
+<dgm:dataModel xmlns:dgm="http://schemas.openxmlformats.org/drawingml/2006/diagram" xmlns:a="http://schemas.openxmlformats.org/drawingml/2006/main">
+  <dgm:ptLst>
+    <dgm:pt modelId="{2E2F2613-1007-4DB2-800A-D9D3949B94F4}" type="doc">
+      <dgm:prSet loTypeId="urn:microsoft.com/office/officeart/2005/8/layout/hierarchy6" loCatId="hierarchy" qsTypeId="urn:microsoft.com/office/officeart/2005/8/quickstyle/simple3" qsCatId="simple" csTypeId="urn:microsoft.com/office/officeart/2005/8/colors/colorful1" csCatId="colorful" phldr="1"/>
+      <dgm:spPr/>
+      <dgm:t>
+        <a:bodyPr/>
+        <a:lstStyle/>
+        <a:p>
+          <a:endParaRPr lang="zh-TW" altLang="en-US"/>
+        </a:p>
+      </dgm:t>
+    </dgm:pt>
+    <dgm:pt modelId="{8D331E95-80BC-436C-8334-D006B982B9E8}">
+      <dgm:prSet phldrT="[文字]" custT="1"/>
+      <dgm:spPr/>
+      <dgm:t>
+        <a:bodyPr/>
+        <a:lstStyle/>
+        <a:p>
+          <a:r>
+            <a:rPr lang="zh-TW" altLang="en-US" sz="1400" dirty="0">
+              <a:latin typeface="標楷體" panose="03000509000000000000" pitchFamily="65" charset="-120"/>
+              <a:ea typeface="標楷體" panose="03000509000000000000" pitchFamily="65" charset="-120"/>
+            </a:rPr>
+            <a:t>行人辨識</a:t>
+          </a:r>
+        </a:p>
+      </dgm:t>
+    </dgm:pt>
+    <dgm:pt modelId="{120B0196-E522-4A54-90A4-562A17024853}" type="parTrans" cxnId="{2075A8B0-68F4-48F7-B444-730E43107EAD}">
+      <dgm:prSet/>
+      <dgm:spPr/>
+      <dgm:t>
+        <a:bodyPr/>
+        <a:lstStyle/>
+        <a:p>
+          <a:endParaRPr lang="zh-TW" altLang="en-US"/>
+        </a:p>
+      </dgm:t>
+    </dgm:pt>
+    <dgm:pt modelId="{72D89C30-E723-4497-9761-228F90A02317}" type="sibTrans" cxnId="{2075A8B0-68F4-48F7-B444-730E43107EAD}">
+      <dgm:prSet/>
+      <dgm:spPr/>
+      <dgm:t>
+        <a:bodyPr/>
+        <a:lstStyle/>
+        <a:p>
+          <a:endParaRPr lang="zh-TW" altLang="en-US"/>
+        </a:p>
+      </dgm:t>
+    </dgm:pt>
+    <dgm:pt modelId="{0E1E23B0-F934-4CFC-A47D-53C48ACD8A55}">
+      <dgm:prSet phldrT="[文字]" custT="1"/>
+      <dgm:spPr/>
+      <dgm:t>
+        <a:bodyPr/>
+        <a:lstStyle/>
+        <a:p>
+          <a:r>
+            <a:rPr lang="zh-TW" altLang="en-US" sz="1600" dirty="0">
+              <a:latin typeface="標楷體" panose="03000509000000000000" pitchFamily="65" charset="-120"/>
+              <a:ea typeface="標楷體" panose="03000509000000000000" pitchFamily="65" charset="-120"/>
+            </a:rPr>
+            <a:t>數據格式化</a:t>
+          </a:r>
+        </a:p>
+      </dgm:t>
+    </dgm:pt>
+    <dgm:pt modelId="{140EFB3E-EE79-4424-8D13-DBA152C05CAF}" type="parTrans" cxnId="{085D24D2-448C-422B-A1AF-2DFF18396003}">
+      <dgm:prSet/>
+      <dgm:spPr/>
+      <dgm:t>
+        <a:bodyPr/>
+        <a:lstStyle/>
+        <a:p>
+          <a:endParaRPr lang="zh-TW" altLang="en-US"/>
+        </a:p>
+      </dgm:t>
+    </dgm:pt>
+    <dgm:pt modelId="{3948B88D-EEB9-4DBB-8C89-D2C0ADC0E729}" type="sibTrans" cxnId="{085D24D2-448C-422B-A1AF-2DFF18396003}">
+      <dgm:prSet/>
+      <dgm:spPr/>
+      <dgm:t>
+        <a:bodyPr/>
+        <a:lstStyle/>
+        <a:p>
+          <a:endParaRPr lang="zh-TW" altLang="en-US"/>
+        </a:p>
+      </dgm:t>
+    </dgm:pt>
+    <dgm:pt modelId="{E9C2D9DA-571D-4528-AED8-D5E3AAAE7912}">
+      <dgm:prSet phldrT="[文字]" custT="1"/>
+      <dgm:spPr/>
+      <dgm:t>
+        <a:bodyPr/>
+        <a:lstStyle/>
+        <a:p>
+          <a:r>
+            <a:rPr lang="en-US" altLang="zh-TW" sz="1600" dirty="0"/>
+            <a:t>matlab</a:t>
+          </a:r>
+          <a:endParaRPr lang="zh-TW" altLang="en-US" sz="1600" dirty="0"/>
+        </a:p>
+      </dgm:t>
+    </dgm:pt>
+    <dgm:pt modelId="{96C9D161-34C1-4E9F-A206-8421937B88B2}" type="parTrans" cxnId="{7E0DB9F9-7176-4CCE-810A-0BA2CE6FADD2}">
+      <dgm:prSet/>
+      <dgm:spPr/>
+      <dgm:t>
+        <a:bodyPr/>
+        <a:lstStyle/>
+        <a:p>
+          <a:endParaRPr lang="zh-TW" altLang="en-US"/>
+        </a:p>
+      </dgm:t>
+    </dgm:pt>
+    <dgm:pt modelId="{4787E4B2-FD42-4654-AFDA-492470CDFFD2}" type="sibTrans" cxnId="{7E0DB9F9-7176-4CCE-810A-0BA2CE6FADD2}">
+      <dgm:prSet/>
+      <dgm:spPr/>
+      <dgm:t>
+        <a:bodyPr/>
+        <a:lstStyle/>
+        <a:p>
+          <a:endParaRPr lang="zh-TW" altLang="en-US"/>
+        </a:p>
+      </dgm:t>
+    </dgm:pt>
+    <dgm:pt modelId="{5F4D4474-6763-45EA-A012-A7BC5BAEEFED}">
+      <dgm:prSet phldrT="[文字]" custT="1"/>
+      <dgm:spPr/>
+      <dgm:t>
+        <a:bodyPr/>
+        <a:lstStyle/>
+        <a:p>
+          <a:r>
+            <a:rPr lang="en-US" altLang="zh-TW" sz="1600" dirty="0">
+              <a:latin typeface="標楷體" panose="03000509000000000000" pitchFamily="65" charset="-120"/>
+              <a:ea typeface="標楷體" panose="03000509000000000000" pitchFamily="65" charset="-120"/>
+            </a:rPr>
+            <a:t>FPGA</a:t>
+          </a:r>
+          <a:endParaRPr lang="zh-TW" altLang="en-US" sz="1600" dirty="0">
+            <a:latin typeface="標楷體" panose="03000509000000000000" pitchFamily="65" charset="-120"/>
+            <a:ea typeface="標楷體" panose="03000509000000000000" pitchFamily="65" charset="-120"/>
+          </a:endParaRPr>
+        </a:p>
+      </dgm:t>
+    </dgm:pt>
+    <dgm:pt modelId="{13599120-599D-4D6C-B4CF-F3A085A6F3E0}" type="parTrans" cxnId="{6030FB7E-5EDF-4133-B7A2-B57F0FF6DD97}">
+      <dgm:prSet/>
+      <dgm:spPr/>
+      <dgm:t>
+        <a:bodyPr/>
+        <a:lstStyle/>
+        <a:p>
+          <a:endParaRPr lang="zh-TW" altLang="en-US"/>
+        </a:p>
+      </dgm:t>
+    </dgm:pt>
+    <dgm:pt modelId="{588D81FF-F83D-4C97-87F0-9A50E645F6DE}" type="sibTrans" cxnId="{6030FB7E-5EDF-4133-B7A2-B57F0FF6DD97}">
+      <dgm:prSet/>
+      <dgm:spPr/>
+      <dgm:t>
+        <a:bodyPr/>
+        <a:lstStyle/>
+        <a:p>
+          <a:endParaRPr lang="zh-TW" altLang="en-US"/>
+        </a:p>
+      </dgm:t>
+    </dgm:pt>
+    <dgm:pt modelId="{4D0EF0FD-54AB-407D-85F2-D31FF6C0392B}">
+      <dgm:prSet phldrT="[文字]" custT="1"/>
+      <dgm:spPr/>
+      <dgm:t>
+        <a:bodyPr/>
+        <a:lstStyle/>
+        <a:p>
+          <a:r>
+            <a:rPr lang="zh-TW" altLang="en-US" sz="1600" dirty="0">
+              <a:latin typeface="標楷體" panose="03000509000000000000" pitchFamily="65" charset="-120"/>
+              <a:ea typeface="標楷體" panose="03000509000000000000" pitchFamily="65" charset="-120"/>
+            </a:rPr>
+            <a:t> 行人辨識</a:t>
+          </a:r>
+        </a:p>
+      </dgm:t>
+    </dgm:pt>
+    <dgm:pt modelId="{86886A00-09D0-4A6F-A058-E4FB3303365C}" type="parTrans" cxnId="{F79B40B2-7101-4D93-8B25-4489D91E5148}">
+      <dgm:prSet/>
+      <dgm:spPr/>
+      <dgm:t>
+        <a:bodyPr/>
+        <a:lstStyle/>
+        <a:p>
+          <a:endParaRPr lang="zh-TW" altLang="en-US"/>
+        </a:p>
+      </dgm:t>
+    </dgm:pt>
+    <dgm:pt modelId="{81C9332B-5F26-4B3B-8AD4-B9C284330D13}" type="sibTrans" cxnId="{F79B40B2-7101-4D93-8B25-4489D91E5148}">
+      <dgm:prSet/>
+      <dgm:spPr/>
+      <dgm:t>
+        <a:bodyPr/>
+        <a:lstStyle/>
+        <a:p>
+          <a:endParaRPr lang="zh-TW" altLang="en-US"/>
+        </a:p>
+      </dgm:t>
+    </dgm:pt>
+    <dgm:pt modelId="{948971AA-82E6-4626-A0E6-CF80CF71EFAC}">
+      <dgm:prSet phldrT="[文字]" custT="1"/>
+      <dgm:spPr/>
+      <dgm:t>
+        <a:bodyPr/>
+        <a:lstStyle/>
+        <a:p>
+          <a:r>
+            <a:rPr lang="zh-TW" altLang="en-US" sz="1600" dirty="0">
+              <a:latin typeface="標楷體" panose="03000509000000000000" pitchFamily="65" charset="-120"/>
+              <a:ea typeface="標楷體" panose="03000509000000000000" pitchFamily="65" charset="-120"/>
+            </a:rPr>
+            <a:t>數據集</a:t>
+          </a:r>
+        </a:p>
+      </dgm:t>
+    </dgm:pt>
+    <dgm:pt modelId="{4975ACC8-8BCE-4C4F-83C4-46AF84308B08}" type="parTrans" cxnId="{327F423D-3330-4583-9DCB-AC7390369C50}">
+      <dgm:prSet/>
+      <dgm:spPr/>
+      <dgm:t>
+        <a:bodyPr/>
+        <a:lstStyle/>
+        <a:p>
+          <a:endParaRPr lang="zh-TW" altLang="en-US"/>
+        </a:p>
+      </dgm:t>
+    </dgm:pt>
+    <dgm:pt modelId="{1F20CCD2-08BF-4D55-890E-AB9B3843CFB9}" type="sibTrans" cxnId="{327F423D-3330-4583-9DCB-AC7390369C50}">
+      <dgm:prSet/>
+      <dgm:spPr/>
+      <dgm:t>
+        <a:bodyPr/>
+        <a:lstStyle/>
+        <a:p>
+          <a:endParaRPr lang="zh-TW" altLang="en-US"/>
+        </a:p>
+      </dgm:t>
+    </dgm:pt>
+    <dgm:pt modelId="{5EA72DE5-7EE0-4187-B6F3-C2DCDBC1A11C}">
+      <dgm:prSet phldrT="[文字]" custT="1"/>
+      <dgm:spPr/>
+      <dgm:t>
+        <a:bodyPr/>
+        <a:lstStyle/>
+        <a:p>
+          <a:r>
+            <a:rPr lang="zh-TW" altLang="en-US" sz="1600" dirty="0">
+              <a:latin typeface="標楷體" panose="03000509000000000000" pitchFamily="65" charset="-120"/>
+              <a:ea typeface="標楷體" panose="03000509000000000000" pitchFamily="65" charset="-120"/>
+            </a:rPr>
+            <a:t>行人數據集</a:t>
+          </a:r>
+        </a:p>
+      </dgm:t>
+    </dgm:pt>
+    <dgm:pt modelId="{A1A03F33-47FF-44C0-985F-860B24D71C5D}" type="parTrans" cxnId="{11B9D332-6795-489A-89DE-770C4E203D91}">
+      <dgm:prSet/>
+      <dgm:spPr/>
+      <dgm:t>
+        <a:bodyPr/>
+        <a:lstStyle/>
+        <a:p>
+          <a:endParaRPr lang="zh-TW" altLang="en-US"/>
+        </a:p>
+      </dgm:t>
+    </dgm:pt>
+    <dgm:pt modelId="{F2630515-C3B4-4A29-9380-78FC24B3F4E8}" type="sibTrans" cxnId="{11B9D332-6795-489A-89DE-770C4E203D91}">
+      <dgm:prSet/>
+      <dgm:spPr/>
+      <dgm:t>
+        <a:bodyPr/>
+        <a:lstStyle/>
+        <a:p>
+          <a:endParaRPr lang="zh-TW" altLang="en-US"/>
+        </a:p>
+      </dgm:t>
+    </dgm:pt>
+    <dgm:pt modelId="{B8CB617D-FB55-4B3C-BA11-1154D7EECD18}">
+      <dgm:prSet phldrT="[文字]" custT="1"/>
+      <dgm:spPr/>
+      <dgm:t>
+        <a:bodyPr/>
+        <a:lstStyle/>
+        <a:p>
+          <a:r>
+            <a:rPr lang="zh-TW" altLang="en-US" sz="1600" dirty="0">
+              <a:latin typeface="標楷體" panose="03000509000000000000" pitchFamily="65" charset="-120"/>
+              <a:ea typeface="標楷體" panose="03000509000000000000" pitchFamily="65" charset="-120"/>
+            </a:rPr>
+            <a:t>圖像讀寫</a:t>
+          </a:r>
+        </a:p>
+      </dgm:t>
+    </dgm:pt>
+    <dgm:pt modelId="{EBC15101-616F-476E-B93B-31EF27035D85}" type="parTrans" cxnId="{7D33E7E3-6DF9-4291-AC86-D991A12740DD}">
+      <dgm:prSet/>
+      <dgm:spPr/>
+      <dgm:t>
+        <a:bodyPr/>
+        <a:lstStyle/>
+        <a:p>
+          <a:endParaRPr lang="zh-TW" altLang="en-US"/>
+        </a:p>
+      </dgm:t>
+    </dgm:pt>
+    <dgm:pt modelId="{77501FE0-8617-46DC-AA45-D214B021FAA8}" type="sibTrans" cxnId="{7D33E7E3-6DF9-4291-AC86-D991A12740DD}">
+      <dgm:prSet/>
+      <dgm:spPr/>
+      <dgm:t>
+        <a:bodyPr/>
+        <a:lstStyle/>
+        <a:p>
+          <a:endParaRPr lang="zh-TW" altLang="en-US"/>
+        </a:p>
+      </dgm:t>
+    </dgm:pt>
+    <dgm:pt modelId="{3A3413AF-A874-4EF7-9E62-D630E9111324}">
+      <dgm:prSet phldrT="[文字]" custT="1"/>
+      <dgm:spPr/>
+      <dgm:t>
+        <a:bodyPr/>
+        <a:lstStyle/>
+        <a:p>
+          <a:r>
+            <a:rPr lang="en-US" altLang="zh-TW" sz="1600" dirty="0">
+              <a:latin typeface="標楷體" panose="03000509000000000000" pitchFamily="65" charset="-120"/>
+              <a:ea typeface="標楷體" panose="03000509000000000000" pitchFamily="65" charset="-120"/>
+            </a:rPr>
+            <a:t>BRAM</a:t>
+          </a:r>
+          <a:endParaRPr lang="zh-TW" altLang="en-US" sz="1600" dirty="0">
+            <a:latin typeface="標楷體" panose="03000509000000000000" pitchFamily="65" charset="-120"/>
+            <a:ea typeface="標楷體" panose="03000509000000000000" pitchFamily="65" charset="-120"/>
+          </a:endParaRPr>
+        </a:p>
+      </dgm:t>
+    </dgm:pt>
+    <dgm:pt modelId="{CE8319F9-2AF1-4B37-B400-D840FDB8A136}" type="parTrans" cxnId="{7CA4B724-1A43-49A3-A742-251E281D24E0}">
+      <dgm:prSet/>
+      <dgm:spPr/>
+      <dgm:t>
+        <a:bodyPr/>
+        <a:lstStyle/>
+        <a:p>
+          <a:endParaRPr lang="zh-TW" altLang="en-US"/>
+        </a:p>
+      </dgm:t>
+    </dgm:pt>
+    <dgm:pt modelId="{D77043C9-B705-4E76-B521-F15978566CCA}" type="sibTrans" cxnId="{7CA4B724-1A43-49A3-A742-251E281D24E0}">
+      <dgm:prSet/>
+      <dgm:spPr/>
+      <dgm:t>
+        <a:bodyPr/>
+        <a:lstStyle/>
+        <a:p>
+          <a:endParaRPr lang="zh-TW" altLang="en-US"/>
+        </a:p>
+      </dgm:t>
+    </dgm:pt>
+    <dgm:pt modelId="{7EE111B4-980C-4758-A204-48ADCB59242A}">
+      <dgm:prSet phldrT="[文字]" custT="1"/>
+      <dgm:spPr/>
+      <dgm:t>
+        <a:bodyPr/>
+        <a:lstStyle/>
+        <a:p>
+          <a:r>
+            <a:rPr lang="zh-TW" altLang="en-US" sz="1600" dirty="0">
+              <a:latin typeface="標楷體" panose="03000509000000000000" pitchFamily="65" charset="-120"/>
+              <a:ea typeface="標楷體" panose="03000509000000000000" pitchFamily="65" charset="-120"/>
+            </a:rPr>
+            <a:t>分類器</a:t>
+          </a:r>
+        </a:p>
+      </dgm:t>
+    </dgm:pt>
+    <dgm:pt modelId="{2C99F6B0-F5A6-44E0-B156-928FE4F0E4D5}" type="parTrans" cxnId="{B4923680-79C6-4DC6-B769-23A962E472B9}">
+      <dgm:prSet/>
+      <dgm:spPr/>
+      <dgm:t>
+        <a:bodyPr/>
+        <a:lstStyle/>
+        <a:p>
+          <a:endParaRPr lang="zh-TW" altLang="en-US"/>
+        </a:p>
+      </dgm:t>
+    </dgm:pt>
+    <dgm:pt modelId="{23AFCB15-C8EF-4289-A6BF-FAB0B0250369}" type="sibTrans" cxnId="{B4923680-79C6-4DC6-B769-23A962E472B9}">
+      <dgm:prSet/>
+      <dgm:spPr/>
+      <dgm:t>
+        <a:bodyPr/>
+        <a:lstStyle/>
+        <a:p>
+          <a:endParaRPr lang="zh-TW" altLang="en-US"/>
+        </a:p>
+      </dgm:t>
+    </dgm:pt>
+    <dgm:pt modelId="{197A571B-27C2-4263-8679-2AA8C1C52D13}">
+      <dgm:prSet phldrT="[文字]" custT="1"/>
+      <dgm:spPr/>
+      <dgm:t>
+        <a:bodyPr/>
+        <a:lstStyle/>
+        <a:p>
+          <a:r>
+            <a:rPr lang="en-US" altLang="zh-TW" sz="1600" dirty="0">
+              <a:latin typeface="標楷體" panose="03000509000000000000" pitchFamily="65" charset="-120"/>
+              <a:ea typeface="標楷體" panose="03000509000000000000" pitchFamily="65" charset="-120"/>
+            </a:rPr>
+            <a:t>SVM</a:t>
+          </a:r>
+          <a:endParaRPr lang="zh-TW" altLang="en-US" sz="1600" dirty="0">
+            <a:latin typeface="標楷體" panose="03000509000000000000" pitchFamily="65" charset="-120"/>
+            <a:ea typeface="標楷體" panose="03000509000000000000" pitchFamily="65" charset="-120"/>
+          </a:endParaRPr>
+        </a:p>
+      </dgm:t>
+    </dgm:pt>
+    <dgm:pt modelId="{0E15FEC4-3575-43C2-9203-DDF2EBFAF540}" type="parTrans" cxnId="{1AD0E3E8-F661-4CFD-AF27-5DF87408FA3E}">
+      <dgm:prSet/>
+      <dgm:spPr/>
+      <dgm:t>
+        <a:bodyPr/>
+        <a:lstStyle/>
+        <a:p>
+          <a:endParaRPr lang="zh-TW" altLang="en-US"/>
+        </a:p>
+      </dgm:t>
+    </dgm:pt>
+    <dgm:pt modelId="{3F7114C2-A63C-4BBD-AAF9-FD96C72F1FC8}" type="sibTrans" cxnId="{1AD0E3E8-F661-4CFD-AF27-5DF87408FA3E}">
+      <dgm:prSet/>
+      <dgm:spPr/>
+      <dgm:t>
+        <a:bodyPr/>
+        <a:lstStyle/>
+        <a:p>
+          <a:endParaRPr lang="zh-TW" altLang="en-US"/>
+        </a:p>
+      </dgm:t>
+    </dgm:pt>
+    <dgm:pt modelId="{E096858C-2974-41B8-B322-A6BDB7928C47}">
+      <dgm:prSet phldrT="[文字]" custT="1"/>
+      <dgm:spPr/>
+      <dgm:t>
+        <a:bodyPr/>
+        <a:lstStyle/>
+        <a:p>
+          <a:r>
+            <a:rPr lang="zh-TW" altLang="en-US" sz="1600" dirty="0">
+              <a:latin typeface="標楷體" panose="03000509000000000000" pitchFamily="65" charset="-120"/>
+              <a:ea typeface="標楷體" panose="03000509000000000000" pitchFamily="65" charset="-120"/>
+            </a:rPr>
+            <a:t>特徵提取</a:t>
+          </a:r>
+        </a:p>
+      </dgm:t>
+    </dgm:pt>
+    <dgm:pt modelId="{5D4DC01A-098D-4AAA-BBC3-BAE05DE96994}" type="parTrans" cxnId="{37EFC227-CE1D-4E66-97B5-29662C6E9653}">
+      <dgm:prSet/>
+      <dgm:spPr/>
+      <dgm:t>
+        <a:bodyPr/>
+        <a:lstStyle/>
+        <a:p>
+          <a:endParaRPr lang="zh-TW" altLang="en-US"/>
+        </a:p>
+      </dgm:t>
+    </dgm:pt>
+    <dgm:pt modelId="{E4543B1C-E838-4075-B6A3-DC3B5B185D07}" type="sibTrans" cxnId="{37EFC227-CE1D-4E66-97B5-29662C6E9653}">
+      <dgm:prSet/>
+      <dgm:spPr/>
+      <dgm:t>
+        <a:bodyPr/>
+        <a:lstStyle/>
+        <a:p>
+          <a:endParaRPr lang="zh-TW" altLang="en-US"/>
+        </a:p>
+      </dgm:t>
+    </dgm:pt>
+    <dgm:pt modelId="{8A6F9739-3D5E-49CD-8BED-912B95B97B4D}">
+      <dgm:prSet phldrT="[文字]" custT="1"/>
+      <dgm:spPr/>
+      <dgm:t>
+        <a:bodyPr/>
+        <a:lstStyle/>
+        <a:p>
+          <a:r>
+            <a:rPr lang="en-US" altLang="zh-TW" sz="1600" dirty="0">
+              <a:latin typeface="標楷體" panose="03000509000000000000" pitchFamily="65" charset="-120"/>
+              <a:ea typeface="標楷體" panose="03000509000000000000" pitchFamily="65" charset="-120"/>
+            </a:rPr>
+            <a:t>HOG</a:t>
+          </a:r>
+          <a:endParaRPr lang="zh-TW" altLang="en-US" sz="1600" dirty="0">
+            <a:latin typeface="標楷體" panose="03000509000000000000" pitchFamily="65" charset="-120"/>
+            <a:ea typeface="標楷體" panose="03000509000000000000" pitchFamily="65" charset="-120"/>
+          </a:endParaRPr>
+        </a:p>
+      </dgm:t>
+    </dgm:pt>
+    <dgm:pt modelId="{48AA0B62-E512-4560-9269-C175DBC4552F}" type="parTrans" cxnId="{6988E83E-4314-471E-AB4D-1D4E1DDAA16C}">
+      <dgm:prSet/>
+      <dgm:spPr/>
+      <dgm:t>
+        <a:bodyPr/>
+        <a:lstStyle/>
+        <a:p>
+          <a:endParaRPr lang="zh-TW" altLang="en-US"/>
+        </a:p>
+      </dgm:t>
+    </dgm:pt>
+    <dgm:pt modelId="{EB047CCF-7387-4AE4-A7B5-3E9363ABE200}" type="sibTrans" cxnId="{6988E83E-4314-471E-AB4D-1D4E1DDAA16C}">
+      <dgm:prSet/>
+      <dgm:spPr/>
+      <dgm:t>
+        <a:bodyPr/>
+        <a:lstStyle/>
+        <a:p>
+          <a:endParaRPr lang="zh-TW" altLang="en-US"/>
+        </a:p>
+      </dgm:t>
+    </dgm:pt>
+    <dgm:pt modelId="{0002BB00-7CB0-4089-A7F8-CB04EA448487}">
+      <dgm:prSet phldrT="[文字]" custT="1"/>
+      <dgm:spPr/>
+      <dgm:t>
+        <a:bodyPr/>
+        <a:lstStyle/>
+        <a:p>
+          <a:r>
+            <a:rPr lang="en-US" altLang="zh-TW" sz="1600" dirty="0" err="1">
+              <a:latin typeface="標楷體" panose="03000509000000000000" pitchFamily="65" charset="-120"/>
+              <a:ea typeface="標楷體" panose="03000509000000000000" pitchFamily="65" charset="-120"/>
+            </a:rPr>
+            <a:t>bladeRF</a:t>
+          </a:r>
+          <a:endParaRPr lang="zh-TW" altLang="en-US" sz="1600" dirty="0">
+            <a:latin typeface="標楷體" panose="03000509000000000000" pitchFamily="65" charset="-120"/>
+            <a:ea typeface="標楷體" panose="03000509000000000000" pitchFamily="65" charset="-120"/>
+          </a:endParaRPr>
+        </a:p>
+      </dgm:t>
+    </dgm:pt>
+    <dgm:pt modelId="{395B9B61-33EE-465F-9079-92F560B83481}" type="parTrans" cxnId="{5C418018-16E3-4B1C-AC21-0D4D4DC16D44}">
+      <dgm:prSet/>
+      <dgm:spPr/>
+      <dgm:t>
+        <a:bodyPr/>
+        <a:lstStyle/>
+        <a:p>
+          <a:endParaRPr lang="zh-TW" altLang="en-US"/>
+        </a:p>
+      </dgm:t>
+    </dgm:pt>
+    <dgm:pt modelId="{10AD4116-457D-4873-B08E-8A7E59E111E1}" type="sibTrans" cxnId="{5C418018-16E3-4B1C-AC21-0D4D4DC16D44}">
+      <dgm:prSet/>
+      <dgm:spPr/>
+      <dgm:t>
+        <a:bodyPr/>
+        <a:lstStyle/>
+        <a:p>
+          <a:endParaRPr lang="zh-TW" altLang="en-US"/>
+        </a:p>
+      </dgm:t>
+    </dgm:pt>
+    <dgm:pt modelId="{0851603C-C771-4DCF-A9C1-04E7893EBF35}">
+      <dgm:prSet phldrT="[文字]" custT="1"/>
+      <dgm:spPr/>
+      <dgm:t>
+        <a:bodyPr/>
+        <a:lstStyle/>
+        <a:p>
+          <a:r>
+            <a:rPr lang="en-US" altLang="zh-TW" sz="1600" dirty="0">
+              <a:latin typeface="標楷體" panose="03000509000000000000" pitchFamily="65" charset="-120"/>
+              <a:ea typeface="標楷體" panose="03000509000000000000" pitchFamily="65" charset="-120"/>
+            </a:rPr>
+            <a:t>TX</a:t>
+          </a:r>
+          <a:endParaRPr lang="zh-TW" altLang="en-US" sz="1600" dirty="0">
+            <a:latin typeface="標楷體" panose="03000509000000000000" pitchFamily="65" charset="-120"/>
+            <a:ea typeface="標楷體" panose="03000509000000000000" pitchFamily="65" charset="-120"/>
+          </a:endParaRPr>
+        </a:p>
+      </dgm:t>
+    </dgm:pt>
+    <dgm:pt modelId="{3DA7C7EE-C58F-4DCF-AB71-5419EBB599F9}" type="parTrans" cxnId="{38BDC966-D138-4805-A024-4F5FCEC8741D}">
+      <dgm:prSet/>
+      <dgm:spPr/>
+      <dgm:t>
+        <a:bodyPr/>
+        <a:lstStyle/>
+        <a:p>
+          <a:endParaRPr lang="zh-TW" altLang="en-US"/>
+        </a:p>
+      </dgm:t>
+    </dgm:pt>
+    <dgm:pt modelId="{2C82E596-A8A6-47AD-BCF0-12E4DB1FEA0B}" type="sibTrans" cxnId="{38BDC966-D138-4805-A024-4F5FCEC8741D}">
+      <dgm:prSet/>
+      <dgm:spPr/>
+      <dgm:t>
+        <a:bodyPr/>
+        <a:lstStyle/>
+        <a:p>
+          <a:endParaRPr lang="zh-TW" altLang="en-US"/>
+        </a:p>
+      </dgm:t>
+    </dgm:pt>
+    <dgm:pt modelId="{57133534-AB32-4EF3-8D77-D9AC386ACB27}">
+      <dgm:prSet phldrT="[文字]" custT="1"/>
+      <dgm:spPr/>
+      <dgm:t>
+        <a:bodyPr/>
+        <a:lstStyle/>
+        <a:p>
+          <a:r>
+            <a:rPr lang="en-US" altLang="zh-TW" sz="1600" dirty="0">
+              <a:latin typeface="標楷體" panose="03000509000000000000" pitchFamily="65" charset="-120"/>
+              <a:ea typeface="標楷體" panose="03000509000000000000" pitchFamily="65" charset="-120"/>
+            </a:rPr>
+            <a:t>RX</a:t>
+          </a:r>
+          <a:endParaRPr lang="zh-TW" altLang="en-US" sz="1600" dirty="0">
+            <a:latin typeface="標楷體" panose="03000509000000000000" pitchFamily="65" charset="-120"/>
+            <a:ea typeface="標楷體" panose="03000509000000000000" pitchFamily="65" charset="-120"/>
+          </a:endParaRPr>
+        </a:p>
+      </dgm:t>
+    </dgm:pt>
+    <dgm:pt modelId="{FC009297-81A1-437F-A7BC-73413636AA0B}" type="parTrans" cxnId="{B313EB6D-90F1-4861-A392-A0A2383E1789}">
+      <dgm:prSet/>
+      <dgm:spPr/>
+      <dgm:t>
+        <a:bodyPr/>
+        <a:lstStyle/>
+        <a:p>
+          <a:endParaRPr lang="zh-TW" altLang="en-US"/>
+        </a:p>
+      </dgm:t>
+    </dgm:pt>
+    <dgm:pt modelId="{6508C342-6705-4578-814C-293EEEF826A6}" type="sibTrans" cxnId="{B313EB6D-90F1-4861-A392-A0A2383E1789}">
+      <dgm:prSet/>
+      <dgm:spPr/>
+      <dgm:t>
+        <a:bodyPr/>
+        <a:lstStyle/>
+        <a:p>
+          <a:endParaRPr lang="zh-TW" altLang="en-US"/>
+        </a:p>
+      </dgm:t>
+    </dgm:pt>
+    <dgm:pt modelId="{2461806B-CC4B-45FA-B831-2A723B9C3790}">
+      <dgm:prSet phldrT="[文字]" custT="1"/>
+      <dgm:spPr/>
+      <dgm:t>
+        <a:bodyPr/>
+        <a:lstStyle/>
+        <a:p>
+          <a:r>
+            <a:rPr lang="en-US" altLang="zh-TW" sz="1600" dirty="0">
+              <a:latin typeface="標楷體" panose="03000509000000000000" pitchFamily="65" charset="-120"/>
+              <a:ea typeface="標楷體" panose="03000509000000000000" pitchFamily="65" charset="-120"/>
+            </a:rPr>
+            <a:t>CSV</a:t>
+          </a:r>
+          <a:endParaRPr lang="zh-TW" altLang="en-US" sz="1600" dirty="0">
+            <a:latin typeface="標楷體" panose="03000509000000000000" pitchFamily="65" charset="-120"/>
+            <a:ea typeface="標楷體" panose="03000509000000000000" pitchFamily="65" charset="-120"/>
+          </a:endParaRPr>
+        </a:p>
+      </dgm:t>
+    </dgm:pt>
+    <dgm:pt modelId="{95B132E4-3705-49F2-AC9D-D30C75958A73}" type="parTrans" cxnId="{413ED0B6-EFBD-4214-BBB2-EF1CE2867242}">
+      <dgm:prSet/>
+      <dgm:spPr/>
+      <dgm:t>
+        <a:bodyPr/>
+        <a:lstStyle/>
+        <a:p>
+          <a:endParaRPr lang="zh-TW" altLang="en-US"/>
+        </a:p>
+      </dgm:t>
+    </dgm:pt>
+    <dgm:pt modelId="{589FF40D-D885-4617-9EA8-1FB1058F07A1}" type="sibTrans" cxnId="{413ED0B6-EFBD-4214-BBB2-EF1CE2867242}">
+      <dgm:prSet/>
+      <dgm:spPr/>
+      <dgm:t>
+        <a:bodyPr/>
+        <a:lstStyle/>
+        <a:p>
+          <a:endParaRPr lang="zh-TW" altLang="en-US"/>
+        </a:p>
+      </dgm:t>
+    </dgm:pt>
+    <dgm:pt modelId="{F7D032B9-2324-437A-9621-30FA9460261A}">
+      <dgm:prSet phldrT="[文字]" custT="1"/>
+      <dgm:spPr/>
+      <dgm:t>
+        <a:bodyPr/>
+        <a:lstStyle/>
+        <a:p>
+          <a:r>
+            <a:rPr lang="en-US" altLang="zh-TW" sz="1600" dirty="0">
+              <a:latin typeface="標楷體" panose="03000509000000000000" pitchFamily="65" charset="-120"/>
+              <a:ea typeface="標楷體" panose="03000509000000000000" pitchFamily="65" charset="-120"/>
+            </a:rPr>
+            <a:t>VGA</a:t>
+          </a:r>
+          <a:r>
+            <a:rPr lang="zh-TW" altLang="en-US" sz="1600" dirty="0">
+              <a:latin typeface="標楷體" panose="03000509000000000000" pitchFamily="65" charset="-120"/>
+              <a:ea typeface="標楷體" panose="03000509000000000000" pitchFamily="65" charset="-120"/>
+            </a:rPr>
+            <a:t>  </a:t>
+          </a:r>
+          <a:r>
+            <a:rPr lang="en-US" altLang="zh-TW" sz="1600" dirty="0">
+              <a:latin typeface="標楷體" panose="03000509000000000000" pitchFamily="65" charset="-120"/>
+              <a:ea typeface="標楷體" panose="03000509000000000000" pitchFamily="65" charset="-120"/>
+            </a:rPr>
+            <a:t>out</a:t>
+          </a:r>
+          <a:endParaRPr lang="zh-TW" altLang="en-US" sz="1600" dirty="0">
+            <a:latin typeface="標楷體" panose="03000509000000000000" pitchFamily="65" charset="-120"/>
+            <a:ea typeface="標楷體" panose="03000509000000000000" pitchFamily="65" charset="-120"/>
+          </a:endParaRPr>
+        </a:p>
+      </dgm:t>
+    </dgm:pt>
+    <dgm:pt modelId="{9DCFBFD4-4E04-4DF4-B96D-090272E936F0}" type="parTrans" cxnId="{32D00FE5-A3D1-41B3-8508-AC82FFCA44A6}">
+      <dgm:prSet/>
+      <dgm:spPr/>
+      <dgm:t>
+        <a:bodyPr/>
+        <a:lstStyle/>
+        <a:p>
+          <a:endParaRPr lang="zh-TW" altLang="en-US"/>
+        </a:p>
+      </dgm:t>
+    </dgm:pt>
+    <dgm:pt modelId="{1B9CF2A0-14DF-4E46-8B75-FA5FAC0F882A}" type="sibTrans" cxnId="{32D00FE5-A3D1-41B3-8508-AC82FFCA44A6}">
+      <dgm:prSet/>
+      <dgm:spPr/>
+      <dgm:t>
+        <a:bodyPr/>
+        <a:lstStyle/>
+        <a:p>
+          <a:endParaRPr lang="zh-TW" altLang="en-US"/>
+        </a:p>
+      </dgm:t>
+    </dgm:pt>
+    <dgm:pt modelId="{8A41D693-425D-4A2D-A28B-D2A2AC9CC462}" type="pres">
+      <dgm:prSet presAssocID="{2E2F2613-1007-4DB2-800A-D9D3949B94F4}" presName="mainComposite" presStyleCnt="0">
+        <dgm:presLayoutVars>
+          <dgm:chPref val="1"/>
+          <dgm:dir/>
+          <dgm:animOne val="branch"/>
+          <dgm:animLvl val="lvl"/>
+          <dgm:resizeHandles val="exact"/>
+        </dgm:presLayoutVars>
+      </dgm:prSet>
+      <dgm:spPr/>
+    </dgm:pt>
+    <dgm:pt modelId="{074EF897-6624-4C11-980A-A67AE995F81B}" type="pres">
+      <dgm:prSet presAssocID="{2E2F2613-1007-4DB2-800A-D9D3949B94F4}" presName="hierFlow" presStyleCnt="0"/>
+      <dgm:spPr/>
+    </dgm:pt>
+    <dgm:pt modelId="{07669E01-CC50-4B63-93F5-94A58C59B9EC}" type="pres">
+      <dgm:prSet presAssocID="{2E2F2613-1007-4DB2-800A-D9D3949B94F4}" presName="hierChild1" presStyleCnt="0">
+        <dgm:presLayoutVars>
+          <dgm:chPref val="1"/>
+          <dgm:animOne val="branch"/>
+          <dgm:animLvl val="lvl"/>
+        </dgm:presLayoutVars>
+      </dgm:prSet>
+      <dgm:spPr/>
+    </dgm:pt>
+    <dgm:pt modelId="{D68D9E5A-E92B-4FE0-9C48-37659CFDB9FB}" type="pres">
+      <dgm:prSet presAssocID="{8D331E95-80BC-436C-8334-D006B982B9E8}" presName="Name14" presStyleCnt="0"/>
+      <dgm:spPr/>
+    </dgm:pt>
+    <dgm:pt modelId="{2744D482-DB48-4DE3-B3A8-B5311D959E76}" type="pres">
+      <dgm:prSet presAssocID="{8D331E95-80BC-436C-8334-D006B982B9E8}" presName="level1Shape" presStyleLbl="node0" presStyleIdx="0" presStyleCnt="1" custLinFactNeighborX="5407" custLinFactNeighborY="9463">
+        <dgm:presLayoutVars>
+          <dgm:chPref val="3"/>
+        </dgm:presLayoutVars>
+      </dgm:prSet>
+      <dgm:spPr/>
+    </dgm:pt>
+    <dgm:pt modelId="{89A7976A-4256-43BF-8254-6649B113423D}" type="pres">
+      <dgm:prSet presAssocID="{8D331E95-80BC-436C-8334-D006B982B9E8}" presName="hierChild2" presStyleCnt="0"/>
+      <dgm:spPr/>
+    </dgm:pt>
+    <dgm:pt modelId="{BB76914E-6F66-4B7E-B20A-8728A61A2362}" type="pres">
+      <dgm:prSet presAssocID="{96C9D161-34C1-4E9F-A206-8421937B88B2}" presName="Name19" presStyleLbl="parChTrans1D2" presStyleIdx="0" presStyleCnt="3"/>
+      <dgm:spPr/>
+    </dgm:pt>
+    <dgm:pt modelId="{B8531633-2219-47E0-A7A5-BBCA196B18BB}" type="pres">
+      <dgm:prSet presAssocID="{E9C2D9DA-571D-4528-AED8-D5E3AAAE7912}" presName="Name21" presStyleCnt="0"/>
+      <dgm:spPr/>
+    </dgm:pt>
+    <dgm:pt modelId="{CBFCA3EA-CCE3-4DBF-8963-1B070056BA3F}" type="pres">
+      <dgm:prSet presAssocID="{E9C2D9DA-571D-4528-AED8-D5E3AAAE7912}" presName="level2Shape" presStyleLbl="node2" presStyleIdx="0" presStyleCnt="3"/>
+      <dgm:spPr/>
+    </dgm:pt>
+    <dgm:pt modelId="{A2B35AC7-7045-4356-BC15-851BC48D1867}" type="pres">
+      <dgm:prSet presAssocID="{E9C2D9DA-571D-4528-AED8-D5E3AAAE7912}" presName="hierChild3" presStyleCnt="0"/>
+      <dgm:spPr/>
+    </dgm:pt>
+    <dgm:pt modelId="{57F9BF24-5C39-4C41-8192-7C15C36B1916}" type="pres">
+      <dgm:prSet presAssocID="{140EFB3E-EE79-4424-8D13-DBA152C05CAF}" presName="Name19" presStyleLbl="parChTrans1D3" presStyleIdx="0" presStyleCnt="8"/>
+      <dgm:spPr/>
+    </dgm:pt>
+    <dgm:pt modelId="{4A26E6B3-AFDC-4497-A72F-0E4B6EA07195}" type="pres">
+      <dgm:prSet presAssocID="{0E1E23B0-F934-4CFC-A47D-53C48ACD8A55}" presName="Name21" presStyleCnt="0"/>
+      <dgm:spPr/>
+    </dgm:pt>
+    <dgm:pt modelId="{9DF91F12-215E-47F3-8F3B-30C15E0D7DE2}" type="pres">
+      <dgm:prSet presAssocID="{0E1E23B0-F934-4CFC-A47D-53C48ACD8A55}" presName="level2Shape" presStyleLbl="node3" presStyleIdx="0" presStyleCnt="8"/>
+      <dgm:spPr/>
+    </dgm:pt>
+    <dgm:pt modelId="{E9B4B8E4-5EA4-4699-9806-9AD4E5C0240F}" type="pres">
+      <dgm:prSet presAssocID="{0E1E23B0-F934-4CFC-A47D-53C48ACD8A55}" presName="hierChild3" presStyleCnt="0"/>
+      <dgm:spPr/>
+    </dgm:pt>
+    <dgm:pt modelId="{47BCAAE7-C617-422A-9B2E-1486F9F5DFE5}" type="pres">
+      <dgm:prSet presAssocID="{95B132E4-3705-49F2-AC9D-D30C75958A73}" presName="Name19" presStyleLbl="parChTrans1D4" presStyleIdx="0" presStyleCnt="6"/>
+      <dgm:spPr/>
+    </dgm:pt>
+    <dgm:pt modelId="{EE868A24-A447-46EE-B44C-53B0742C46C2}" type="pres">
+      <dgm:prSet presAssocID="{2461806B-CC4B-45FA-B831-2A723B9C3790}" presName="Name21" presStyleCnt="0"/>
+      <dgm:spPr/>
+    </dgm:pt>
+    <dgm:pt modelId="{C2088110-FAE5-4820-B4A3-8CF4988880A8}" type="pres">
+      <dgm:prSet presAssocID="{2461806B-CC4B-45FA-B831-2A723B9C3790}" presName="level2Shape" presStyleLbl="node4" presStyleIdx="0" presStyleCnt="6"/>
+      <dgm:spPr/>
+    </dgm:pt>
+    <dgm:pt modelId="{F85A84ED-E554-4653-875D-06079D0160F8}" type="pres">
+      <dgm:prSet presAssocID="{2461806B-CC4B-45FA-B831-2A723B9C3790}" presName="hierChild3" presStyleCnt="0"/>
+      <dgm:spPr/>
+    </dgm:pt>
+    <dgm:pt modelId="{49463B61-E868-45E5-92FA-A61F641E7AAD}" type="pres">
+      <dgm:prSet presAssocID="{13599120-599D-4D6C-B4CF-F3A085A6F3E0}" presName="Name19" presStyleLbl="parChTrans1D2" presStyleIdx="1" presStyleCnt="3"/>
+      <dgm:spPr/>
+    </dgm:pt>
+    <dgm:pt modelId="{2AD77083-9444-4742-9643-05F2B4166E1A}" type="pres">
+      <dgm:prSet presAssocID="{5F4D4474-6763-45EA-A012-A7BC5BAEEFED}" presName="Name21" presStyleCnt="0"/>
+      <dgm:spPr/>
+    </dgm:pt>
+    <dgm:pt modelId="{70228F92-7C55-4A4D-9988-CA6B234436CE}" type="pres">
+      <dgm:prSet presAssocID="{5F4D4474-6763-45EA-A012-A7BC5BAEEFED}" presName="level2Shape" presStyleLbl="node2" presStyleIdx="1" presStyleCnt="3"/>
+      <dgm:spPr/>
+    </dgm:pt>
+    <dgm:pt modelId="{5984146B-2BF3-4814-B2E5-AF31DEA679C8}" type="pres">
+      <dgm:prSet presAssocID="{5F4D4474-6763-45EA-A012-A7BC5BAEEFED}" presName="hierChild3" presStyleCnt="0"/>
+      <dgm:spPr/>
+    </dgm:pt>
+    <dgm:pt modelId="{554FA5C0-A604-4043-BFFA-A86EC3077B77}" type="pres">
+      <dgm:prSet presAssocID="{86886A00-09D0-4A6F-A058-E4FB3303365C}" presName="Name19" presStyleLbl="parChTrans1D3" presStyleIdx="1" presStyleCnt="8"/>
+      <dgm:spPr/>
+    </dgm:pt>
+    <dgm:pt modelId="{7F4E66D0-4AB2-49AC-940F-9F4ACC427850}" type="pres">
+      <dgm:prSet presAssocID="{4D0EF0FD-54AB-407D-85F2-D31FF6C0392B}" presName="Name21" presStyleCnt="0"/>
+      <dgm:spPr/>
+    </dgm:pt>
+    <dgm:pt modelId="{39545D67-7D9B-4708-B35C-D3B825DB5D80}" type="pres">
+      <dgm:prSet presAssocID="{4D0EF0FD-54AB-407D-85F2-D31FF6C0392B}" presName="level2Shape" presStyleLbl="node3" presStyleIdx="1" presStyleCnt="8"/>
+      <dgm:spPr/>
+    </dgm:pt>
+    <dgm:pt modelId="{968AA263-C241-4743-BEA8-8824E20807CC}" type="pres">
+      <dgm:prSet presAssocID="{4D0EF0FD-54AB-407D-85F2-D31FF6C0392B}" presName="hierChild3" presStyleCnt="0"/>
+      <dgm:spPr/>
+    </dgm:pt>
+    <dgm:pt modelId="{8A731CFF-4F01-450A-BC70-36F217053F28}" type="pres">
+      <dgm:prSet presAssocID="{4975ACC8-8BCE-4C4F-83C4-46AF84308B08}" presName="Name19" presStyleLbl="parChTrans1D4" presStyleIdx="1" presStyleCnt="6"/>
+      <dgm:spPr/>
+    </dgm:pt>
+    <dgm:pt modelId="{4F315C91-46A9-48A2-9568-CBF5DE067ADD}" type="pres">
+      <dgm:prSet presAssocID="{948971AA-82E6-4626-A0E6-CF80CF71EFAC}" presName="Name21" presStyleCnt="0"/>
+      <dgm:spPr/>
+    </dgm:pt>
+    <dgm:pt modelId="{37310A91-C004-493E-838C-CF4FA5EE5493}" type="pres">
+      <dgm:prSet presAssocID="{948971AA-82E6-4626-A0E6-CF80CF71EFAC}" presName="level2Shape" presStyleLbl="node4" presStyleIdx="1" presStyleCnt="6"/>
+      <dgm:spPr/>
+    </dgm:pt>
+    <dgm:pt modelId="{2D2E8BD4-082F-47BC-A267-985E6B30E038}" type="pres">
+      <dgm:prSet presAssocID="{948971AA-82E6-4626-A0E6-CF80CF71EFAC}" presName="hierChild3" presStyleCnt="0"/>
+      <dgm:spPr/>
+    </dgm:pt>
+    <dgm:pt modelId="{591E6ECE-85CC-4E51-B4DB-B5D861327D93}" type="pres">
+      <dgm:prSet presAssocID="{A1A03F33-47FF-44C0-985F-860B24D71C5D}" presName="Name19" presStyleLbl="parChTrans1D4" presStyleIdx="2" presStyleCnt="6"/>
+      <dgm:spPr/>
+    </dgm:pt>
+    <dgm:pt modelId="{7C49062D-9C29-4E59-BEE6-EA4EF47E689D}" type="pres">
+      <dgm:prSet presAssocID="{5EA72DE5-7EE0-4187-B6F3-C2DCDBC1A11C}" presName="Name21" presStyleCnt="0"/>
+      <dgm:spPr/>
+    </dgm:pt>
+    <dgm:pt modelId="{2E7048EB-E217-4014-8BE4-F24A6BA0B986}" type="pres">
+      <dgm:prSet presAssocID="{5EA72DE5-7EE0-4187-B6F3-C2DCDBC1A11C}" presName="level2Shape" presStyleLbl="node4" presStyleIdx="2" presStyleCnt="6"/>
+      <dgm:spPr/>
+    </dgm:pt>
+    <dgm:pt modelId="{DBC99F32-EB36-4C1D-B85E-A3F0CB6F7E26}" type="pres">
+      <dgm:prSet presAssocID="{5EA72DE5-7EE0-4187-B6F3-C2DCDBC1A11C}" presName="hierChild3" presStyleCnt="0"/>
+      <dgm:spPr/>
+    </dgm:pt>
+    <dgm:pt modelId="{77F21A38-FBAD-4269-B295-49EC4067B317}" type="pres">
+      <dgm:prSet presAssocID="{EBC15101-616F-476E-B93B-31EF27035D85}" presName="Name19" presStyleLbl="parChTrans1D3" presStyleIdx="2" presStyleCnt="8"/>
+      <dgm:spPr/>
+    </dgm:pt>
+    <dgm:pt modelId="{CAF8AAE8-3D6F-42AC-912E-A0C958AF672C}" type="pres">
+      <dgm:prSet presAssocID="{B8CB617D-FB55-4B3C-BA11-1154D7EECD18}" presName="Name21" presStyleCnt="0"/>
+      <dgm:spPr/>
+    </dgm:pt>
+    <dgm:pt modelId="{97993808-DD31-4F7B-9C05-421E8DCCCC31}" type="pres">
+      <dgm:prSet presAssocID="{B8CB617D-FB55-4B3C-BA11-1154D7EECD18}" presName="level2Shape" presStyleLbl="node3" presStyleIdx="2" presStyleCnt="8"/>
+      <dgm:spPr/>
+    </dgm:pt>
+    <dgm:pt modelId="{DCDBC091-C4A6-4A02-9643-A94CA7CA2E28}" type="pres">
+      <dgm:prSet presAssocID="{B8CB617D-FB55-4B3C-BA11-1154D7EECD18}" presName="hierChild3" presStyleCnt="0"/>
+      <dgm:spPr/>
+    </dgm:pt>
+    <dgm:pt modelId="{113EEC42-F99E-46DD-84E0-36AAC6C65A5D}" type="pres">
+      <dgm:prSet presAssocID="{CE8319F9-2AF1-4B37-B400-D840FDB8A136}" presName="Name19" presStyleLbl="parChTrans1D4" presStyleIdx="3" presStyleCnt="6"/>
+      <dgm:spPr/>
+    </dgm:pt>
+    <dgm:pt modelId="{62D928E2-85D5-4CF4-A16D-4A41FBDDDF14}" type="pres">
+      <dgm:prSet presAssocID="{3A3413AF-A874-4EF7-9E62-D630E9111324}" presName="Name21" presStyleCnt="0"/>
+      <dgm:spPr/>
+    </dgm:pt>
+    <dgm:pt modelId="{946FCA3B-DC23-49FA-B5BF-A41131F66DBC}" type="pres">
+      <dgm:prSet presAssocID="{3A3413AF-A874-4EF7-9E62-D630E9111324}" presName="level2Shape" presStyleLbl="node4" presStyleIdx="3" presStyleCnt="6"/>
+      <dgm:spPr/>
+    </dgm:pt>
+    <dgm:pt modelId="{980979A0-9C75-47CA-86E6-72371EAC46C4}" type="pres">
+      <dgm:prSet presAssocID="{3A3413AF-A874-4EF7-9E62-D630E9111324}" presName="hierChild3" presStyleCnt="0"/>
+      <dgm:spPr/>
+    </dgm:pt>
+    <dgm:pt modelId="{0BB006FB-EF9B-49CD-BCE9-481DFD454151}" type="pres">
+      <dgm:prSet presAssocID="{2C99F6B0-F5A6-44E0-B156-928FE4F0E4D5}" presName="Name19" presStyleLbl="parChTrans1D3" presStyleIdx="3" presStyleCnt="8"/>
+      <dgm:spPr/>
+    </dgm:pt>
+    <dgm:pt modelId="{CC24287F-B523-4099-9981-7D0A85DD7C41}" type="pres">
+      <dgm:prSet presAssocID="{7EE111B4-980C-4758-A204-48ADCB59242A}" presName="Name21" presStyleCnt="0"/>
+      <dgm:spPr/>
+    </dgm:pt>
+    <dgm:pt modelId="{472D39E7-9A48-4166-8FC9-DE56AE381C54}" type="pres">
+      <dgm:prSet presAssocID="{7EE111B4-980C-4758-A204-48ADCB59242A}" presName="level2Shape" presStyleLbl="node3" presStyleIdx="3" presStyleCnt="8"/>
+      <dgm:spPr/>
+    </dgm:pt>
+    <dgm:pt modelId="{DC224A70-E1F1-4820-8FE0-42CC78B17C28}" type="pres">
+      <dgm:prSet presAssocID="{7EE111B4-980C-4758-A204-48ADCB59242A}" presName="hierChild3" presStyleCnt="0"/>
+      <dgm:spPr/>
+    </dgm:pt>
+    <dgm:pt modelId="{19D008B1-8602-4DA8-9D82-ACA161477DAF}" type="pres">
+      <dgm:prSet presAssocID="{0E15FEC4-3575-43C2-9203-DDF2EBFAF540}" presName="Name19" presStyleLbl="parChTrans1D4" presStyleIdx="4" presStyleCnt="6"/>
+      <dgm:spPr/>
+    </dgm:pt>
+    <dgm:pt modelId="{833DDA73-3CCB-41C0-BE54-AABD219FD9EB}" type="pres">
+      <dgm:prSet presAssocID="{197A571B-27C2-4263-8679-2AA8C1C52D13}" presName="Name21" presStyleCnt="0"/>
+      <dgm:spPr/>
+    </dgm:pt>
+    <dgm:pt modelId="{F84B7668-2E95-43F8-B185-BE55FC19BC18}" type="pres">
+      <dgm:prSet presAssocID="{197A571B-27C2-4263-8679-2AA8C1C52D13}" presName="level2Shape" presStyleLbl="node4" presStyleIdx="4" presStyleCnt="6"/>
+      <dgm:spPr/>
+    </dgm:pt>
+    <dgm:pt modelId="{20CFFBF4-DFF9-4630-801B-E9AF49B341DF}" type="pres">
+      <dgm:prSet presAssocID="{197A571B-27C2-4263-8679-2AA8C1C52D13}" presName="hierChild3" presStyleCnt="0"/>
+      <dgm:spPr/>
+    </dgm:pt>
+    <dgm:pt modelId="{09E4BC74-9A29-4E4C-B0E5-467B4B914A7B}" type="pres">
+      <dgm:prSet presAssocID="{5D4DC01A-098D-4AAA-BBC3-BAE05DE96994}" presName="Name19" presStyleLbl="parChTrans1D3" presStyleIdx="4" presStyleCnt="8"/>
+      <dgm:spPr/>
+    </dgm:pt>
+    <dgm:pt modelId="{862818A7-F632-4744-B8F9-39667698D6F4}" type="pres">
+      <dgm:prSet presAssocID="{E096858C-2974-41B8-B322-A6BDB7928C47}" presName="Name21" presStyleCnt="0"/>
+      <dgm:spPr/>
+    </dgm:pt>
+    <dgm:pt modelId="{2948D152-9FE6-4FDD-87AF-AA9B4842060B}" type="pres">
+      <dgm:prSet presAssocID="{E096858C-2974-41B8-B322-A6BDB7928C47}" presName="level2Shape" presStyleLbl="node3" presStyleIdx="4" presStyleCnt="8"/>
+      <dgm:spPr/>
+    </dgm:pt>
+    <dgm:pt modelId="{74D11BC1-E675-4BC9-B406-B260C41BC3A0}" type="pres">
+      <dgm:prSet presAssocID="{E096858C-2974-41B8-B322-A6BDB7928C47}" presName="hierChild3" presStyleCnt="0"/>
+      <dgm:spPr/>
+    </dgm:pt>
+    <dgm:pt modelId="{1D12FEC2-D55B-43BD-BE3F-8A63BC3BDD84}" type="pres">
+      <dgm:prSet presAssocID="{48AA0B62-E512-4560-9269-C175DBC4552F}" presName="Name19" presStyleLbl="parChTrans1D4" presStyleIdx="5" presStyleCnt="6"/>
+      <dgm:spPr/>
+    </dgm:pt>
+    <dgm:pt modelId="{3F299F47-DEE8-42C5-AF21-5847DD1AE908}" type="pres">
+      <dgm:prSet presAssocID="{8A6F9739-3D5E-49CD-8BED-912B95B97B4D}" presName="Name21" presStyleCnt="0"/>
+      <dgm:spPr/>
+    </dgm:pt>
+    <dgm:pt modelId="{B00B9491-58B2-4721-A586-A364AF32E235}" type="pres">
+      <dgm:prSet presAssocID="{8A6F9739-3D5E-49CD-8BED-912B95B97B4D}" presName="level2Shape" presStyleLbl="node4" presStyleIdx="5" presStyleCnt="6"/>
+      <dgm:spPr/>
+    </dgm:pt>
+    <dgm:pt modelId="{B69C8637-92D4-4A19-97EF-BF083FA1EAE0}" type="pres">
+      <dgm:prSet presAssocID="{8A6F9739-3D5E-49CD-8BED-912B95B97B4D}" presName="hierChild3" presStyleCnt="0"/>
+      <dgm:spPr/>
+    </dgm:pt>
+    <dgm:pt modelId="{0E24FDDD-4DD9-41F3-B4EB-B76E27D7269D}" type="pres">
+      <dgm:prSet presAssocID="{9DCFBFD4-4E04-4DF4-B96D-090272E936F0}" presName="Name19" presStyleLbl="parChTrans1D3" presStyleIdx="5" presStyleCnt="8"/>
+      <dgm:spPr/>
+    </dgm:pt>
+    <dgm:pt modelId="{D67CB6CB-4FA8-4F9F-9BA4-91810893FDB4}" type="pres">
+      <dgm:prSet presAssocID="{F7D032B9-2324-437A-9621-30FA9460261A}" presName="Name21" presStyleCnt="0"/>
+      <dgm:spPr/>
+    </dgm:pt>
+    <dgm:pt modelId="{D337F9D4-600B-42FC-B2D5-9573CCAF82DA}" type="pres">
+      <dgm:prSet presAssocID="{F7D032B9-2324-437A-9621-30FA9460261A}" presName="level2Shape" presStyleLbl="node3" presStyleIdx="5" presStyleCnt="8"/>
+      <dgm:spPr/>
+    </dgm:pt>
+    <dgm:pt modelId="{0F44F57A-5785-427C-B148-CAA90CE78CEA}" type="pres">
+      <dgm:prSet presAssocID="{F7D032B9-2324-437A-9621-30FA9460261A}" presName="hierChild3" presStyleCnt="0"/>
+      <dgm:spPr/>
+    </dgm:pt>
+    <dgm:pt modelId="{8CE15E9E-FDED-4083-AB6A-B4985C5C9119}" type="pres">
+      <dgm:prSet presAssocID="{395B9B61-33EE-465F-9079-92F560B83481}" presName="Name19" presStyleLbl="parChTrans1D2" presStyleIdx="2" presStyleCnt="3"/>
+      <dgm:spPr/>
+    </dgm:pt>
+    <dgm:pt modelId="{22ED17FE-CC35-494D-A05C-D3DFD4759603}" type="pres">
+      <dgm:prSet presAssocID="{0002BB00-7CB0-4089-A7F8-CB04EA448487}" presName="Name21" presStyleCnt="0"/>
+      <dgm:spPr/>
+    </dgm:pt>
+    <dgm:pt modelId="{E2DD7ED5-0F65-4A39-8A29-75BF565D17F7}" type="pres">
+      <dgm:prSet presAssocID="{0002BB00-7CB0-4089-A7F8-CB04EA448487}" presName="level2Shape" presStyleLbl="node2" presStyleIdx="2" presStyleCnt="3"/>
+      <dgm:spPr/>
+    </dgm:pt>
+    <dgm:pt modelId="{CE240AF1-3C67-4DF3-9295-7AD6301E4358}" type="pres">
+      <dgm:prSet presAssocID="{0002BB00-7CB0-4089-A7F8-CB04EA448487}" presName="hierChild3" presStyleCnt="0"/>
+      <dgm:spPr/>
+    </dgm:pt>
+    <dgm:pt modelId="{6D74DDD8-EAD7-4847-96ED-3A17A8A22AB4}" type="pres">
+      <dgm:prSet presAssocID="{3DA7C7EE-C58F-4DCF-AB71-5419EBB599F9}" presName="Name19" presStyleLbl="parChTrans1D3" presStyleIdx="6" presStyleCnt="8"/>
+      <dgm:spPr/>
+    </dgm:pt>
+    <dgm:pt modelId="{C096E920-2C64-4FAE-B3E5-6330A23148CF}" type="pres">
+      <dgm:prSet presAssocID="{0851603C-C771-4DCF-A9C1-04E7893EBF35}" presName="Name21" presStyleCnt="0"/>
+      <dgm:spPr/>
+    </dgm:pt>
+    <dgm:pt modelId="{12AAD122-F8E5-4650-BF9E-0E809711BFCC}" type="pres">
+      <dgm:prSet presAssocID="{0851603C-C771-4DCF-A9C1-04E7893EBF35}" presName="level2Shape" presStyleLbl="node3" presStyleIdx="6" presStyleCnt="8"/>
+      <dgm:spPr/>
+    </dgm:pt>
+    <dgm:pt modelId="{92CE7FE6-649A-409D-B1E3-602BEEE2A984}" type="pres">
+      <dgm:prSet presAssocID="{0851603C-C771-4DCF-A9C1-04E7893EBF35}" presName="hierChild3" presStyleCnt="0"/>
+      <dgm:spPr/>
+    </dgm:pt>
+    <dgm:pt modelId="{AD9F8604-128E-4FFC-8EBD-C51C1B4EC0C0}" type="pres">
+      <dgm:prSet presAssocID="{FC009297-81A1-437F-A7BC-73413636AA0B}" presName="Name19" presStyleLbl="parChTrans1D3" presStyleIdx="7" presStyleCnt="8"/>
+      <dgm:spPr/>
+    </dgm:pt>
+    <dgm:pt modelId="{A42F2620-F2EC-4FC3-9970-84FDC919A135}" type="pres">
+      <dgm:prSet presAssocID="{57133534-AB32-4EF3-8D77-D9AC386ACB27}" presName="Name21" presStyleCnt="0"/>
+      <dgm:spPr/>
+    </dgm:pt>
+    <dgm:pt modelId="{EAFE556B-8391-45BE-AD29-797FFD930603}" type="pres">
+      <dgm:prSet presAssocID="{57133534-AB32-4EF3-8D77-D9AC386ACB27}" presName="level2Shape" presStyleLbl="node3" presStyleIdx="7" presStyleCnt="8"/>
+      <dgm:spPr/>
+    </dgm:pt>
+    <dgm:pt modelId="{9BE0B214-A73B-4AD8-956A-7649AC1494C2}" type="pres">
+      <dgm:prSet presAssocID="{57133534-AB32-4EF3-8D77-D9AC386ACB27}" presName="hierChild3" presStyleCnt="0"/>
+      <dgm:spPr/>
+    </dgm:pt>
+    <dgm:pt modelId="{658362E5-3AFB-44A7-86F8-80E0717934BD}" type="pres">
+      <dgm:prSet presAssocID="{2E2F2613-1007-4DB2-800A-D9D3949B94F4}" presName="bgShapesFlow" presStyleCnt="0"/>
+      <dgm:spPr/>
+    </dgm:pt>
+  </dgm:ptLst>
+  <dgm:cxnLst>
+    <dgm:cxn modelId="{56BC3C02-B55B-4218-B668-2703F2BCDE95}" type="presOf" srcId="{0851603C-C771-4DCF-A9C1-04E7893EBF35}" destId="{12AAD122-F8E5-4650-BF9E-0E809711BFCC}" srcOrd="0" destOrd="0" presId="urn:microsoft.com/office/officeart/2005/8/layout/hierarchy6"/>
+    <dgm:cxn modelId="{4F7EC613-AC29-452D-BF70-A2DD1113C8F4}" type="presOf" srcId="{4975ACC8-8BCE-4C4F-83C4-46AF84308B08}" destId="{8A731CFF-4F01-450A-BC70-36F217053F28}" srcOrd="0" destOrd="0" presId="urn:microsoft.com/office/officeart/2005/8/layout/hierarchy6"/>
+    <dgm:cxn modelId="{5C418018-16E3-4B1C-AC21-0D4D4DC16D44}" srcId="{8D331E95-80BC-436C-8334-D006B982B9E8}" destId="{0002BB00-7CB0-4089-A7F8-CB04EA448487}" srcOrd="2" destOrd="0" parTransId="{395B9B61-33EE-465F-9079-92F560B83481}" sibTransId="{10AD4116-457D-4873-B08E-8A7E59E111E1}"/>
+    <dgm:cxn modelId="{67B18121-CA16-4C54-BB0B-50E74C984B79}" type="presOf" srcId="{5EA72DE5-7EE0-4187-B6F3-C2DCDBC1A11C}" destId="{2E7048EB-E217-4014-8BE4-F24A6BA0B986}" srcOrd="0" destOrd="0" presId="urn:microsoft.com/office/officeart/2005/8/layout/hierarchy6"/>
+    <dgm:cxn modelId="{7CA4B724-1A43-49A3-A742-251E281D24E0}" srcId="{B8CB617D-FB55-4B3C-BA11-1154D7EECD18}" destId="{3A3413AF-A874-4EF7-9E62-D630E9111324}" srcOrd="0" destOrd="0" parTransId="{CE8319F9-2AF1-4B37-B400-D840FDB8A136}" sibTransId="{D77043C9-B705-4E76-B521-F15978566CCA}"/>
+    <dgm:cxn modelId="{37EFC227-CE1D-4E66-97B5-29662C6E9653}" srcId="{5F4D4474-6763-45EA-A012-A7BC5BAEEFED}" destId="{E096858C-2974-41B8-B322-A6BDB7928C47}" srcOrd="3" destOrd="0" parTransId="{5D4DC01A-098D-4AAA-BBC3-BAE05DE96994}" sibTransId="{E4543B1C-E838-4075-B6A3-DC3B5B185D07}"/>
+    <dgm:cxn modelId="{11B9D332-6795-489A-89DE-770C4E203D91}" srcId="{948971AA-82E6-4626-A0E6-CF80CF71EFAC}" destId="{5EA72DE5-7EE0-4187-B6F3-C2DCDBC1A11C}" srcOrd="0" destOrd="0" parTransId="{A1A03F33-47FF-44C0-985F-860B24D71C5D}" sibTransId="{F2630515-C3B4-4A29-9380-78FC24B3F4E8}"/>
+    <dgm:cxn modelId="{832ABE33-CB6F-4374-AE94-9503C4ED20EE}" type="presOf" srcId="{57133534-AB32-4EF3-8D77-D9AC386ACB27}" destId="{EAFE556B-8391-45BE-AD29-797FFD930603}" srcOrd="0" destOrd="0" presId="urn:microsoft.com/office/officeart/2005/8/layout/hierarchy6"/>
+    <dgm:cxn modelId="{E84A6037-8377-45F7-94F7-13FFA0894E6D}" type="presOf" srcId="{395B9B61-33EE-465F-9079-92F560B83481}" destId="{8CE15E9E-FDED-4083-AB6A-B4985C5C9119}" srcOrd="0" destOrd="0" presId="urn:microsoft.com/office/officeart/2005/8/layout/hierarchy6"/>
+    <dgm:cxn modelId="{ACB7883C-6C92-4475-A2EA-77052BE26D69}" type="presOf" srcId="{CE8319F9-2AF1-4B37-B400-D840FDB8A136}" destId="{113EEC42-F99E-46DD-84E0-36AAC6C65A5D}" srcOrd="0" destOrd="0" presId="urn:microsoft.com/office/officeart/2005/8/layout/hierarchy6"/>
+    <dgm:cxn modelId="{F598A03C-6138-4904-AA20-61892A7DBFEC}" type="presOf" srcId="{5F4D4474-6763-45EA-A012-A7BC5BAEEFED}" destId="{70228F92-7C55-4A4D-9988-CA6B234436CE}" srcOrd="0" destOrd="0" presId="urn:microsoft.com/office/officeart/2005/8/layout/hierarchy6"/>
+    <dgm:cxn modelId="{327F423D-3330-4583-9DCB-AC7390369C50}" srcId="{4D0EF0FD-54AB-407D-85F2-D31FF6C0392B}" destId="{948971AA-82E6-4626-A0E6-CF80CF71EFAC}" srcOrd="0" destOrd="0" parTransId="{4975ACC8-8BCE-4C4F-83C4-46AF84308B08}" sibTransId="{1F20CCD2-08BF-4D55-890E-AB9B3843CFB9}"/>
+    <dgm:cxn modelId="{6988E83E-4314-471E-AB4D-1D4E1DDAA16C}" srcId="{E096858C-2974-41B8-B322-A6BDB7928C47}" destId="{8A6F9739-3D5E-49CD-8BED-912B95B97B4D}" srcOrd="0" destOrd="0" parTransId="{48AA0B62-E512-4560-9269-C175DBC4552F}" sibTransId="{EB047CCF-7387-4AE4-A7B5-3E9363ABE200}"/>
+    <dgm:cxn modelId="{7AAEAB3F-D607-43C3-9A83-6D31D3D1F93B}" type="presOf" srcId="{A1A03F33-47FF-44C0-985F-860B24D71C5D}" destId="{591E6ECE-85CC-4E51-B4DB-B5D861327D93}" srcOrd="0" destOrd="0" presId="urn:microsoft.com/office/officeart/2005/8/layout/hierarchy6"/>
+    <dgm:cxn modelId="{C7C22C5D-6C82-47E1-910E-DCFAE3E4C3B7}" type="presOf" srcId="{8D331E95-80BC-436C-8334-D006B982B9E8}" destId="{2744D482-DB48-4DE3-B3A8-B5311D959E76}" srcOrd="0" destOrd="0" presId="urn:microsoft.com/office/officeart/2005/8/layout/hierarchy6"/>
+    <dgm:cxn modelId="{78088141-BA99-4BCB-AC7E-1CFEC5102383}" type="presOf" srcId="{0002BB00-7CB0-4089-A7F8-CB04EA448487}" destId="{E2DD7ED5-0F65-4A39-8A29-75BF565D17F7}" srcOrd="0" destOrd="0" presId="urn:microsoft.com/office/officeart/2005/8/layout/hierarchy6"/>
+    <dgm:cxn modelId="{33EC3C42-9E36-4483-8580-6F59B5FBB427}" type="presOf" srcId="{0E1E23B0-F934-4CFC-A47D-53C48ACD8A55}" destId="{9DF91F12-215E-47F3-8F3B-30C15E0D7DE2}" srcOrd="0" destOrd="0" presId="urn:microsoft.com/office/officeart/2005/8/layout/hierarchy6"/>
+    <dgm:cxn modelId="{38BDC966-D138-4805-A024-4F5FCEC8741D}" srcId="{0002BB00-7CB0-4089-A7F8-CB04EA448487}" destId="{0851603C-C771-4DCF-A9C1-04E7893EBF35}" srcOrd="0" destOrd="0" parTransId="{3DA7C7EE-C58F-4DCF-AB71-5419EBB599F9}" sibTransId="{2C82E596-A8A6-47AD-BCF0-12E4DB1FEA0B}"/>
+    <dgm:cxn modelId="{88120C47-BEF8-42A8-8277-B425F86AB583}" type="presOf" srcId="{E096858C-2974-41B8-B322-A6BDB7928C47}" destId="{2948D152-9FE6-4FDD-87AF-AA9B4842060B}" srcOrd="0" destOrd="0" presId="urn:microsoft.com/office/officeart/2005/8/layout/hierarchy6"/>
+    <dgm:cxn modelId="{133EB448-3C30-443C-93D3-4DE9011CB0B7}" type="presOf" srcId="{B8CB617D-FB55-4B3C-BA11-1154D7EECD18}" destId="{97993808-DD31-4F7B-9C05-421E8DCCCC31}" srcOrd="0" destOrd="0" presId="urn:microsoft.com/office/officeart/2005/8/layout/hierarchy6"/>
+    <dgm:cxn modelId="{B313EB6D-90F1-4861-A392-A0A2383E1789}" srcId="{0002BB00-7CB0-4089-A7F8-CB04EA448487}" destId="{57133534-AB32-4EF3-8D77-D9AC386ACB27}" srcOrd="1" destOrd="0" parTransId="{FC009297-81A1-437F-A7BC-73413636AA0B}" sibTransId="{6508C342-6705-4578-814C-293EEEF826A6}"/>
+    <dgm:cxn modelId="{FDC3B653-0371-4053-A607-9923C0C534F4}" type="presOf" srcId="{3DA7C7EE-C58F-4DCF-AB71-5419EBB599F9}" destId="{6D74DDD8-EAD7-4847-96ED-3A17A8A22AB4}" srcOrd="0" destOrd="0" presId="urn:microsoft.com/office/officeart/2005/8/layout/hierarchy6"/>
+    <dgm:cxn modelId="{8C68E273-B654-4B24-871F-62A81C63D1CF}" type="presOf" srcId="{2461806B-CC4B-45FA-B831-2A723B9C3790}" destId="{C2088110-FAE5-4820-B4A3-8CF4988880A8}" srcOrd="0" destOrd="0" presId="urn:microsoft.com/office/officeart/2005/8/layout/hierarchy6"/>
+    <dgm:cxn modelId="{E2D26B54-3D14-42EC-83A1-A0113F9D7581}" type="presOf" srcId="{0E15FEC4-3575-43C2-9203-DDF2EBFAF540}" destId="{19D008B1-8602-4DA8-9D82-ACA161477DAF}" srcOrd="0" destOrd="0" presId="urn:microsoft.com/office/officeart/2005/8/layout/hierarchy6"/>
+    <dgm:cxn modelId="{DE1F9855-C8B6-498E-8BD4-761FB0E923EF}" type="presOf" srcId="{96C9D161-34C1-4E9F-A206-8421937B88B2}" destId="{BB76914E-6F66-4B7E-B20A-8728A61A2362}" srcOrd="0" destOrd="0" presId="urn:microsoft.com/office/officeart/2005/8/layout/hierarchy6"/>
+    <dgm:cxn modelId="{311C1977-6E49-4C2C-B45F-D5377115BA17}" type="presOf" srcId="{48AA0B62-E512-4560-9269-C175DBC4552F}" destId="{1D12FEC2-D55B-43BD-BE3F-8A63BC3BDD84}" srcOrd="0" destOrd="0" presId="urn:microsoft.com/office/officeart/2005/8/layout/hierarchy6"/>
+    <dgm:cxn modelId="{C9DB727C-6129-4717-90D2-10D8B33AD0AD}" type="presOf" srcId="{3A3413AF-A874-4EF7-9E62-D630E9111324}" destId="{946FCA3B-DC23-49FA-B5BF-A41131F66DBC}" srcOrd="0" destOrd="0" presId="urn:microsoft.com/office/officeart/2005/8/layout/hierarchy6"/>
+    <dgm:cxn modelId="{94752E7E-E531-4856-866A-7B1436D7F60F}" type="presOf" srcId="{7EE111B4-980C-4758-A204-48ADCB59242A}" destId="{472D39E7-9A48-4166-8FC9-DE56AE381C54}" srcOrd="0" destOrd="0" presId="urn:microsoft.com/office/officeart/2005/8/layout/hierarchy6"/>
+    <dgm:cxn modelId="{6030FB7E-5EDF-4133-B7A2-B57F0FF6DD97}" srcId="{8D331E95-80BC-436C-8334-D006B982B9E8}" destId="{5F4D4474-6763-45EA-A012-A7BC5BAEEFED}" srcOrd="1" destOrd="0" parTransId="{13599120-599D-4D6C-B4CF-F3A085A6F3E0}" sibTransId="{588D81FF-F83D-4C97-87F0-9A50E645F6DE}"/>
+    <dgm:cxn modelId="{B4923680-79C6-4DC6-B769-23A962E472B9}" srcId="{5F4D4474-6763-45EA-A012-A7BC5BAEEFED}" destId="{7EE111B4-980C-4758-A204-48ADCB59242A}" srcOrd="2" destOrd="0" parTransId="{2C99F6B0-F5A6-44E0-B156-928FE4F0E4D5}" sibTransId="{23AFCB15-C8EF-4289-A6BF-FAB0B0250369}"/>
+    <dgm:cxn modelId="{83F19681-67DC-40A1-A2C7-6F4A60589669}" type="presOf" srcId="{5D4DC01A-098D-4AAA-BBC3-BAE05DE96994}" destId="{09E4BC74-9A29-4E4C-B0E5-467B4B914A7B}" srcOrd="0" destOrd="0" presId="urn:microsoft.com/office/officeart/2005/8/layout/hierarchy6"/>
+    <dgm:cxn modelId="{5E70E690-D02A-4AEE-B474-596606323563}" type="presOf" srcId="{FC009297-81A1-437F-A7BC-73413636AA0B}" destId="{AD9F8604-128E-4FFC-8EBD-C51C1B4EC0C0}" srcOrd="0" destOrd="0" presId="urn:microsoft.com/office/officeart/2005/8/layout/hierarchy6"/>
+    <dgm:cxn modelId="{E127B89E-93CD-40EC-917E-2412896FF39D}" type="presOf" srcId="{86886A00-09D0-4A6F-A058-E4FB3303365C}" destId="{554FA5C0-A604-4043-BFFA-A86EC3077B77}" srcOrd="0" destOrd="0" presId="urn:microsoft.com/office/officeart/2005/8/layout/hierarchy6"/>
+    <dgm:cxn modelId="{E09F2AA1-CF26-467D-8FB1-E7BF8A2D43AD}" type="presOf" srcId="{9DCFBFD4-4E04-4DF4-B96D-090272E936F0}" destId="{0E24FDDD-4DD9-41F3-B4EB-B76E27D7269D}" srcOrd="0" destOrd="0" presId="urn:microsoft.com/office/officeart/2005/8/layout/hierarchy6"/>
+    <dgm:cxn modelId="{06DC2BA7-B880-4AD1-8B1A-ABB97EB6B281}" type="presOf" srcId="{2C99F6B0-F5A6-44E0-B156-928FE4F0E4D5}" destId="{0BB006FB-EF9B-49CD-BCE9-481DFD454151}" srcOrd="0" destOrd="0" presId="urn:microsoft.com/office/officeart/2005/8/layout/hierarchy6"/>
+    <dgm:cxn modelId="{937D85A7-84F5-4EE1-9921-ED6618DD3DD2}" type="presOf" srcId="{948971AA-82E6-4626-A0E6-CF80CF71EFAC}" destId="{37310A91-C004-493E-838C-CF4FA5EE5493}" srcOrd="0" destOrd="0" presId="urn:microsoft.com/office/officeart/2005/8/layout/hierarchy6"/>
+    <dgm:cxn modelId="{1E9B5FAD-76CD-40D0-AF1D-A5589D341A16}" type="presOf" srcId="{140EFB3E-EE79-4424-8D13-DBA152C05CAF}" destId="{57F9BF24-5C39-4C41-8192-7C15C36B1916}" srcOrd="0" destOrd="0" presId="urn:microsoft.com/office/officeart/2005/8/layout/hierarchy6"/>
+    <dgm:cxn modelId="{5F59A5B0-7010-4220-9C5F-235659FCF878}" type="presOf" srcId="{8A6F9739-3D5E-49CD-8BED-912B95B97B4D}" destId="{B00B9491-58B2-4721-A586-A364AF32E235}" srcOrd="0" destOrd="0" presId="urn:microsoft.com/office/officeart/2005/8/layout/hierarchy6"/>
+    <dgm:cxn modelId="{2075A8B0-68F4-48F7-B444-730E43107EAD}" srcId="{2E2F2613-1007-4DB2-800A-D9D3949B94F4}" destId="{8D331E95-80BC-436C-8334-D006B982B9E8}" srcOrd="0" destOrd="0" parTransId="{120B0196-E522-4A54-90A4-562A17024853}" sibTransId="{72D89C30-E723-4497-9761-228F90A02317}"/>
+    <dgm:cxn modelId="{F79B40B2-7101-4D93-8B25-4489D91E5148}" srcId="{5F4D4474-6763-45EA-A012-A7BC5BAEEFED}" destId="{4D0EF0FD-54AB-407D-85F2-D31FF6C0392B}" srcOrd="0" destOrd="0" parTransId="{86886A00-09D0-4A6F-A058-E4FB3303365C}" sibTransId="{81C9332B-5F26-4B3B-8AD4-B9C284330D13}"/>
+    <dgm:cxn modelId="{413ED0B6-EFBD-4214-BBB2-EF1CE2867242}" srcId="{0E1E23B0-F934-4CFC-A47D-53C48ACD8A55}" destId="{2461806B-CC4B-45FA-B831-2A723B9C3790}" srcOrd="0" destOrd="0" parTransId="{95B132E4-3705-49F2-AC9D-D30C75958A73}" sibTransId="{589FF40D-D885-4617-9EA8-1FB1058F07A1}"/>
+    <dgm:cxn modelId="{EECE40B8-C02F-4578-9DD2-5621CB8503B9}" type="presOf" srcId="{E9C2D9DA-571D-4528-AED8-D5E3AAAE7912}" destId="{CBFCA3EA-CCE3-4DBF-8963-1B070056BA3F}" srcOrd="0" destOrd="0" presId="urn:microsoft.com/office/officeart/2005/8/layout/hierarchy6"/>
+    <dgm:cxn modelId="{68AA0FCA-8774-47E6-AA5E-A119095AE955}" type="presOf" srcId="{95B132E4-3705-49F2-AC9D-D30C75958A73}" destId="{47BCAAE7-C617-422A-9B2E-1486F9F5DFE5}" srcOrd="0" destOrd="0" presId="urn:microsoft.com/office/officeart/2005/8/layout/hierarchy6"/>
+    <dgm:cxn modelId="{B6DE2DCA-D0B7-4A85-B5B4-39E83F73DED0}" type="presOf" srcId="{4D0EF0FD-54AB-407D-85F2-D31FF6C0392B}" destId="{39545D67-7D9B-4708-B35C-D3B825DB5D80}" srcOrd="0" destOrd="0" presId="urn:microsoft.com/office/officeart/2005/8/layout/hierarchy6"/>
+    <dgm:cxn modelId="{520E99CD-5775-40E4-B8E2-47203D1DA817}" type="presOf" srcId="{F7D032B9-2324-437A-9621-30FA9460261A}" destId="{D337F9D4-600B-42FC-B2D5-9573CCAF82DA}" srcOrd="0" destOrd="0" presId="urn:microsoft.com/office/officeart/2005/8/layout/hierarchy6"/>
+    <dgm:cxn modelId="{085D24D2-448C-422B-A1AF-2DFF18396003}" srcId="{E9C2D9DA-571D-4528-AED8-D5E3AAAE7912}" destId="{0E1E23B0-F934-4CFC-A47D-53C48ACD8A55}" srcOrd="0" destOrd="0" parTransId="{140EFB3E-EE79-4424-8D13-DBA152C05CAF}" sibTransId="{3948B88D-EEB9-4DBB-8C89-D2C0ADC0E729}"/>
+    <dgm:cxn modelId="{74ECD9DF-B108-46AB-AC18-5399B759F21F}" type="presOf" srcId="{EBC15101-616F-476E-B93B-31EF27035D85}" destId="{77F21A38-FBAD-4269-B295-49EC4067B317}" srcOrd="0" destOrd="0" presId="urn:microsoft.com/office/officeart/2005/8/layout/hierarchy6"/>
+    <dgm:cxn modelId="{7D33E7E3-6DF9-4291-AC86-D991A12740DD}" srcId="{5F4D4474-6763-45EA-A012-A7BC5BAEEFED}" destId="{B8CB617D-FB55-4B3C-BA11-1154D7EECD18}" srcOrd="1" destOrd="0" parTransId="{EBC15101-616F-476E-B93B-31EF27035D85}" sibTransId="{77501FE0-8617-46DC-AA45-D214B021FAA8}"/>
+    <dgm:cxn modelId="{32D00FE5-A3D1-41B3-8508-AC82FFCA44A6}" srcId="{5F4D4474-6763-45EA-A012-A7BC5BAEEFED}" destId="{F7D032B9-2324-437A-9621-30FA9460261A}" srcOrd="4" destOrd="0" parTransId="{9DCFBFD4-4E04-4DF4-B96D-090272E936F0}" sibTransId="{1B9CF2A0-14DF-4E46-8B75-FA5FAC0F882A}"/>
+    <dgm:cxn modelId="{1AD0E3E8-F661-4CFD-AF27-5DF87408FA3E}" srcId="{7EE111B4-980C-4758-A204-48ADCB59242A}" destId="{197A571B-27C2-4263-8679-2AA8C1C52D13}" srcOrd="0" destOrd="0" parTransId="{0E15FEC4-3575-43C2-9203-DDF2EBFAF540}" sibTransId="{3F7114C2-A63C-4BBD-AAF9-FD96C72F1FC8}"/>
+    <dgm:cxn modelId="{57BC9DED-8B18-4DF4-80FA-79675ABBE38E}" type="presOf" srcId="{13599120-599D-4D6C-B4CF-F3A085A6F3E0}" destId="{49463B61-E868-45E5-92FA-A61F641E7AAD}" srcOrd="0" destOrd="0" presId="urn:microsoft.com/office/officeart/2005/8/layout/hierarchy6"/>
+    <dgm:cxn modelId="{4D149CF0-18F5-45FF-BFFA-AED319CD5210}" type="presOf" srcId="{2E2F2613-1007-4DB2-800A-D9D3949B94F4}" destId="{8A41D693-425D-4A2D-A28B-D2A2AC9CC462}" srcOrd="0" destOrd="0" presId="urn:microsoft.com/office/officeart/2005/8/layout/hierarchy6"/>
+    <dgm:cxn modelId="{7E0DB9F9-7176-4CCE-810A-0BA2CE6FADD2}" srcId="{8D331E95-80BC-436C-8334-D006B982B9E8}" destId="{E9C2D9DA-571D-4528-AED8-D5E3AAAE7912}" srcOrd="0" destOrd="0" parTransId="{96C9D161-34C1-4E9F-A206-8421937B88B2}" sibTransId="{4787E4B2-FD42-4654-AFDA-492470CDFFD2}"/>
+    <dgm:cxn modelId="{DE4600FF-D987-43E3-9F75-12F4958F7250}" type="presOf" srcId="{197A571B-27C2-4263-8679-2AA8C1C52D13}" destId="{F84B7668-2E95-43F8-B185-BE55FC19BC18}" srcOrd="0" destOrd="0" presId="urn:microsoft.com/office/officeart/2005/8/layout/hierarchy6"/>
+    <dgm:cxn modelId="{1715F4AC-E06B-4C41-A057-EDBDBCD02546}" type="presParOf" srcId="{8A41D693-425D-4A2D-A28B-D2A2AC9CC462}" destId="{074EF897-6624-4C11-980A-A67AE995F81B}" srcOrd="0" destOrd="0" presId="urn:microsoft.com/office/officeart/2005/8/layout/hierarchy6"/>
+    <dgm:cxn modelId="{7DD2547B-5B4D-49D2-9557-6B7082F6DE29}" type="presParOf" srcId="{074EF897-6624-4C11-980A-A67AE995F81B}" destId="{07669E01-CC50-4B63-93F5-94A58C59B9EC}" srcOrd="0" destOrd="0" presId="urn:microsoft.com/office/officeart/2005/8/layout/hierarchy6"/>
+    <dgm:cxn modelId="{83EE26ED-E2D9-45B0-BD36-31BE8D99935B}" type="presParOf" srcId="{07669E01-CC50-4B63-93F5-94A58C59B9EC}" destId="{D68D9E5A-E92B-4FE0-9C48-37659CFDB9FB}" srcOrd="0" destOrd="0" presId="urn:microsoft.com/office/officeart/2005/8/layout/hierarchy6"/>
+    <dgm:cxn modelId="{E8BF7FE0-62B6-4806-9551-D50E0F982664}" type="presParOf" srcId="{D68D9E5A-E92B-4FE0-9C48-37659CFDB9FB}" destId="{2744D482-DB48-4DE3-B3A8-B5311D959E76}" srcOrd="0" destOrd="0" presId="urn:microsoft.com/office/officeart/2005/8/layout/hierarchy6"/>
+    <dgm:cxn modelId="{80F40F41-7DC1-4985-A800-0E261E50694F}" type="presParOf" srcId="{D68D9E5A-E92B-4FE0-9C48-37659CFDB9FB}" destId="{89A7976A-4256-43BF-8254-6649B113423D}" srcOrd="1" destOrd="0" presId="urn:microsoft.com/office/officeart/2005/8/layout/hierarchy6"/>
+    <dgm:cxn modelId="{6DFEFF08-FDE1-447A-8AA1-95FF514F93DD}" type="presParOf" srcId="{89A7976A-4256-43BF-8254-6649B113423D}" destId="{BB76914E-6F66-4B7E-B20A-8728A61A2362}" srcOrd="0" destOrd="0" presId="urn:microsoft.com/office/officeart/2005/8/layout/hierarchy6"/>
+    <dgm:cxn modelId="{1DC031FD-DB6B-42CC-B270-1376504A563A}" type="presParOf" srcId="{89A7976A-4256-43BF-8254-6649B113423D}" destId="{B8531633-2219-47E0-A7A5-BBCA196B18BB}" srcOrd="1" destOrd="0" presId="urn:microsoft.com/office/officeart/2005/8/layout/hierarchy6"/>
+    <dgm:cxn modelId="{DFE238D3-D105-40D4-8A4A-33A16AADE674}" type="presParOf" srcId="{B8531633-2219-47E0-A7A5-BBCA196B18BB}" destId="{CBFCA3EA-CCE3-4DBF-8963-1B070056BA3F}" srcOrd="0" destOrd="0" presId="urn:microsoft.com/office/officeart/2005/8/layout/hierarchy6"/>
+    <dgm:cxn modelId="{FFE90E20-2EB9-4C8D-8BD1-E7D6B76BA634}" type="presParOf" srcId="{B8531633-2219-47E0-A7A5-BBCA196B18BB}" destId="{A2B35AC7-7045-4356-BC15-851BC48D1867}" srcOrd="1" destOrd="0" presId="urn:microsoft.com/office/officeart/2005/8/layout/hierarchy6"/>
+    <dgm:cxn modelId="{2E4302F0-41ED-4A4E-BF7C-A4647A0A25E4}" type="presParOf" srcId="{A2B35AC7-7045-4356-BC15-851BC48D1867}" destId="{57F9BF24-5C39-4C41-8192-7C15C36B1916}" srcOrd="0" destOrd="0" presId="urn:microsoft.com/office/officeart/2005/8/layout/hierarchy6"/>
+    <dgm:cxn modelId="{9F3224E3-7492-4B9C-B60E-0F627AAD8D01}" type="presParOf" srcId="{A2B35AC7-7045-4356-BC15-851BC48D1867}" destId="{4A26E6B3-AFDC-4497-A72F-0E4B6EA07195}" srcOrd="1" destOrd="0" presId="urn:microsoft.com/office/officeart/2005/8/layout/hierarchy6"/>
+    <dgm:cxn modelId="{5DB3A06F-3C59-4A27-B528-C7BBDF8AFB7C}" type="presParOf" srcId="{4A26E6B3-AFDC-4497-A72F-0E4B6EA07195}" destId="{9DF91F12-215E-47F3-8F3B-30C15E0D7DE2}" srcOrd="0" destOrd="0" presId="urn:microsoft.com/office/officeart/2005/8/layout/hierarchy6"/>
+    <dgm:cxn modelId="{D83150F2-8A11-4B6B-9F07-0843B6ABF28E}" type="presParOf" srcId="{4A26E6B3-AFDC-4497-A72F-0E4B6EA07195}" destId="{E9B4B8E4-5EA4-4699-9806-9AD4E5C0240F}" srcOrd="1" destOrd="0" presId="urn:microsoft.com/office/officeart/2005/8/layout/hierarchy6"/>
+    <dgm:cxn modelId="{7DBB678D-4C4C-48E1-8B10-FC16E0E54240}" type="presParOf" srcId="{E9B4B8E4-5EA4-4699-9806-9AD4E5C0240F}" destId="{47BCAAE7-C617-422A-9B2E-1486F9F5DFE5}" srcOrd="0" destOrd="0" presId="urn:microsoft.com/office/officeart/2005/8/layout/hierarchy6"/>
+    <dgm:cxn modelId="{DFBCA0D9-F51F-4038-BD06-6104911610A8}" type="presParOf" srcId="{E9B4B8E4-5EA4-4699-9806-9AD4E5C0240F}" destId="{EE868A24-A447-46EE-B44C-53B0742C46C2}" srcOrd="1" destOrd="0" presId="urn:microsoft.com/office/officeart/2005/8/layout/hierarchy6"/>
+    <dgm:cxn modelId="{ECD7C0CC-E92D-48D0-9E9C-37A19B836C3B}" type="presParOf" srcId="{EE868A24-A447-46EE-B44C-53B0742C46C2}" destId="{C2088110-FAE5-4820-B4A3-8CF4988880A8}" srcOrd="0" destOrd="0" presId="urn:microsoft.com/office/officeart/2005/8/layout/hierarchy6"/>
+    <dgm:cxn modelId="{55CF1B08-2E85-4F32-BECA-46ACE15DC7B0}" type="presParOf" srcId="{EE868A24-A447-46EE-B44C-53B0742C46C2}" destId="{F85A84ED-E554-4653-875D-06079D0160F8}" srcOrd="1" destOrd="0" presId="urn:microsoft.com/office/officeart/2005/8/layout/hierarchy6"/>
+    <dgm:cxn modelId="{EEFBFEA3-C0BF-40A8-964D-02AF3E6854C1}" type="presParOf" srcId="{89A7976A-4256-43BF-8254-6649B113423D}" destId="{49463B61-E868-45E5-92FA-A61F641E7AAD}" srcOrd="2" destOrd="0" presId="urn:microsoft.com/office/officeart/2005/8/layout/hierarchy6"/>
+    <dgm:cxn modelId="{A69E851B-2DE7-4890-BD0A-ACB4EC48A333}" type="presParOf" srcId="{89A7976A-4256-43BF-8254-6649B113423D}" destId="{2AD77083-9444-4742-9643-05F2B4166E1A}" srcOrd="3" destOrd="0" presId="urn:microsoft.com/office/officeart/2005/8/layout/hierarchy6"/>
+    <dgm:cxn modelId="{1555A651-229E-4257-A086-B23578462055}" type="presParOf" srcId="{2AD77083-9444-4742-9643-05F2B4166E1A}" destId="{70228F92-7C55-4A4D-9988-CA6B234436CE}" srcOrd="0" destOrd="0" presId="urn:microsoft.com/office/officeart/2005/8/layout/hierarchy6"/>
+    <dgm:cxn modelId="{9A21E576-95BC-4260-BA4D-D68CEDAC4D30}" type="presParOf" srcId="{2AD77083-9444-4742-9643-05F2B4166E1A}" destId="{5984146B-2BF3-4814-B2E5-AF31DEA679C8}" srcOrd="1" destOrd="0" presId="urn:microsoft.com/office/officeart/2005/8/layout/hierarchy6"/>
+    <dgm:cxn modelId="{D1BF8958-518C-44BC-9D2F-55D36C9C1FC8}" type="presParOf" srcId="{5984146B-2BF3-4814-B2E5-AF31DEA679C8}" destId="{554FA5C0-A604-4043-BFFA-A86EC3077B77}" srcOrd="0" destOrd="0" presId="urn:microsoft.com/office/officeart/2005/8/layout/hierarchy6"/>
+    <dgm:cxn modelId="{512BCF0C-546D-4D84-839F-091DE310B3B4}" type="presParOf" srcId="{5984146B-2BF3-4814-B2E5-AF31DEA679C8}" destId="{7F4E66D0-4AB2-49AC-940F-9F4ACC427850}" srcOrd="1" destOrd="0" presId="urn:microsoft.com/office/officeart/2005/8/layout/hierarchy6"/>
+    <dgm:cxn modelId="{D3C8AC8F-1C3F-45B7-B6F9-34A6ECA84FFF}" type="presParOf" srcId="{7F4E66D0-4AB2-49AC-940F-9F4ACC427850}" destId="{39545D67-7D9B-4708-B35C-D3B825DB5D80}" srcOrd="0" destOrd="0" presId="urn:microsoft.com/office/officeart/2005/8/layout/hierarchy6"/>
+    <dgm:cxn modelId="{02258CC3-624B-4013-816D-31A311CCCE4B}" type="presParOf" srcId="{7F4E66D0-4AB2-49AC-940F-9F4ACC427850}" destId="{968AA263-C241-4743-BEA8-8824E20807CC}" srcOrd="1" destOrd="0" presId="urn:microsoft.com/office/officeart/2005/8/layout/hierarchy6"/>
+    <dgm:cxn modelId="{53BEFA9A-7416-4D1F-AACF-4B4B8812C191}" type="presParOf" srcId="{968AA263-C241-4743-BEA8-8824E20807CC}" destId="{8A731CFF-4F01-450A-BC70-36F217053F28}" srcOrd="0" destOrd="0" presId="urn:microsoft.com/office/officeart/2005/8/layout/hierarchy6"/>
+    <dgm:cxn modelId="{D53D70BB-31F9-49A9-992E-6F1A05C63120}" type="presParOf" srcId="{968AA263-C241-4743-BEA8-8824E20807CC}" destId="{4F315C91-46A9-48A2-9568-CBF5DE067ADD}" srcOrd="1" destOrd="0" presId="urn:microsoft.com/office/officeart/2005/8/layout/hierarchy6"/>
+    <dgm:cxn modelId="{D95753A6-EA64-4E86-95BE-1368C54F4DF9}" type="presParOf" srcId="{4F315C91-46A9-48A2-9568-CBF5DE067ADD}" destId="{37310A91-C004-493E-838C-CF4FA5EE5493}" srcOrd="0" destOrd="0" presId="urn:microsoft.com/office/officeart/2005/8/layout/hierarchy6"/>
+    <dgm:cxn modelId="{0CF6F1C7-4C1D-4503-83E0-AC782B6F56B7}" type="presParOf" srcId="{4F315C91-46A9-48A2-9568-CBF5DE067ADD}" destId="{2D2E8BD4-082F-47BC-A267-985E6B30E038}" srcOrd="1" destOrd="0" presId="urn:microsoft.com/office/officeart/2005/8/layout/hierarchy6"/>
+    <dgm:cxn modelId="{1ED76468-71A2-4C47-99CD-1E7A976854BD}" type="presParOf" srcId="{2D2E8BD4-082F-47BC-A267-985E6B30E038}" destId="{591E6ECE-85CC-4E51-B4DB-B5D861327D93}" srcOrd="0" destOrd="0" presId="urn:microsoft.com/office/officeart/2005/8/layout/hierarchy6"/>
+    <dgm:cxn modelId="{0C02C38E-4582-4DF6-8027-A09B6A482DD8}" type="presParOf" srcId="{2D2E8BD4-082F-47BC-A267-985E6B30E038}" destId="{7C49062D-9C29-4E59-BEE6-EA4EF47E689D}" srcOrd="1" destOrd="0" presId="urn:microsoft.com/office/officeart/2005/8/layout/hierarchy6"/>
+    <dgm:cxn modelId="{665E37C4-5E1D-4D0F-8367-C643259D2522}" type="presParOf" srcId="{7C49062D-9C29-4E59-BEE6-EA4EF47E689D}" destId="{2E7048EB-E217-4014-8BE4-F24A6BA0B986}" srcOrd="0" destOrd="0" presId="urn:microsoft.com/office/officeart/2005/8/layout/hierarchy6"/>
+    <dgm:cxn modelId="{8DD12E08-EFB4-4398-AB7E-5C25B353A088}" type="presParOf" srcId="{7C49062D-9C29-4E59-BEE6-EA4EF47E689D}" destId="{DBC99F32-EB36-4C1D-B85E-A3F0CB6F7E26}" srcOrd="1" destOrd="0" presId="urn:microsoft.com/office/officeart/2005/8/layout/hierarchy6"/>
+    <dgm:cxn modelId="{0D016B9B-0360-4C77-B1BE-712B0D7035FF}" type="presParOf" srcId="{5984146B-2BF3-4814-B2E5-AF31DEA679C8}" destId="{77F21A38-FBAD-4269-B295-49EC4067B317}" srcOrd="2" destOrd="0" presId="urn:microsoft.com/office/officeart/2005/8/layout/hierarchy6"/>
+    <dgm:cxn modelId="{2320FAC9-ABB4-4131-BFC9-A86EAB3D9147}" type="presParOf" srcId="{5984146B-2BF3-4814-B2E5-AF31DEA679C8}" destId="{CAF8AAE8-3D6F-42AC-912E-A0C958AF672C}" srcOrd="3" destOrd="0" presId="urn:microsoft.com/office/officeart/2005/8/layout/hierarchy6"/>
+    <dgm:cxn modelId="{2C2CC64F-D0B6-44A9-AA0D-E66EDD5D6B3E}" type="presParOf" srcId="{CAF8AAE8-3D6F-42AC-912E-A0C958AF672C}" destId="{97993808-DD31-4F7B-9C05-421E8DCCCC31}" srcOrd="0" destOrd="0" presId="urn:microsoft.com/office/officeart/2005/8/layout/hierarchy6"/>
+    <dgm:cxn modelId="{D6D63890-3BAB-4263-8E8C-8F72187D1021}" type="presParOf" srcId="{CAF8AAE8-3D6F-42AC-912E-A0C958AF672C}" destId="{DCDBC091-C4A6-4A02-9643-A94CA7CA2E28}" srcOrd="1" destOrd="0" presId="urn:microsoft.com/office/officeart/2005/8/layout/hierarchy6"/>
+    <dgm:cxn modelId="{CEAE8008-B81F-4921-B67A-E14E916E381A}" type="presParOf" srcId="{DCDBC091-C4A6-4A02-9643-A94CA7CA2E28}" destId="{113EEC42-F99E-46DD-84E0-36AAC6C65A5D}" srcOrd="0" destOrd="0" presId="urn:microsoft.com/office/officeart/2005/8/layout/hierarchy6"/>
+    <dgm:cxn modelId="{2506CFC6-3FF3-4586-8250-F9526004E702}" type="presParOf" srcId="{DCDBC091-C4A6-4A02-9643-A94CA7CA2E28}" destId="{62D928E2-85D5-4CF4-A16D-4A41FBDDDF14}" srcOrd="1" destOrd="0" presId="urn:microsoft.com/office/officeart/2005/8/layout/hierarchy6"/>
+    <dgm:cxn modelId="{BEED924D-A85E-4EF7-A6C1-A214E77B135C}" type="presParOf" srcId="{62D928E2-85D5-4CF4-A16D-4A41FBDDDF14}" destId="{946FCA3B-DC23-49FA-B5BF-A41131F66DBC}" srcOrd="0" destOrd="0" presId="urn:microsoft.com/office/officeart/2005/8/layout/hierarchy6"/>
+    <dgm:cxn modelId="{FE0A57EB-E55D-41FA-B9FD-C59EED9632F1}" type="presParOf" srcId="{62D928E2-85D5-4CF4-A16D-4A41FBDDDF14}" destId="{980979A0-9C75-47CA-86E6-72371EAC46C4}" srcOrd="1" destOrd="0" presId="urn:microsoft.com/office/officeart/2005/8/layout/hierarchy6"/>
+    <dgm:cxn modelId="{E0CE1AD1-E38E-4A39-9851-9C0726E33CD8}" type="presParOf" srcId="{5984146B-2BF3-4814-B2E5-AF31DEA679C8}" destId="{0BB006FB-EF9B-49CD-BCE9-481DFD454151}" srcOrd="4" destOrd="0" presId="urn:microsoft.com/office/officeart/2005/8/layout/hierarchy6"/>
+    <dgm:cxn modelId="{33542021-6AB1-47F8-BE15-7FDF02920F84}" type="presParOf" srcId="{5984146B-2BF3-4814-B2E5-AF31DEA679C8}" destId="{CC24287F-B523-4099-9981-7D0A85DD7C41}" srcOrd="5" destOrd="0" presId="urn:microsoft.com/office/officeart/2005/8/layout/hierarchy6"/>
+    <dgm:cxn modelId="{3C7807B1-ABFE-4C5F-B7E7-7180B46BE9F2}" type="presParOf" srcId="{CC24287F-B523-4099-9981-7D0A85DD7C41}" destId="{472D39E7-9A48-4166-8FC9-DE56AE381C54}" srcOrd="0" destOrd="0" presId="urn:microsoft.com/office/officeart/2005/8/layout/hierarchy6"/>
+    <dgm:cxn modelId="{09CD16BE-9F91-453C-A600-A12EC1B34690}" type="presParOf" srcId="{CC24287F-B523-4099-9981-7D0A85DD7C41}" destId="{DC224A70-E1F1-4820-8FE0-42CC78B17C28}" srcOrd="1" destOrd="0" presId="urn:microsoft.com/office/officeart/2005/8/layout/hierarchy6"/>
+    <dgm:cxn modelId="{E6B8F87E-B084-4389-8533-D09655BB5064}" type="presParOf" srcId="{DC224A70-E1F1-4820-8FE0-42CC78B17C28}" destId="{19D008B1-8602-4DA8-9D82-ACA161477DAF}" srcOrd="0" destOrd="0" presId="urn:microsoft.com/office/officeart/2005/8/layout/hierarchy6"/>
+    <dgm:cxn modelId="{87EB04D4-7847-450C-A1FA-B7B550A14AD3}" type="presParOf" srcId="{DC224A70-E1F1-4820-8FE0-42CC78B17C28}" destId="{833DDA73-3CCB-41C0-BE54-AABD219FD9EB}" srcOrd="1" destOrd="0" presId="urn:microsoft.com/office/officeart/2005/8/layout/hierarchy6"/>
+    <dgm:cxn modelId="{86E725C1-4E23-4A91-AE13-705D047EF3F0}" type="presParOf" srcId="{833DDA73-3CCB-41C0-BE54-AABD219FD9EB}" destId="{F84B7668-2E95-43F8-B185-BE55FC19BC18}" srcOrd="0" destOrd="0" presId="urn:microsoft.com/office/officeart/2005/8/layout/hierarchy6"/>
+    <dgm:cxn modelId="{CBAAA2B4-1709-4D93-8693-78C3A0259F3E}" type="presParOf" srcId="{833DDA73-3CCB-41C0-BE54-AABD219FD9EB}" destId="{20CFFBF4-DFF9-4630-801B-E9AF49B341DF}" srcOrd="1" destOrd="0" presId="urn:microsoft.com/office/officeart/2005/8/layout/hierarchy6"/>
+    <dgm:cxn modelId="{8D49E77B-F458-4CD9-90EA-5B10FCD375BB}" type="presParOf" srcId="{5984146B-2BF3-4814-B2E5-AF31DEA679C8}" destId="{09E4BC74-9A29-4E4C-B0E5-467B4B914A7B}" srcOrd="6" destOrd="0" presId="urn:microsoft.com/office/officeart/2005/8/layout/hierarchy6"/>
+    <dgm:cxn modelId="{10473A96-CD2C-4755-892E-9BAA6FCF1663}" type="presParOf" srcId="{5984146B-2BF3-4814-B2E5-AF31DEA679C8}" destId="{862818A7-F632-4744-B8F9-39667698D6F4}" srcOrd="7" destOrd="0" presId="urn:microsoft.com/office/officeart/2005/8/layout/hierarchy6"/>
+    <dgm:cxn modelId="{7F7B21C8-7B3C-4C02-AB8E-F2F51CB3E12A}" type="presParOf" srcId="{862818A7-F632-4744-B8F9-39667698D6F4}" destId="{2948D152-9FE6-4FDD-87AF-AA9B4842060B}" srcOrd="0" destOrd="0" presId="urn:microsoft.com/office/officeart/2005/8/layout/hierarchy6"/>
+    <dgm:cxn modelId="{F6789C44-4975-40D9-A647-B49115476B94}" type="presParOf" srcId="{862818A7-F632-4744-B8F9-39667698D6F4}" destId="{74D11BC1-E675-4BC9-B406-B260C41BC3A0}" srcOrd="1" destOrd="0" presId="urn:microsoft.com/office/officeart/2005/8/layout/hierarchy6"/>
+    <dgm:cxn modelId="{2EC3CD24-5BE0-436F-BEBD-0AD38401248F}" type="presParOf" srcId="{74D11BC1-E675-4BC9-B406-B260C41BC3A0}" destId="{1D12FEC2-D55B-43BD-BE3F-8A63BC3BDD84}" srcOrd="0" destOrd="0" presId="urn:microsoft.com/office/officeart/2005/8/layout/hierarchy6"/>
+    <dgm:cxn modelId="{529FB04D-54E6-4110-B239-C434937E47DC}" type="presParOf" srcId="{74D11BC1-E675-4BC9-B406-B260C41BC3A0}" destId="{3F299F47-DEE8-42C5-AF21-5847DD1AE908}" srcOrd="1" destOrd="0" presId="urn:microsoft.com/office/officeart/2005/8/layout/hierarchy6"/>
+    <dgm:cxn modelId="{A93BD894-86A3-4106-81C2-3014BD46EFCB}" type="presParOf" srcId="{3F299F47-DEE8-42C5-AF21-5847DD1AE908}" destId="{B00B9491-58B2-4721-A586-A364AF32E235}" srcOrd="0" destOrd="0" presId="urn:microsoft.com/office/officeart/2005/8/layout/hierarchy6"/>
+    <dgm:cxn modelId="{19F4BCDE-3D96-4FD4-A0BF-F27D5F648662}" type="presParOf" srcId="{3F299F47-DEE8-42C5-AF21-5847DD1AE908}" destId="{B69C8637-92D4-4A19-97EF-BF083FA1EAE0}" srcOrd="1" destOrd="0" presId="urn:microsoft.com/office/officeart/2005/8/layout/hierarchy6"/>
+    <dgm:cxn modelId="{94788B34-CE67-48C3-8475-56DCDF1ADA4D}" type="presParOf" srcId="{5984146B-2BF3-4814-B2E5-AF31DEA679C8}" destId="{0E24FDDD-4DD9-41F3-B4EB-B76E27D7269D}" srcOrd="8" destOrd="0" presId="urn:microsoft.com/office/officeart/2005/8/layout/hierarchy6"/>
+    <dgm:cxn modelId="{A0B2CF98-C072-4191-974A-830D5B3AD2EB}" type="presParOf" srcId="{5984146B-2BF3-4814-B2E5-AF31DEA679C8}" destId="{D67CB6CB-4FA8-4F9F-9BA4-91810893FDB4}" srcOrd="9" destOrd="0" presId="urn:microsoft.com/office/officeart/2005/8/layout/hierarchy6"/>
+    <dgm:cxn modelId="{14A6402E-E30F-419B-82A0-2F6EAB956C77}" type="presParOf" srcId="{D67CB6CB-4FA8-4F9F-9BA4-91810893FDB4}" destId="{D337F9D4-600B-42FC-B2D5-9573CCAF82DA}" srcOrd="0" destOrd="0" presId="urn:microsoft.com/office/officeart/2005/8/layout/hierarchy6"/>
+    <dgm:cxn modelId="{6989CF40-0012-4B5D-AA8A-03FDCC8AD514}" type="presParOf" srcId="{D67CB6CB-4FA8-4F9F-9BA4-91810893FDB4}" destId="{0F44F57A-5785-427C-B148-CAA90CE78CEA}" srcOrd="1" destOrd="0" presId="urn:microsoft.com/office/officeart/2005/8/layout/hierarchy6"/>
+    <dgm:cxn modelId="{4C5EE022-DA59-4D04-8832-3A141725950F}" type="presParOf" srcId="{89A7976A-4256-43BF-8254-6649B113423D}" destId="{8CE15E9E-FDED-4083-AB6A-B4985C5C9119}" srcOrd="4" destOrd="0" presId="urn:microsoft.com/office/officeart/2005/8/layout/hierarchy6"/>
+    <dgm:cxn modelId="{165BF20A-B641-4BFE-89BA-1E30F278FFC7}" type="presParOf" srcId="{89A7976A-4256-43BF-8254-6649B113423D}" destId="{22ED17FE-CC35-494D-A05C-D3DFD4759603}" srcOrd="5" destOrd="0" presId="urn:microsoft.com/office/officeart/2005/8/layout/hierarchy6"/>
+    <dgm:cxn modelId="{904DB56C-F74C-454B-823D-740600A0E112}" type="presParOf" srcId="{22ED17FE-CC35-494D-A05C-D3DFD4759603}" destId="{E2DD7ED5-0F65-4A39-8A29-75BF565D17F7}" srcOrd="0" destOrd="0" presId="urn:microsoft.com/office/officeart/2005/8/layout/hierarchy6"/>
+    <dgm:cxn modelId="{916B64A9-F69D-4B7C-BC36-2A7244EF5C69}" type="presParOf" srcId="{22ED17FE-CC35-494D-A05C-D3DFD4759603}" destId="{CE240AF1-3C67-4DF3-9295-7AD6301E4358}" srcOrd="1" destOrd="0" presId="urn:microsoft.com/office/officeart/2005/8/layout/hierarchy6"/>
+    <dgm:cxn modelId="{D1A04FC4-41D8-4BAB-B289-419031F7500D}" type="presParOf" srcId="{CE240AF1-3C67-4DF3-9295-7AD6301E4358}" destId="{6D74DDD8-EAD7-4847-96ED-3A17A8A22AB4}" srcOrd="0" destOrd="0" presId="urn:microsoft.com/office/officeart/2005/8/layout/hierarchy6"/>
+    <dgm:cxn modelId="{7D698543-1B4C-4D35-8E9C-4555DEFB2AAD}" type="presParOf" srcId="{CE240AF1-3C67-4DF3-9295-7AD6301E4358}" destId="{C096E920-2C64-4FAE-B3E5-6330A23148CF}" srcOrd="1" destOrd="0" presId="urn:microsoft.com/office/officeart/2005/8/layout/hierarchy6"/>
+    <dgm:cxn modelId="{A05204B0-B691-4706-A07E-9940019D76C3}" type="presParOf" srcId="{C096E920-2C64-4FAE-B3E5-6330A23148CF}" destId="{12AAD122-F8E5-4650-BF9E-0E809711BFCC}" srcOrd="0" destOrd="0" presId="urn:microsoft.com/office/officeart/2005/8/layout/hierarchy6"/>
+    <dgm:cxn modelId="{4144F6B9-C723-4A3F-9E8E-6946F944464C}" type="presParOf" srcId="{C096E920-2C64-4FAE-B3E5-6330A23148CF}" destId="{92CE7FE6-649A-409D-B1E3-602BEEE2A984}" srcOrd="1" destOrd="0" presId="urn:microsoft.com/office/officeart/2005/8/layout/hierarchy6"/>
+    <dgm:cxn modelId="{CCA50E8D-9344-4448-998B-21D01930E399}" type="presParOf" srcId="{CE240AF1-3C67-4DF3-9295-7AD6301E4358}" destId="{AD9F8604-128E-4FFC-8EBD-C51C1B4EC0C0}" srcOrd="2" destOrd="0" presId="urn:microsoft.com/office/officeart/2005/8/layout/hierarchy6"/>
+    <dgm:cxn modelId="{203EDD0A-64D4-4D61-B794-1ABA7AD94CBE}" type="presParOf" srcId="{CE240AF1-3C67-4DF3-9295-7AD6301E4358}" destId="{A42F2620-F2EC-4FC3-9970-84FDC919A135}" srcOrd="3" destOrd="0" presId="urn:microsoft.com/office/officeart/2005/8/layout/hierarchy6"/>
+    <dgm:cxn modelId="{9255DD25-857C-46D3-B545-78B129761B10}" type="presParOf" srcId="{A42F2620-F2EC-4FC3-9970-84FDC919A135}" destId="{EAFE556B-8391-45BE-AD29-797FFD930603}" srcOrd="0" destOrd="0" presId="urn:microsoft.com/office/officeart/2005/8/layout/hierarchy6"/>
+    <dgm:cxn modelId="{9C1DD0E3-C01D-40B8-A516-87322FF2950A}" type="presParOf" srcId="{A42F2620-F2EC-4FC3-9970-84FDC919A135}" destId="{9BE0B214-A73B-4AD8-956A-7649AC1494C2}" srcOrd="1" destOrd="0" presId="urn:microsoft.com/office/officeart/2005/8/layout/hierarchy6"/>
+    <dgm:cxn modelId="{BCE5D13F-D855-4FB9-97E3-9AE33C430C4C}" type="presParOf" srcId="{8A41D693-425D-4A2D-A28B-D2A2AC9CC462}" destId="{658362E5-3AFB-44A7-86F8-80E0717934BD}" srcOrd="1" destOrd="0" presId="urn:microsoft.com/office/officeart/2005/8/layout/hierarchy6"/>
+  </dgm:cxnLst>
+  <dgm:bg/>
+  <dgm:whole/>
+  <dgm:extLst>
+    <a:ext uri="http://schemas.microsoft.com/office/drawing/2008/diagram">
+      <dsp:dataModelExt xmlns:dsp="http://schemas.microsoft.com/office/drawing/2008/diagram" relId="rId6" minVer="http://schemas.openxmlformats.org/drawingml/2006/diagram"/>
+    </a:ext>
+  </dgm:extLst>
+</dgm:dataModel>
+</file>
+
+<file path=ppt/diagrams/drawing1.xml><?xml version="1.0" encoding="utf-8"?>
+<dsp:drawing xmlns:dgm="http://schemas.openxmlformats.org/drawingml/2006/diagram" xmlns:dsp="http://schemas.microsoft.com/office/drawing/2008/diagram" xmlns:a="http://schemas.openxmlformats.org/drawingml/2006/main">
+  <dsp:spTree>
+    <dsp:nvGrpSpPr>
+      <dsp:cNvPr id="0" name=""/>
+      <dsp:cNvGrpSpPr/>
+    </dsp:nvGrpSpPr>
+    <dsp:grpSpPr/>
+    <dsp:sp modelId="{2744D482-DB48-4DE3-B3A8-B5311D959E76}">
+      <dsp:nvSpPr>
+        <dsp:cNvPr id="0" name=""/>
+        <dsp:cNvSpPr/>
+      </dsp:nvSpPr>
+      <dsp:spPr>
+        <a:xfrm>
+          <a:off x="4137399" y="57035"/>
+          <a:ext cx="904087" cy="602724"/>
+        </a:xfrm>
+        <a:prstGeom prst="roundRect">
+          <a:avLst>
+            <a:gd name="adj" fmla="val 10000"/>
+          </a:avLst>
+        </a:prstGeom>
+        <a:gradFill rotWithShape="0">
+          <a:gsLst>
+            <a:gs pos="0">
+              <a:schemeClr val="accent1">
+                <a:hueOff val="0"/>
+                <a:satOff val="0"/>
+                <a:lumOff val="0"/>
+                <a:alphaOff val="0"/>
+                <a:lumMod val="110000"/>
+                <a:satMod val="105000"/>
+                <a:tint val="67000"/>
+              </a:schemeClr>
+            </a:gs>
+            <a:gs pos="50000">
+              <a:schemeClr val="accent1">
+                <a:hueOff val="0"/>
+                <a:satOff val="0"/>
+                <a:lumOff val="0"/>
+                <a:alphaOff val="0"/>
+                <a:lumMod val="105000"/>
+                <a:satMod val="103000"/>
+                <a:tint val="73000"/>
+              </a:schemeClr>
+            </a:gs>
+            <a:gs pos="100000">
+              <a:schemeClr val="accent1">
+                <a:hueOff val="0"/>
+                <a:satOff val="0"/>
+                <a:lumOff val="0"/>
+                <a:alphaOff val="0"/>
+                <a:lumMod val="105000"/>
+                <a:satMod val="109000"/>
+                <a:tint val="81000"/>
+              </a:schemeClr>
+            </a:gs>
+          </a:gsLst>
+          <a:lin ang="5400000" scaled="0"/>
+        </a:gradFill>
+        <a:ln>
+          <a:noFill/>
+        </a:ln>
+        <a:effectLst/>
+        <a:scene3d>
+          <a:camera prst="orthographicFront"/>
+          <a:lightRig rig="flat" dir="t"/>
+        </a:scene3d>
+        <a:sp3d prstMaterial="dkEdge">
+          <a:bevelT w="8200" h="38100"/>
+        </a:sp3d>
+      </dsp:spPr>
+      <dsp:style>
+        <a:lnRef idx="0">
+          <a:scrgbClr r="0" g="0" b="0"/>
+        </a:lnRef>
+        <a:fillRef idx="2">
+          <a:scrgbClr r="0" g="0" b="0"/>
+        </a:fillRef>
+        <a:effectRef idx="1">
+          <a:scrgbClr r="0" g="0" b="0"/>
+        </a:effectRef>
+        <a:fontRef idx="minor">
+          <a:schemeClr val="dk1"/>
+        </a:fontRef>
+      </dsp:style>
+      <dsp:txBody>
+        <a:bodyPr spcFirstLastPara="0" vert="horz" wrap="square" lIns="53340" tIns="53340" rIns="53340" bIns="53340" numCol="1" spcCol="1270" anchor="ctr" anchorCtr="0">
+          <a:noAutofit/>
+        </a:bodyPr>
+        <a:lstStyle/>
+        <a:p>
+          <a:pPr marL="0" lvl="0" indent="0" algn="ctr" defTabSz="622300">
+            <a:lnSpc>
+              <a:spcPct val="90000"/>
+            </a:lnSpc>
+            <a:spcBef>
+              <a:spcPct val="0"/>
+            </a:spcBef>
+            <a:spcAft>
+              <a:spcPct val="35000"/>
+            </a:spcAft>
+            <a:buNone/>
+          </a:pPr>
+          <a:r>
+            <a:rPr lang="zh-TW" altLang="en-US" sz="1400" kern="1200" dirty="0">
+              <a:latin typeface="標楷體" panose="03000509000000000000" pitchFamily="65" charset="-120"/>
+              <a:ea typeface="標楷體" panose="03000509000000000000" pitchFamily="65" charset="-120"/>
+            </a:rPr>
+            <a:t>行人辨識</a:t>
+          </a:r>
+        </a:p>
+      </dsp:txBody>
+      <dsp:txXfrm>
+        <a:off x="4155052" y="74688"/>
+        <a:ext cx="868781" cy="567418"/>
+      </dsp:txXfrm>
+    </dsp:sp>
+    <dsp:sp modelId="{BB76914E-6F66-4B7E-B20A-8728A61A2362}">
+      <dsp:nvSpPr>
+        <dsp:cNvPr id="0" name=""/>
+        <dsp:cNvSpPr/>
+      </dsp:nvSpPr>
+      <dsp:spPr>
+        <a:xfrm>
+          <a:off x="720791" y="659760"/>
+          <a:ext cx="3868651" cy="184054"/>
+        </a:xfrm>
+        <a:custGeom>
+          <a:avLst/>
+          <a:gdLst/>
+          <a:ahLst/>
+          <a:cxnLst/>
+          <a:rect l="0" t="0" r="0" b="0"/>
+          <a:pathLst>
+            <a:path>
+              <a:moveTo>
+                <a:pt x="3868651" y="0"/>
+              </a:moveTo>
+              <a:lnTo>
+                <a:pt x="3868651" y="92027"/>
+              </a:lnTo>
+              <a:lnTo>
+                <a:pt x="0" y="92027"/>
+              </a:lnTo>
+              <a:lnTo>
+                <a:pt x="0" y="184054"/>
+              </a:lnTo>
+            </a:path>
+          </a:pathLst>
+        </a:custGeom>
+        <a:noFill/>
+        <a:ln w="12700" cap="flat" cmpd="sng" algn="ctr">
+          <a:solidFill>
+            <a:schemeClr val="accent2">
+              <a:hueOff val="0"/>
+              <a:satOff val="0"/>
+              <a:lumOff val="0"/>
+              <a:alphaOff val="0"/>
+            </a:schemeClr>
+          </a:solidFill>
+          <a:prstDash val="solid"/>
+          <a:miter lim="800000"/>
+        </a:ln>
+        <a:effectLst/>
+      </dsp:spPr>
+      <dsp:style>
+        <a:lnRef idx="2">
+          <a:scrgbClr r="0" g="0" b="0"/>
+        </a:lnRef>
+        <a:fillRef idx="0">
+          <a:scrgbClr r="0" g="0" b="0"/>
+        </a:fillRef>
+        <a:effectRef idx="0">
+          <a:scrgbClr r="0" g="0" b="0"/>
+        </a:effectRef>
+        <a:fontRef idx="minor"/>
+      </dsp:style>
+    </dsp:sp>
+    <dsp:sp modelId="{CBFCA3EA-CCE3-4DBF-8963-1B070056BA3F}">
+      <dsp:nvSpPr>
+        <dsp:cNvPr id="0" name=""/>
+        <dsp:cNvSpPr/>
+      </dsp:nvSpPr>
+      <dsp:spPr>
+        <a:xfrm>
+          <a:off x="268747" y="843814"/>
+          <a:ext cx="904087" cy="602724"/>
+        </a:xfrm>
+        <a:prstGeom prst="roundRect">
+          <a:avLst>
+            <a:gd name="adj" fmla="val 10000"/>
+          </a:avLst>
+        </a:prstGeom>
+        <a:gradFill rotWithShape="0">
+          <a:gsLst>
+            <a:gs pos="0">
+              <a:schemeClr val="accent2">
+                <a:hueOff val="0"/>
+                <a:satOff val="0"/>
+                <a:lumOff val="0"/>
+                <a:alphaOff val="0"/>
+                <a:lumMod val="110000"/>
+                <a:satMod val="105000"/>
+                <a:tint val="67000"/>
+              </a:schemeClr>
+            </a:gs>
+            <a:gs pos="50000">
+              <a:schemeClr val="accent2">
+                <a:hueOff val="0"/>
+                <a:satOff val="0"/>
+                <a:lumOff val="0"/>
+                <a:alphaOff val="0"/>
+                <a:lumMod val="105000"/>
+                <a:satMod val="103000"/>
+                <a:tint val="73000"/>
+              </a:schemeClr>
+            </a:gs>
+            <a:gs pos="100000">
+              <a:schemeClr val="accent2">
+                <a:hueOff val="0"/>
+                <a:satOff val="0"/>
+                <a:lumOff val="0"/>
+                <a:alphaOff val="0"/>
+                <a:lumMod val="105000"/>
+                <a:satMod val="109000"/>
+                <a:tint val="81000"/>
+              </a:schemeClr>
+            </a:gs>
+          </a:gsLst>
+          <a:lin ang="5400000" scaled="0"/>
+        </a:gradFill>
+        <a:ln>
+          <a:noFill/>
+        </a:ln>
+        <a:effectLst/>
+        <a:scene3d>
+          <a:camera prst="orthographicFront"/>
+          <a:lightRig rig="flat" dir="t"/>
+        </a:scene3d>
+        <a:sp3d prstMaterial="dkEdge">
+          <a:bevelT w="8200" h="38100"/>
+        </a:sp3d>
+      </dsp:spPr>
+      <dsp:style>
+        <a:lnRef idx="0">
+          <a:scrgbClr r="0" g="0" b="0"/>
+        </a:lnRef>
+        <a:fillRef idx="2">
+          <a:scrgbClr r="0" g="0" b="0"/>
+        </a:fillRef>
+        <a:effectRef idx="1">
+          <a:scrgbClr r="0" g="0" b="0"/>
+        </a:effectRef>
+        <a:fontRef idx="minor">
+          <a:schemeClr val="dk1"/>
+        </a:fontRef>
+      </dsp:style>
+      <dsp:txBody>
+        <a:bodyPr spcFirstLastPara="0" vert="horz" wrap="square" lIns="60960" tIns="60960" rIns="60960" bIns="60960" numCol="1" spcCol="1270" anchor="ctr" anchorCtr="0">
+          <a:noAutofit/>
+        </a:bodyPr>
+        <a:lstStyle/>
+        <a:p>
+          <a:pPr marL="0" lvl="0" indent="0" algn="ctr" defTabSz="711200">
+            <a:lnSpc>
+              <a:spcPct val="90000"/>
+            </a:lnSpc>
+            <a:spcBef>
+              <a:spcPct val="0"/>
+            </a:spcBef>
+            <a:spcAft>
+              <a:spcPct val="35000"/>
+            </a:spcAft>
+            <a:buNone/>
+          </a:pPr>
+          <a:r>
+            <a:rPr lang="en-US" altLang="zh-TW" sz="1600" kern="1200" dirty="0"/>
+            <a:t>matlab</a:t>
+          </a:r>
+          <a:endParaRPr lang="zh-TW" altLang="en-US" sz="1600" kern="1200" dirty="0"/>
+        </a:p>
+      </dsp:txBody>
+      <dsp:txXfrm>
+        <a:off x="286400" y="861467"/>
+        <a:ext cx="868781" cy="567418"/>
+      </dsp:txXfrm>
+    </dsp:sp>
+    <dsp:sp modelId="{57F9BF24-5C39-4C41-8192-7C15C36B1916}">
+      <dsp:nvSpPr>
+        <dsp:cNvPr id="0" name=""/>
+        <dsp:cNvSpPr/>
+      </dsp:nvSpPr>
+      <dsp:spPr>
+        <a:xfrm>
+          <a:off x="675071" y="1446539"/>
+          <a:ext cx="91440" cy="241089"/>
+        </a:xfrm>
+        <a:custGeom>
+          <a:avLst/>
+          <a:gdLst/>
+          <a:ahLst/>
+          <a:cxnLst/>
+          <a:rect l="0" t="0" r="0" b="0"/>
+          <a:pathLst>
+            <a:path>
+              <a:moveTo>
+                <a:pt x="45720" y="0"/>
+              </a:moveTo>
+              <a:lnTo>
+                <a:pt x="45720" y="241089"/>
+              </a:lnTo>
+            </a:path>
+          </a:pathLst>
+        </a:custGeom>
+        <a:noFill/>
+        <a:ln w="12700" cap="flat" cmpd="sng" algn="ctr">
+          <a:solidFill>
+            <a:schemeClr val="accent3">
+              <a:hueOff val="0"/>
+              <a:satOff val="0"/>
+              <a:lumOff val="0"/>
+              <a:alphaOff val="0"/>
+            </a:schemeClr>
+          </a:solidFill>
+          <a:prstDash val="solid"/>
+          <a:miter lim="800000"/>
+        </a:ln>
+        <a:effectLst/>
+      </dsp:spPr>
+      <dsp:style>
+        <a:lnRef idx="2">
+          <a:scrgbClr r="0" g="0" b="0"/>
+        </a:lnRef>
+        <a:fillRef idx="0">
+          <a:scrgbClr r="0" g="0" b="0"/>
+        </a:fillRef>
+        <a:effectRef idx="0">
+          <a:scrgbClr r="0" g="0" b="0"/>
+        </a:effectRef>
+        <a:fontRef idx="minor"/>
+      </dsp:style>
+    </dsp:sp>
+    <dsp:sp modelId="{9DF91F12-215E-47F3-8F3B-30C15E0D7DE2}">
+      <dsp:nvSpPr>
+        <dsp:cNvPr id="0" name=""/>
+        <dsp:cNvSpPr/>
+      </dsp:nvSpPr>
+      <dsp:spPr>
+        <a:xfrm>
+          <a:off x="268747" y="1687629"/>
+          <a:ext cx="904087" cy="602724"/>
+        </a:xfrm>
+        <a:prstGeom prst="roundRect">
+          <a:avLst>
+            <a:gd name="adj" fmla="val 10000"/>
+          </a:avLst>
+        </a:prstGeom>
+        <a:gradFill rotWithShape="0">
+          <a:gsLst>
+            <a:gs pos="0">
+              <a:schemeClr val="accent3">
+                <a:hueOff val="0"/>
+                <a:satOff val="0"/>
+                <a:lumOff val="0"/>
+                <a:alphaOff val="0"/>
+                <a:lumMod val="110000"/>
+                <a:satMod val="105000"/>
+                <a:tint val="67000"/>
+              </a:schemeClr>
+            </a:gs>
+            <a:gs pos="50000">
+              <a:schemeClr val="accent3">
+                <a:hueOff val="0"/>
+                <a:satOff val="0"/>
+                <a:lumOff val="0"/>
+                <a:alphaOff val="0"/>
+                <a:lumMod val="105000"/>
+                <a:satMod val="103000"/>
+                <a:tint val="73000"/>
+              </a:schemeClr>
+            </a:gs>
+            <a:gs pos="100000">
+              <a:schemeClr val="accent3">
+                <a:hueOff val="0"/>
+                <a:satOff val="0"/>
+                <a:lumOff val="0"/>
+                <a:alphaOff val="0"/>
+                <a:lumMod val="105000"/>
+                <a:satMod val="109000"/>
+                <a:tint val="81000"/>
+              </a:schemeClr>
+            </a:gs>
+          </a:gsLst>
+          <a:lin ang="5400000" scaled="0"/>
+        </a:gradFill>
+        <a:ln>
+          <a:noFill/>
+        </a:ln>
+        <a:effectLst/>
+        <a:scene3d>
+          <a:camera prst="orthographicFront"/>
+          <a:lightRig rig="flat" dir="t"/>
+        </a:scene3d>
+        <a:sp3d prstMaterial="dkEdge">
+          <a:bevelT w="8200" h="38100"/>
+        </a:sp3d>
+      </dsp:spPr>
+      <dsp:style>
+        <a:lnRef idx="0">
+          <a:scrgbClr r="0" g="0" b="0"/>
+        </a:lnRef>
+        <a:fillRef idx="2">
+          <a:scrgbClr r="0" g="0" b="0"/>
+        </a:fillRef>
+        <a:effectRef idx="1">
+          <a:scrgbClr r="0" g="0" b="0"/>
+        </a:effectRef>
+        <a:fontRef idx="minor">
+          <a:schemeClr val="dk1"/>
+        </a:fontRef>
+      </dsp:style>
+      <dsp:txBody>
+        <a:bodyPr spcFirstLastPara="0" vert="horz" wrap="square" lIns="60960" tIns="60960" rIns="60960" bIns="60960" numCol="1" spcCol="1270" anchor="ctr" anchorCtr="0">
+          <a:noAutofit/>
+        </a:bodyPr>
+        <a:lstStyle/>
+        <a:p>
+          <a:pPr marL="0" lvl="0" indent="0" algn="ctr" defTabSz="711200">
+            <a:lnSpc>
+              <a:spcPct val="90000"/>
+            </a:lnSpc>
+            <a:spcBef>
+              <a:spcPct val="0"/>
+            </a:spcBef>
+            <a:spcAft>
+              <a:spcPct val="35000"/>
+            </a:spcAft>
+            <a:buNone/>
+          </a:pPr>
+          <a:r>
+            <a:rPr lang="zh-TW" altLang="en-US" sz="1600" kern="1200" dirty="0">
+              <a:latin typeface="標楷體" panose="03000509000000000000" pitchFamily="65" charset="-120"/>
+              <a:ea typeface="標楷體" panose="03000509000000000000" pitchFamily="65" charset="-120"/>
+            </a:rPr>
+            <a:t>數據格式化</a:t>
+          </a:r>
+        </a:p>
+      </dsp:txBody>
+      <dsp:txXfrm>
+        <a:off x="286400" y="1705282"/>
+        <a:ext cx="868781" cy="567418"/>
+      </dsp:txXfrm>
+    </dsp:sp>
+    <dsp:sp modelId="{47BCAAE7-C617-422A-9B2E-1486F9F5DFE5}">
+      <dsp:nvSpPr>
+        <dsp:cNvPr id="0" name=""/>
+        <dsp:cNvSpPr/>
+      </dsp:nvSpPr>
+      <dsp:spPr>
+        <a:xfrm>
+          <a:off x="675071" y="2290353"/>
+          <a:ext cx="91440" cy="241089"/>
+        </a:xfrm>
+        <a:custGeom>
+          <a:avLst/>
+          <a:gdLst/>
+          <a:ahLst/>
+          <a:cxnLst/>
+          <a:rect l="0" t="0" r="0" b="0"/>
+          <a:pathLst>
+            <a:path>
+              <a:moveTo>
+                <a:pt x="45720" y="0"/>
+              </a:moveTo>
+              <a:lnTo>
+                <a:pt x="45720" y="241089"/>
+              </a:lnTo>
+            </a:path>
+          </a:pathLst>
+        </a:custGeom>
+        <a:noFill/>
+        <a:ln w="12700" cap="flat" cmpd="sng" algn="ctr">
+          <a:solidFill>
+            <a:schemeClr val="accent4">
+              <a:hueOff val="0"/>
+              <a:satOff val="0"/>
+              <a:lumOff val="0"/>
+              <a:alphaOff val="0"/>
+            </a:schemeClr>
+          </a:solidFill>
+          <a:prstDash val="solid"/>
+          <a:miter lim="800000"/>
+        </a:ln>
+        <a:effectLst/>
+      </dsp:spPr>
+      <dsp:style>
+        <a:lnRef idx="2">
+          <a:scrgbClr r="0" g="0" b="0"/>
+        </a:lnRef>
+        <a:fillRef idx="0">
+          <a:scrgbClr r="0" g="0" b="0"/>
+        </a:fillRef>
+        <a:effectRef idx="0">
+          <a:scrgbClr r="0" g="0" b="0"/>
+        </a:effectRef>
+        <a:fontRef idx="minor"/>
+      </dsp:style>
+    </dsp:sp>
+    <dsp:sp modelId="{C2088110-FAE5-4820-B4A3-8CF4988880A8}">
+      <dsp:nvSpPr>
+        <dsp:cNvPr id="0" name=""/>
+        <dsp:cNvSpPr/>
+      </dsp:nvSpPr>
+      <dsp:spPr>
+        <a:xfrm>
+          <a:off x="268747" y="2531443"/>
+          <a:ext cx="904087" cy="602724"/>
+        </a:xfrm>
+        <a:prstGeom prst="roundRect">
+          <a:avLst>
+            <a:gd name="adj" fmla="val 10000"/>
+          </a:avLst>
+        </a:prstGeom>
+        <a:gradFill rotWithShape="0">
+          <a:gsLst>
+            <a:gs pos="0">
+              <a:schemeClr val="accent4">
+                <a:hueOff val="0"/>
+                <a:satOff val="0"/>
+                <a:lumOff val="0"/>
+                <a:alphaOff val="0"/>
+                <a:lumMod val="110000"/>
+                <a:satMod val="105000"/>
+                <a:tint val="67000"/>
+              </a:schemeClr>
+            </a:gs>
+            <a:gs pos="50000">
+              <a:schemeClr val="accent4">
+                <a:hueOff val="0"/>
+                <a:satOff val="0"/>
+                <a:lumOff val="0"/>
+                <a:alphaOff val="0"/>
+                <a:lumMod val="105000"/>
+                <a:satMod val="103000"/>
+                <a:tint val="73000"/>
+              </a:schemeClr>
+            </a:gs>
+            <a:gs pos="100000">
+              <a:schemeClr val="accent4">
+                <a:hueOff val="0"/>
+                <a:satOff val="0"/>
+                <a:lumOff val="0"/>
+                <a:alphaOff val="0"/>
+                <a:lumMod val="105000"/>
+                <a:satMod val="109000"/>
+                <a:tint val="81000"/>
+              </a:schemeClr>
+            </a:gs>
+          </a:gsLst>
+          <a:lin ang="5400000" scaled="0"/>
+        </a:gradFill>
+        <a:ln>
+          <a:noFill/>
+        </a:ln>
+        <a:effectLst/>
+        <a:scene3d>
+          <a:camera prst="orthographicFront"/>
+          <a:lightRig rig="flat" dir="t"/>
+        </a:scene3d>
+        <a:sp3d prstMaterial="dkEdge">
+          <a:bevelT w="8200" h="38100"/>
+        </a:sp3d>
+      </dsp:spPr>
+      <dsp:style>
+        <a:lnRef idx="0">
+          <a:scrgbClr r="0" g="0" b="0"/>
+        </a:lnRef>
+        <a:fillRef idx="2">
+          <a:scrgbClr r="0" g="0" b="0"/>
+        </a:fillRef>
+        <a:effectRef idx="1">
+          <a:scrgbClr r="0" g="0" b="0"/>
+        </a:effectRef>
+        <a:fontRef idx="minor">
+          <a:schemeClr val="dk1"/>
+        </a:fontRef>
+      </dsp:style>
+      <dsp:txBody>
+        <a:bodyPr spcFirstLastPara="0" vert="horz" wrap="square" lIns="60960" tIns="60960" rIns="60960" bIns="60960" numCol="1" spcCol="1270" anchor="ctr" anchorCtr="0">
+          <a:noAutofit/>
+        </a:bodyPr>
+        <a:lstStyle/>
+        <a:p>
+          <a:pPr marL="0" lvl="0" indent="0" algn="ctr" defTabSz="711200">
+            <a:lnSpc>
+              <a:spcPct val="90000"/>
+            </a:lnSpc>
+            <a:spcBef>
+              <a:spcPct val="0"/>
+            </a:spcBef>
+            <a:spcAft>
+              <a:spcPct val="35000"/>
+            </a:spcAft>
+            <a:buNone/>
+          </a:pPr>
+          <a:r>
+            <a:rPr lang="en-US" altLang="zh-TW" sz="1600" kern="1200" dirty="0">
+              <a:latin typeface="標楷體" panose="03000509000000000000" pitchFamily="65" charset="-120"/>
+              <a:ea typeface="標楷體" panose="03000509000000000000" pitchFamily="65" charset="-120"/>
+            </a:rPr>
+            <a:t>CSV</a:t>
+          </a:r>
+          <a:endParaRPr lang="zh-TW" altLang="en-US" sz="1600" kern="1200" dirty="0">
+            <a:latin typeface="標楷體" panose="03000509000000000000" pitchFamily="65" charset="-120"/>
+            <a:ea typeface="標楷體" panose="03000509000000000000" pitchFamily="65" charset="-120"/>
+          </a:endParaRPr>
+        </a:p>
+      </dsp:txBody>
+      <dsp:txXfrm>
+        <a:off x="286400" y="2549096"/>
+        <a:ext cx="868781" cy="567418"/>
+      </dsp:txXfrm>
+    </dsp:sp>
+    <dsp:sp modelId="{49463B61-E868-45E5-92FA-A61F641E7AAD}">
+      <dsp:nvSpPr>
+        <dsp:cNvPr id="0" name=""/>
+        <dsp:cNvSpPr/>
+      </dsp:nvSpPr>
+      <dsp:spPr>
+        <a:xfrm>
+          <a:off x="4246730" y="659760"/>
+          <a:ext cx="342712" cy="184054"/>
+        </a:xfrm>
+        <a:custGeom>
+          <a:avLst/>
+          <a:gdLst/>
+          <a:ahLst/>
+          <a:cxnLst/>
+          <a:rect l="0" t="0" r="0" b="0"/>
+          <a:pathLst>
+            <a:path>
+              <a:moveTo>
+                <a:pt x="342712" y="0"/>
+              </a:moveTo>
+              <a:lnTo>
+                <a:pt x="342712" y="92027"/>
+              </a:lnTo>
+              <a:lnTo>
+                <a:pt x="0" y="92027"/>
+              </a:lnTo>
+              <a:lnTo>
+                <a:pt x="0" y="184054"/>
+              </a:lnTo>
+            </a:path>
+          </a:pathLst>
+        </a:custGeom>
+        <a:noFill/>
+        <a:ln w="12700" cap="flat" cmpd="sng" algn="ctr">
+          <a:solidFill>
+            <a:schemeClr val="accent2">
+              <a:hueOff val="0"/>
+              <a:satOff val="0"/>
+              <a:lumOff val="0"/>
+              <a:alphaOff val="0"/>
+            </a:schemeClr>
+          </a:solidFill>
+          <a:prstDash val="solid"/>
+          <a:miter lim="800000"/>
+        </a:ln>
+        <a:effectLst/>
+      </dsp:spPr>
+      <dsp:style>
+        <a:lnRef idx="2">
+          <a:scrgbClr r="0" g="0" b="0"/>
+        </a:lnRef>
+        <a:fillRef idx="0">
+          <a:scrgbClr r="0" g="0" b="0"/>
+        </a:fillRef>
+        <a:effectRef idx="0">
+          <a:scrgbClr r="0" g="0" b="0"/>
+        </a:effectRef>
+        <a:fontRef idx="minor"/>
+      </dsp:style>
+    </dsp:sp>
+    <dsp:sp modelId="{70228F92-7C55-4A4D-9988-CA6B234436CE}">
+      <dsp:nvSpPr>
+        <dsp:cNvPr id="0" name=""/>
+        <dsp:cNvSpPr/>
+      </dsp:nvSpPr>
+      <dsp:spPr>
+        <a:xfrm>
+          <a:off x="3794686" y="843814"/>
+          <a:ext cx="904087" cy="602724"/>
+        </a:xfrm>
+        <a:prstGeom prst="roundRect">
+          <a:avLst>
+            <a:gd name="adj" fmla="val 10000"/>
+          </a:avLst>
+        </a:prstGeom>
+        <a:gradFill rotWithShape="0">
+          <a:gsLst>
+            <a:gs pos="0">
+              <a:schemeClr val="accent2">
+                <a:hueOff val="0"/>
+                <a:satOff val="0"/>
+                <a:lumOff val="0"/>
+                <a:alphaOff val="0"/>
+                <a:lumMod val="110000"/>
+                <a:satMod val="105000"/>
+                <a:tint val="67000"/>
+              </a:schemeClr>
+            </a:gs>
+            <a:gs pos="50000">
+              <a:schemeClr val="accent2">
+                <a:hueOff val="0"/>
+                <a:satOff val="0"/>
+                <a:lumOff val="0"/>
+                <a:alphaOff val="0"/>
+                <a:lumMod val="105000"/>
+                <a:satMod val="103000"/>
+                <a:tint val="73000"/>
+              </a:schemeClr>
+            </a:gs>
+            <a:gs pos="100000">
+              <a:schemeClr val="accent2">
+                <a:hueOff val="0"/>
+                <a:satOff val="0"/>
+                <a:lumOff val="0"/>
+                <a:alphaOff val="0"/>
+                <a:lumMod val="105000"/>
+                <a:satMod val="109000"/>
+                <a:tint val="81000"/>
+              </a:schemeClr>
+            </a:gs>
+          </a:gsLst>
+          <a:lin ang="5400000" scaled="0"/>
+        </a:gradFill>
+        <a:ln>
+          <a:noFill/>
+        </a:ln>
+        <a:effectLst/>
+        <a:scene3d>
+          <a:camera prst="orthographicFront"/>
+          <a:lightRig rig="flat" dir="t"/>
+        </a:scene3d>
+        <a:sp3d prstMaterial="dkEdge">
+          <a:bevelT w="8200" h="38100"/>
+        </a:sp3d>
+      </dsp:spPr>
+      <dsp:style>
+        <a:lnRef idx="0">
+          <a:scrgbClr r="0" g="0" b="0"/>
+        </a:lnRef>
+        <a:fillRef idx="2">
+          <a:scrgbClr r="0" g="0" b="0"/>
+        </a:fillRef>
+        <a:effectRef idx="1">
+          <a:scrgbClr r="0" g="0" b="0"/>
+        </a:effectRef>
+        <a:fontRef idx="minor">
+          <a:schemeClr val="dk1"/>
+        </a:fontRef>
+      </dsp:style>
+      <dsp:txBody>
+        <a:bodyPr spcFirstLastPara="0" vert="horz" wrap="square" lIns="60960" tIns="60960" rIns="60960" bIns="60960" numCol="1" spcCol="1270" anchor="ctr" anchorCtr="0">
+          <a:noAutofit/>
+        </a:bodyPr>
+        <a:lstStyle/>
+        <a:p>
+          <a:pPr marL="0" lvl="0" indent="0" algn="ctr" defTabSz="711200">
+            <a:lnSpc>
+              <a:spcPct val="90000"/>
+            </a:lnSpc>
+            <a:spcBef>
+              <a:spcPct val="0"/>
+            </a:spcBef>
+            <a:spcAft>
+              <a:spcPct val="35000"/>
+            </a:spcAft>
+            <a:buNone/>
+          </a:pPr>
+          <a:r>
+            <a:rPr lang="en-US" altLang="zh-TW" sz="1600" kern="1200" dirty="0">
+              <a:latin typeface="標楷體" panose="03000509000000000000" pitchFamily="65" charset="-120"/>
+              <a:ea typeface="標楷體" panose="03000509000000000000" pitchFamily="65" charset="-120"/>
+            </a:rPr>
+            <a:t>FPGA</a:t>
+          </a:r>
+          <a:endParaRPr lang="zh-TW" altLang="en-US" sz="1600" kern="1200" dirty="0">
+            <a:latin typeface="標楷體" panose="03000509000000000000" pitchFamily="65" charset="-120"/>
+            <a:ea typeface="標楷體" panose="03000509000000000000" pitchFamily="65" charset="-120"/>
+          </a:endParaRPr>
+        </a:p>
+      </dsp:txBody>
+      <dsp:txXfrm>
+        <a:off x="3812339" y="861467"/>
+        <a:ext cx="868781" cy="567418"/>
+      </dsp:txXfrm>
+    </dsp:sp>
+    <dsp:sp modelId="{554FA5C0-A604-4043-BFFA-A86EC3077B77}">
+      <dsp:nvSpPr>
+        <dsp:cNvPr id="0" name=""/>
+        <dsp:cNvSpPr/>
+      </dsp:nvSpPr>
+      <dsp:spPr>
+        <a:xfrm>
+          <a:off x="1896104" y="1446539"/>
+          <a:ext cx="2350626" cy="241089"/>
+        </a:xfrm>
+        <a:custGeom>
+          <a:avLst/>
+          <a:gdLst/>
+          <a:ahLst/>
+          <a:cxnLst/>
+          <a:rect l="0" t="0" r="0" b="0"/>
+          <a:pathLst>
+            <a:path>
+              <a:moveTo>
+                <a:pt x="2350626" y="0"/>
+              </a:moveTo>
+              <a:lnTo>
+                <a:pt x="2350626" y="120544"/>
+              </a:lnTo>
+              <a:lnTo>
+                <a:pt x="0" y="120544"/>
+              </a:lnTo>
+              <a:lnTo>
+                <a:pt x="0" y="241089"/>
+              </a:lnTo>
+            </a:path>
+          </a:pathLst>
+        </a:custGeom>
+        <a:noFill/>
+        <a:ln w="12700" cap="flat" cmpd="sng" algn="ctr">
+          <a:solidFill>
+            <a:schemeClr val="accent3">
+              <a:hueOff val="0"/>
+              <a:satOff val="0"/>
+              <a:lumOff val="0"/>
+              <a:alphaOff val="0"/>
+            </a:schemeClr>
+          </a:solidFill>
+          <a:prstDash val="solid"/>
+          <a:miter lim="800000"/>
+        </a:ln>
+        <a:effectLst/>
+      </dsp:spPr>
+      <dsp:style>
+        <a:lnRef idx="2">
+          <a:scrgbClr r="0" g="0" b="0"/>
+        </a:lnRef>
+        <a:fillRef idx="0">
+          <a:scrgbClr r="0" g="0" b="0"/>
+        </a:fillRef>
+        <a:effectRef idx="0">
+          <a:scrgbClr r="0" g="0" b="0"/>
+        </a:effectRef>
+        <a:fontRef idx="minor"/>
+      </dsp:style>
+    </dsp:sp>
+    <dsp:sp modelId="{39545D67-7D9B-4708-B35C-D3B825DB5D80}">
+      <dsp:nvSpPr>
+        <dsp:cNvPr id="0" name=""/>
+        <dsp:cNvSpPr/>
+      </dsp:nvSpPr>
+      <dsp:spPr>
+        <a:xfrm>
+          <a:off x="1444060" y="1687629"/>
+          <a:ext cx="904087" cy="602724"/>
+        </a:xfrm>
+        <a:prstGeom prst="roundRect">
+          <a:avLst>
+            <a:gd name="adj" fmla="val 10000"/>
+          </a:avLst>
+        </a:prstGeom>
+        <a:gradFill rotWithShape="0">
+          <a:gsLst>
+            <a:gs pos="0">
+              <a:schemeClr val="accent3">
+                <a:hueOff val="0"/>
+                <a:satOff val="0"/>
+                <a:lumOff val="0"/>
+                <a:alphaOff val="0"/>
+                <a:lumMod val="110000"/>
+                <a:satMod val="105000"/>
+                <a:tint val="67000"/>
+              </a:schemeClr>
+            </a:gs>
+            <a:gs pos="50000">
+              <a:schemeClr val="accent3">
+                <a:hueOff val="0"/>
+                <a:satOff val="0"/>
+                <a:lumOff val="0"/>
+                <a:alphaOff val="0"/>
+                <a:lumMod val="105000"/>
+                <a:satMod val="103000"/>
+                <a:tint val="73000"/>
+              </a:schemeClr>
+            </a:gs>
+            <a:gs pos="100000">
+              <a:schemeClr val="accent3">
+                <a:hueOff val="0"/>
+                <a:satOff val="0"/>
+                <a:lumOff val="0"/>
+                <a:alphaOff val="0"/>
+                <a:lumMod val="105000"/>
+                <a:satMod val="109000"/>
+                <a:tint val="81000"/>
+              </a:schemeClr>
+            </a:gs>
+          </a:gsLst>
+          <a:lin ang="5400000" scaled="0"/>
+        </a:gradFill>
+        <a:ln>
+          <a:noFill/>
+        </a:ln>
+        <a:effectLst/>
+        <a:scene3d>
+          <a:camera prst="orthographicFront"/>
+          <a:lightRig rig="flat" dir="t"/>
+        </a:scene3d>
+        <a:sp3d prstMaterial="dkEdge">
+          <a:bevelT w="8200" h="38100"/>
+        </a:sp3d>
+      </dsp:spPr>
+      <dsp:style>
+        <a:lnRef idx="0">
+          <a:scrgbClr r="0" g="0" b="0"/>
+        </a:lnRef>
+        <a:fillRef idx="2">
+          <a:scrgbClr r="0" g="0" b="0"/>
+        </a:fillRef>
+        <a:effectRef idx="1">
+          <a:scrgbClr r="0" g="0" b="0"/>
+        </a:effectRef>
+        <a:fontRef idx="minor">
+          <a:schemeClr val="dk1"/>
+        </a:fontRef>
+      </dsp:style>
+      <dsp:txBody>
+        <a:bodyPr spcFirstLastPara="0" vert="horz" wrap="square" lIns="60960" tIns="60960" rIns="60960" bIns="60960" numCol="1" spcCol="1270" anchor="ctr" anchorCtr="0">
+          <a:noAutofit/>
+        </a:bodyPr>
+        <a:lstStyle/>
+        <a:p>
+          <a:pPr marL="0" lvl="0" indent="0" algn="ctr" defTabSz="711200">
+            <a:lnSpc>
+              <a:spcPct val="90000"/>
+            </a:lnSpc>
+            <a:spcBef>
+              <a:spcPct val="0"/>
+            </a:spcBef>
+            <a:spcAft>
+              <a:spcPct val="35000"/>
+            </a:spcAft>
+            <a:buNone/>
+          </a:pPr>
+          <a:r>
+            <a:rPr lang="zh-TW" altLang="en-US" sz="1600" kern="1200" dirty="0">
+              <a:latin typeface="標楷體" panose="03000509000000000000" pitchFamily="65" charset="-120"/>
+              <a:ea typeface="標楷體" panose="03000509000000000000" pitchFamily="65" charset="-120"/>
+            </a:rPr>
+            <a:t> 行人辨識</a:t>
+          </a:r>
+        </a:p>
+      </dsp:txBody>
+      <dsp:txXfrm>
+        <a:off x="1461713" y="1705282"/>
+        <a:ext cx="868781" cy="567418"/>
+      </dsp:txXfrm>
+    </dsp:sp>
+    <dsp:sp modelId="{8A731CFF-4F01-450A-BC70-36F217053F28}">
+      <dsp:nvSpPr>
+        <dsp:cNvPr id="0" name=""/>
+        <dsp:cNvSpPr/>
+      </dsp:nvSpPr>
+      <dsp:spPr>
+        <a:xfrm>
+          <a:off x="1850384" y="2290353"/>
+          <a:ext cx="91440" cy="241089"/>
+        </a:xfrm>
+        <a:custGeom>
+          <a:avLst/>
+          <a:gdLst/>
+          <a:ahLst/>
+          <a:cxnLst/>
+          <a:rect l="0" t="0" r="0" b="0"/>
+          <a:pathLst>
+            <a:path>
+              <a:moveTo>
+                <a:pt x="45720" y="0"/>
+              </a:moveTo>
+              <a:lnTo>
+                <a:pt x="45720" y="241089"/>
+              </a:lnTo>
+            </a:path>
+          </a:pathLst>
+        </a:custGeom>
+        <a:noFill/>
+        <a:ln w="12700" cap="flat" cmpd="sng" algn="ctr">
+          <a:solidFill>
+            <a:schemeClr val="accent4">
+              <a:hueOff val="0"/>
+              <a:satOff val="0"/>
+              <a:lumOff val="0"/>
+              <a:alphaOff val="0"/>
+            </a:schemeClr>
+          </a:solidFill>
+          <a:prstDash val="solid"/>
+          <a:miter lim="800000"/>
+        </a:ln>
+        <a:effectLst/>
+      </dsp:spPr>
+      <dsp:style>
+        <a:lnRef idx="2">
+          <a:scrgbClr r="0" g="0" b="0"/>
+        </a:lnRef>
+        <a:fillRef idx="0">
+          <a:scrgbClr r="0" g="0" b="0"/>
+        </a:fillRef>
+        <a:effectRef idx="0">
+          <a:scrgbClr r="0" g="0" b="0"/>
+        </a:effectRef>
+        <a:fontRef idx="minor"/>
+      </dsp:style>
+    </dsp:sp>
+    <dsp:sp modelId="{37310A91-C004-493E-838C-CF4FA5EE5493}">
+      <dsp:nvSpPr>
+        <dsp:cNvPr id="0" name=""/>
+        <dsp:cNvSpPr/>
+      </dsp:nvSpPr>
+      <dsp:spPr>
+        <a:xfrm>
+          <a:off x="1444060" y="2531443"/>
+          <a:ext cx="904087" cy="602724"/>
+        </a:xfrm>
+        <a:prstGeom prst="roundRect">
+          <a:avLst>
+            <a:gd name="adj" fmla="val 10000"/>
+          </a:avLst>
+        </a:prstGeom>
+        <a:gradFill rotWithShape="0">
+          <a:gsLst>
+            <a:gs pos="0">
+              <a:schemeClr val="accent4">
+                <a:hueOff val="0"/>
+                <a:satOff val="0"/>
+                <a:lumOff val="0"/>
+                <a:alphaOff val="0"/>
+                <a:lumMod val="110000"/>
+                <a:satMod val="105000"/>
+                <a:tint val="67000"/>
+              </a:schemeClr>
+            </a:gs>
+            <a:gs pos="50000">
+              <a:schemeClr val="accent4">
+                <a:hueOff val="0"/>
+                <a:satOff val="0"/>
+                <a:lumOff val="0"/>
+                <a:alphaOff val="0"/>
+                <a:lumMod val="105000"/>
+                <a:satMod val="103000"/>
+                <a:tint val="73000"/>
+              </a:schemeClr>
+            </a:gs>
+            <a:gs pos="100000">
+              <a:schemeClr val="accent4">
+                <a:hueOff val="0"/>
+                <a:satOff val="0"/>
+                <a:lumOff val="0"/>
+                <a:alphaOff val="0"/>
+                <a:lumMod val="105000"/>
+                <a:satMod val="109000"/>
+                <a:tint val="81000"/>
+              </a:schemeClr>
+            </a:gs>
+          </a:gsLst>
+          <a:lin ang="5400000" scaled="0"/>
+        </a:gradFill>
+        <a:ln>
+          <a:noFill/>
+        </a:ln>
+        <a:effectLst/>
+        <a:scene3d>
+          <a:camera prst="orthographicFront"/>
+          <a:lightRig rig="flat" dir="t"/>
+        </a:scene3d>
+        <a:sp3d prstMaterial="dkEdge">
+          <a:bevelT w="8200" h="38100"/>
+        </a:sp3d>
+      </dsp:spPr>
+      <dsp:style>
+        <a:lnRef idx="0">
+          <a:scrgbClr r="0" g="0" b="0"/>
+        </a:lnRef>
+        <a:fillRef idx="2">
+          <a:scrgbClr r="0" g="0" b="0"/>
+        </a:fillRef>
+        <a:effectRef idx="1">
+          <a:scrgbClr r="0" g="0" b="0"/>
+        </a:effectRef>
+        <a:fontRef idx="minor">
+          <a:schemeClr val="dk1"/>
+        </a:fontRef>
+      </dsp:style>
+      <dsp:txBody>
+        <a:bodyPr spcFirstLastPara="0" vert="horz" wrap="square" lIns="60960" tIns="60960" rIns="60960" bIns="60960" numCol="1" spcCol="1270" anchor="ctr" anchorCtr="0">
+          <a:noAutofit/>
+        </a:bodyPr>
+        <a:lstStyle/>
+        <a:p>
+          <a:pPr marL="0" lvl="0" indent="0" algn="ctr" defTabSz="711200">
+            <a:lnSpc>
+              <a:spcPct val="90000"/>
+            </a:lnSpc>
+            <a:spcBef>
+              <a:spcPct val="0"/>
+            </a:spcBef>
+            <a:spcAft>
+              <a:spcPct val="35000"/>
+            </a:spcAft>
+            <a:buNone/>
+          </a:pPr>
+          <a:r>
+            <a:rPr lang="zh-TW" altLang="en-US" sz="1600" kern="1200" dirty="0">
+              <a:latin typeface="標楷體" panose="03000509000000000000" pitchFamily="65" charset="-120"/>
+              <a:ea typeface="標楷體" panose="03000509000000000000" pitchFamily="65" charset="-120"/>
+            </a:rPr>
+            <a:t>數據集</a:t>
+          </a:r>
+        </a:p>
+      </dsp:txBody>
+      <dsp:txXfrm>
+        <a:off x="1461713" y="2549096"/>
+        <a:ext cx="868781" cy="567418"/>
+      </dsp:txXfrm>
+    </dsp:sp>
+    <dsp:sp modelId="{591E6ECE-85CC-4E51-B4DB-B5D861327D93}">
+      <dsp:nvSpPr>
+        <dsp:cNvPr id="0" name=""/>
+        <dsp:cNvSpPr/>
+      </dsp:nvSpPr>
+      <dsp:spPr>
+        <a:xfrm>
+          <a:off x="1850384" y="3134168"/>
+          <a:ext cx="91440" cy="241089"/>
+        </a:xfrm>
+        <a:custGeom>
+          <a:avLst/>
+          <a:gdLst/>
+          <a:ahLst/>
+          <a:cxnLst/>
+          <a:rect l="0" t="0" r="0" b="0"/>
+          <a:pathLst>
+            <a:path>
+              <a:moveTo>
+                <a:pt x="45720" y="0"/>
+              </a:moveTo>
+              <a:lnTo>
+                <a:pt x="45720" y="241089"/>
+              </a:lnTo>
+            </a:path>
+          </a:pathLst>
+        </a:custGeom>
+        <a:noFill/>
+        <a:ln w="12700" cap="flat" cmpd="sng" algn="ctr">
+          <a:solidFill>
+            <a:schemeClr val="accent4">
+              <a:hueOff val="0"/>
+              <a:satOff val="0"/>
+              <a:lumOff val="0"/>
+              <a:alphaOff val="0"/>
+            </a:schemeClr>
+          </a:solidFill>
+          <a:prstDash val="solid"/>
+          <a:miter lim="800000"/>
+        </a:ln>
+        <a:effectLst/>
+      </dsp:spPr>
+      <dsp:style>
+        <a:lnRef idx="2">
+          <a:scrgbClr r="0" g="0" b="0"/>
+        </a:lnRef>
+        <a:fillRef idx="0">
+          <a:scrgbClr r="0" g="0" b="0"/>
+        </a:fillRef>
+        <a:effectRef idx="0">
+          <a:scrgbClr r="0" g="0" b="0"/>
+        </a:effectRef>
+        <a:fontRef idx="minor"/>
+      </dsp:style>
+    </dsp:sp>
+    <dsp:sp modelId="{2E7048EB-E217-4014-8BE4-F24A6BA0B986}">
+      <dsp:nvSpPr>
+        <dsp:cNvPr id="0" name=""/>
+        <dsp:cNvSpPr/>
+      </dsp:nvSpPr>
+      <dsp:spPr>
+        <a:xfrm>
+          <a:off x="1444060" y="3375258"/>
+          <a:ext cx="904087" cy="602724"/>
+        </a:xfrm>
+        <a:prstGeom prst="roundRect">
+          <a:avLst>
+            <a:gd name="adj" fmla="val 10000"/>
+          </a:avLst>
+        </a:prstGeom>
+        <a:gradFill rotWithShape="0">
+          <a:gsLst>
+            <a:gs pos="0">
+              <a:schemeClr val="accent4">
+                <a:hueOff val="0"/>
+                <a:satOff val="0"/>
+                <a:lumOff val="0"/>
+                <a:alphaOff val="0"/>
+                <a:lumMod val="110000"/>
+                <a:satMod val="105000"/>
+                <a:tint val="67000"/>
+              </a:schemeClr>
+            </a:gs>
+            <a:gs pos="50000">
+              <a:schemeClr val="accent4">
+                <a:hueOff val="0"/>
+                <a:satOff val="0"/>
+                <a:lumOff val="0"/>
+                <a:alphaOff val="0"/>
+                <a:lumMod val="105000"/>
+                <a:satMod val="103000"/>
+                <a:tint val="73000"/>
+              </a:schemeClr>
+            </a:gs>
+            <a:gs pos="100000">
+              <a:schemeClr val="accent4">
+                <a:hueOff val="0"/>
+                <a:satOff val="0"/>
+                <a:lumOff val="0"/>
+                <a:alphaOff val="0"/>
+                <a:lumMod val="105000"/>
+                <a:satMod val="109000"/>
+                <a:tint val="81000"/>
+              </a:schemeClr>
+            </a:gs>
+          </a:gsLst>
+          <a:lin ang="5400000" scaled="0"/>
+        </a:gradFill>
+        <a:ln>
+          <a:noFill/>
+        </a:ln>
+        <a:effectLst/>
+        <a:scene3d>
+          <a:camera prst="orthographicFront"/>
+          <a:lightRig rig="flat" dir="t"/>
+        </a:scene3d>
+        <a:sp3d prstMaterial="dkEdge">
+          <a:bevelT w="8200" h="38100"/>
+        </a:sp3d>
+      </dsp:spPr>
+      <dsp:style>
+        <a:lnRef idx="0">
+          <a:scrgbClr r="0" g="0" b="0"/>
+        </a:lnRef>
+        <a:fillRef idx="2">
+          <a:scrgbClr r="0" g="0" b="0"/>
+        </a:fillRef>
+        <a:effectRef idx="1">
+          <a:scrgbClr r="0" g="0" b="0"/>
+        </a:effectRef>
+        <a:fontRef idx="minor">
+          <a:schemeClr val="dk1"/>
+        </a:fontRef>
+      </dsp:style>
+      <dsp:txBody>
+        <a:bodyPr spcFirstLastPara="0" vert="horz" wrap="square" lIns="60960" tIns="60960" rIns="60960" bIns="60960" numCol="1" spcCol="1270" anchor="ctr" anchorCtr="0">
+          <a:noAutofit/>
+        </a:bodyPr>
+        <a:lstStyle/>
+        <a:p>
+          <a:pPr marL="0" lvl="0" indent="0" algn="ctr" defTabSz="711200">
+            <a:lnSpc>
+              <a:spcPct val="90000"/>
+            </a:lnSpc>
+            <a:spcBef>
+              <a:spcPct val="0"/>
+            </a:spcBef>
+            <a:spcAft>
+              <a:spcPct val="35000"/>
+            </a:spcAft>
+            <a:buNone/>
+          </a:pPr>
+          <a:r>
+            <a:rPr lang="zh-TW" altLang="en-US" sz="1600" kern="1200" dirty="0">
+              <a:latin typeface="標楷體" panose="03000509000000000000" pitchFamily="65" charset="-120"/>
+              <a:ea typeface="標楷體" panose="03000509000000000000" pitchFamily="65" charset="-120"/>
+            </a:rPr>
+            <a:t>行人數據集</a:t>
+          </a:r>
+        </a:p>
+      </dsp:txBody>
+      <dsp:txXfrm>
+        <a:off x="1461713" y="3392911"/>
+        <a:ext cx="868781" cy="567418"/>
+      </dsp:txXfrm>
+    </dsp:sp>
+    <dsp:sp modelId="{77F21A38-FBAD-4269-B295-49EC4067B317}">
+      <dsp:nvSpPr>
+        <dsp:cNvPr id="0" name=""/>
+        <dsp:cNvSpPr/>
+      </dsp:nvSpPr>
+      <dsp:spPr>
+        <a:xfrm>
+          <a:off x="3071417" y="1446539"/>
+          <a:ext cx="1175313" cy="241089"/>
+        </a:xfrm>
+        <a:custGeom>
+          <a:avLst/>
+          <a:gdLst/>
+          <a:ahLst/>
+          <a:cxnLst/>
+          <a:rect l="0" t="0" r="0" b="0"/>
+          <a:pathLst>
+            <a:path>
+              <a:moveTo>
+                <a:pt x="1175313" y="0"/>
+              </a:moveTo>
+              <a:lnTo>
+                <a:pt x="1175313" y="120544"/>
+              </a:lnTo>
+              <a:lnTo>
+                <a:pt x="0" y="120544"/>
+              </a:lnTo>
+              <a:lnTo>
+                <a:pt x="0" y="241089"/>
+              </a:lnTo>
+            </a:path>
+          </a:pathLst>
+        </a:custGeom>
+        <a:noFill/>
+        <a:ln w="12700" cap="flat" cmpd="sng" algn="ctr">
+          <a:solidFill>
+            <a:schemeClr val="accent3">
+              <a:hueOff val="0"/>
+              <a:satOff val="0"/>
+              <a:lumOff val="0"/>
+              <a:alphaOff val="0"/>
+            </a:schemeClr>
+          </a:solidFill>
+          <a:prstDash val="solid"/>
+          <a:miter lim="800000"/>
+        </a:ln>
+        <a:effectLst/>
+      </dsp:spPr>
+      <dsp:style>
+        <a:lnRef idx="2">
+          <a:scrgbClr r="0" g="0" b="0"/>
+        </a:lnRef>
+        <a:fillRef idx="0">
+          <a:scrgbClr r="0" g="0" b="0"/>
+        </a:fillRef>
+        <a:effectRef idx="0">
+          <a:scrgbClr r="0" g="0" b="0"/>
+        </a:effectRef>
+        <a:fontRef idx="minor"/>
+      </dsp:style>
+    </dsp:sp>
+    <dsp:sp modelId="{97993808-DD31-4F7B-9C05-421E8DCCCC31}">
+      <dsp:nvSpPr>
+        <dsp:cNvPr id="0" name=""/>
+        <dsp:cNvSpPr/>
+      </dsp:nvSpPr>
+      <dsp:spPr>
+        <a:xfrm>
+          <a:off x="2619373" y="1687629"/>
+          <a:ext cx="904087" cy="602724"/>
+        </a:xfrm>
+        <a:prstGeom prst="roundRect">
+          <a:avLst>
+            <a:gd name="adj" fmla="val 10000"/>
+          </a:avLst>
+        </a:prstGeom>
+        <a:gradFill rotWithShape="0">
+          <a:gsLst>
+            <a:gs pos="0">
+              <a:schemeClr val="accent3">
+                <a:hueOff val="0"/>
+                <a:satOff val="0"/>
+                <a:lumOff val="0"/>
+                <a:alphaOff val="0"/>
+                <a:lumMod val="110000"/>
+                <a:satMod val="105000"/>
+                <a:tint val="67000"/>
+              </a:schemeClr>
+            </a:gs>
+            <a:gs pos="50000">
+              <a:schemeClr val="accent3">
+                <a:hueOff val="0"/>
+                <a:satOff val="0"/>
+                <a:lumOff val="0"/>
+                <a:alphaOff val="0"/>
+                <a:lumMod val="105000"/>
+                <a:satMod val="103000"/>
+                <a:tint val="73000"/>
+              </a:schemeClr>
+            </a:gs>
+            <a:gs pos="100000">
+              <a:schemeClr val="accent3">
+                <a:hueOff val="0"/>
+                <a:satOff val="0"/>
+                <a:lumOff val="0"/>
+                <a:alphaOff val="0"/>
+                <a:lumMod val="105000"/>
+                <a:satMod val="109000"/>
+                <a:tint val="81000"/>
+              </a:schemeClr>
+            </a:gs>
+          </a:gsLst>
+          <a:lin ang="5400000" scaled="0"/>
+        </a:gradFill>
+        <a:ln>
+          <a:noFill/>
+        </a:ln>
+        <a:effectLst/>
+        <a:scene3d>
+          <a:camera prst="orthographicFront"/>
+          <a:lightRig rig="flat" dir="t"/>
+        </a:scene3d>
+        <a:sp3d prstMaterial="dkEdge">
+          <a:bevelT w="8200" h="38100"/>
+        </a:sp3d>
+      </dsp:spPr>
+      <dsp:style>
+        <a:lnRef idx="0">
+          <a:scrgbClr r="0" g="0" b="0"/>
+        </a:lnRef>
+        <a:fillRef idx="2">
+          <a:scrgbClr r="0" g="0" b="0"/>
+        </a:fillRef>
+        <a:effectRef idx="1">
+          <a:scrgbClr r="0" g="0" b="0"/>
+        </a:effectRef>
+        <a:fontRef idx="minor">
+          <a:schemeClr val="dk1"/>
+        </a:fontRef>
+      </dsp:style>
+      <dsp:txBody>
+        <a:bodyPr spcFirstLastPara="0" vert="horz" wrap="square" lIns="60960" tIns="60960" rIns="60960" bIns="60960" numCol="1" spcCol="1270" anchor="ctr" anchorCtr="0">
+          <a:noAutofit/>
+        </a:bodyPr>
+        <a:lstStyle/>
+        <a:p>
+          <a:pPr marL="0" lvl="0" indent="0" algn="ctr" defTabSz="711200">
+            <a:lnSpc>
+              <a:spcPct val="90000"/>
+            </a:lnSpc>
+            <a:spcBef>
+              <a:spcPct val="0"/>
+            </a:spcBef>
+            <a:spcAft>
+              <a:spcPct val="35000"/>
+            </a:spcAft>
+            <a:buNone/>
+          </a:pPr>
+          <a:r>
+            <a:rPr lang="zh-TW" altLang="en-US" sz="1600" kern="1200" dirty="0">
+              <a:latin typeface="標楷體" panose="03000509000000000000" pitchFamily="65" charset="-120"/>
+              <a:ea typeface="標楷體" panose="03000509000000000000" pitchFamily="65" charset="-120"/>
+            </a:rPr>
+            <a:t>圖像讀寫</a:t>
+          </a:r>
+        </a:p>
+      </dsp:txBody>
+      <dsp:txXfrm>
+        <a:off x="2637026" y="1705282"/>
+        <a:ext cx="868781" cy="567418"/>
+      </dsp:txXfrm>
+    </dsp:sp>
+    <dsp:sp modelId="{113EEC42-F99E-46DD-84E0-36AAC6C65A5D}">
+      <dsp:nvSpPr>
+        <dsp:cNvPr id="0" name=""/>
+        <dsp:cNvSpPr/>
+      </dsp:nvSpPr>
+      <dsp:spPr>
+        <a:xfrm>
+          <a:off x="3025697" y="2290353"/>
+          <a:ext cx="91440" cy="241089"/>
+        </a:xfrm>
+        <a:custGeom>
+          <a:avLst/>
+          <a:gdLst/>
+          <a:ahLst/>
+          <a:cxnLst/>
+          <a:rect l="0" t="0" r="0" b="0"/>
+          <a:pathLst>
+            <a:path>
+              <a:moveTo>
+                <a:pt x="45720" y="0"/>
+              </a:moveTo>
+              <a:lnTo>
+                <a:pt x="45720" y="241089"/>
+              </a:lnTo>
+            </a:path>
+          </a:pathLst>
+        </a:custGeom>
+        <a:noFill/>
+        <a:ln w="12700" cap="flat" cmpd="sng" algn="ctr">
+          <a:solidFill>
+            <a:schemeClr val="accent4">
+              <a:hueOff val="0"/>
+              <a:satOff val="0"/>
+              <a:lumOff val="0"/>
+              <a:alphaOff val="0"/>
+            </a:schemeClr>
+          </a:solidFill>
+          <a:prstDash val="solid"/>
+          <a:miter lim="800000"/>
+        </a:ln>
+        <a:effectLst/>
+      </dsp:spPr>
+      <dsp:style>
+        <a:lnRef idx="2">
+          <a:scrgbClr r="0" g="0" b="0"/>
+        </a:lnRef>
+        <a:fillRef idx="0">
+          <a:scrgbClr r="0" g="0" b="0"/>
+        </a:fillRef>
+        <a:effectRef idx="0">
+          <a:scrgbClr r="0" g="0" b="0"/>
+        </a:effectRef>
+        <a:fontRef idx="minor"/>
+      </dsp:style>
+    </dsp:sp>
+    <dsp:sp modelId="{946FCA3B-DC23-49FA-B5BF-A41131F66DBC}">
+      <dsp:nvSpPr>
+        <dsp:cNvPr id="0" name=""/>
+        <dsp:cNvSpPr/>
+      </dsp:nvSpPr>
+      <dsp:spPr>
+        <a:xfrm>
+          <a:off x="2619373" y="2531443"/>
+          <a:ext cx="904087" cy="602724"/>
+        </a:xfrm>
+        <a:prstGeom prst="roundRect">
+          <a:avLst>
+            <a:gd name="adj" fmla="val 10000"/>
+          </a:avLst>
+        </a:prstGeom>
+        <a:gradFill rotWithShape="0">
+          <a:gsLst>
+            <a:gs pos="0">
+              <a:schemeClr val="accent4">
+                <a:hueOff val="0"/>
+                <a:satOff val="0"/>
+                <a:lumOff val="0"/>
+                <a:alphaOff val="0"/>
+                <a:lumMod val="110000"/>
+                <a:satMod val="105000"/>
+                <a:tint val="67000"/>
+              </a:schemeClr>
+            </a:gs>
+            <a:gs pos="50000">
+              <a:schemeClr val="accent4">
+                <a:hueOff val="0"/>
+                <a:satOff val="0"/>
+                <a:lumOff val="0"/>
+                <a:alphaOff val="0"/>
+                <a:lumMod val="105000"/>
+                <a:satMod val="103000"/>
+                <a:tint val="73000"/>
+              </a:schemeClr>
+            </a:gs>
+            <a:gs pos="100000">
+              <a:schemeClr val="accent4">
+                <a:hueOff val="0"/>
+                <a:satOff val="0"/>
+                <a:lumOff val="0"/>
+                <a:alphaOff val="0"/>
+                <a:lumMod val="105000"/>
+                <a:satMod val="109000"/>
+                <a:tint val="81000"/>
+              </a:schemeClr>
+            </a:gs>
+          </a:gsLst>
+          <a:lin ang="5400000" scaled="0"/>
+        </a:gradFill>
+        <a:ln>
+          <a:noFill/>
+        </a:ln>
+        <a:effectLst/>
+        <a:scene3d>
+          <a:camera prst="orthographicFront"/>
+          <a:lightRig rig="flat" dir="t"/>
+        </a:scene3d>
+        <a:sp3d prstMaterial="dkEdge">
+          <a:bevelT w="8200" h="38100"/>
+        </a:sp3d>
+      </dsp:spPr>
+      <dsp:style>
+        <a:lnRef idx="0">
+          <a:scrgbClr r="0" g="0" b="0"/>
+        </a:lnRef>
+        <a:fillRef idx="2">
+          <a:scrgbClr r="0" g="0" b="0"/>
+        </a:fillRef>
+        <a:effectRef idx="1">
+          <a:scrgbClr r="0" g="0" b="0"/>
+        </a:effectRef>
+        <a:fontRef idx="minor">
+          <a:schemeClr val="dk1"/>
+        </a:fontRef>
+      </dsp:style>
+      <dsp:txBody>
+        <a:bodyPr spcFirstLastPara="0" vert="horz" wrap="square" lIns="60960" tIns="60960" rIns="60960" bIns="60960" numCol="1" spcCol="1270" anchor="ctr" anchorCtr="0">
+          <a:noAutofit/>
+        </a:bodyPr>
+        <a:lstStyle/>
+        <a:p>
+          <a:pPr marL="0" lvl="0" indent="0" algn="ctr" defTabSz="711200">
+            <a:lnSpc>
+              <a:spcPct val="90000"/>
+            </a:lnSpc>
+            <a:spcBef>
+              <a:spcPct val="0"/>
+            </a:spcBef>
+            <a:spcAft>
+              <a:spcPct val="35000"/>
+            </a:spcAft>
+            <a:buNone/>
+          </a:pPr>
+          <a:r>
+            <a:rPr lang="en-US" altLang="zh-TW" sz="1600" kern="1200" dirty="0">
+              <a:latin typeface="標楷體" panose="03000509000000000000" pitchFamily="65" charset="-120"/>
+              <a:ea typeface="標楷體" panose="03000509000000000000" pitchFamily="65" charset="-120"/>
+            </a:rPr>
+            <a:t>BRAM</a:t>
+          </a:r>
+          <a:endParaRPr lang="zh-TW" altLang="en-US" sz="1600" kern="1200" dirty="0">
+            <a:latin typeface="標楷體" panose="03000509000000000000" pitchFamily="65" charset="-120"/>
+            <a:ea typeface="標楷體" panose="03000509000000000000" pitchFamily="65" charset="-120"/>
+          </a:endParaRPr>
+        </a:p>
+      </dsp:txBody>
+      <dsp:txXfrm>
+        <a:off x="2637026" y="2549096"/>
+        <a:ext cx="868781" cy="567418"/>
+      </dsp:txXfrm>
+    </dsp:sp>
+    <dsp:sp modelId="{0BB006FB-EF9B-49CD-BCE9-481DFD454151}">
+      <dsp:nvSpPr>
+        <dsp:cNvPr id="0" name=""/>
+        <dsp:cNvSpPr/>
+      </dsp:nvSpPr>
+      <dsp:spPr>
+        <a:xfrm>
+          <a:off x="4201010" y="1446539"/>
+          <a:ext cx="91440" cy="241089"/>
+        </a:xfrm>
+        <a:custGeom>
+          <a:avLst/>
+          <a:gdLst/>
+          <a:ahLst/>
+          <a:cxnLst/>
+          <a:rect l="0" t="0" r="0" b="0"/>
+          <a:pathLst>
+            <a:path>
+              <a:moveTo>
+                <a:pt x="45720" y="0"/>
+              </a:moveTo>
+              <a:lnTo>
+                <a:pt x="45720" y="241089"/>
+              </a:lnTo>
+            </a:path>
+          </a:pathLst>
+        </a:custGeom>
+        <a:noFill/>
+        <a:ln w="12700" cap="flat" cmpd="sng" algn="ctr">
+          <a:solidFill>
+            <a:schemeClr val="accent3">
+              <a:hueOff val="0"/>
+              <a:satOff val="0"/>
+              <a:lumOff val="0"/>
+              <a:alphaOff val="0"/>
+            </a:schemeClr>
+          </a:solidFill>
+          <a:prstDash val="solid"/>
+          <a:miter lim="800000"/>
+        </a:ln>
+        <a:effectLst/>
+      </dsp:spPr>
+      <dsp:style>
+        <a:lnRef idx="2">
+          <a:scrgbClr r="0" g="0" b="0"/>
+        </a:lnRef>
+        <a:fillRef idx="0">
+          <a:scrgbClr r="0" g="0" b="0"/>
+        </a:fillRef>
+        <a:effectRef idx="0">
+          <a:scrgbClr r="0" g="0" b="0"/>
+        </a:effectRef>
+        <a:fontRef idx="minor"/>
+      </dsp:style>
+    </dsp:sp>
+    <dsp:sp modelId="{472D39E7-9A48-4166-8FC9-DE56AE381C54}">
+      <dsp:nvSpPr>
+        <dsp:cNvPr id="0" name=""/>
+        <dsp:cNvSpPr/>
+      </dsp:nvSpPr>
+      <dsp:spPr>
+        <a:xfrm>
+          <a:off x="3794686" y="1687629"/>
+          <a:ext cx="904087" cy="602724"/>
+        </a:xfrm>
+        <a:prstGeom prst="roundRect">
+          <a:avLst>
+            <a:gd name="adj" fmla="val 10000"/>
+          </a:avLst>
+        </a:prstGeom>
+        <a:gradFill rotWithShape="0">
+          <a:gsLst>
+            <a:gs pos="0">
+              <a:schemeClr val="accent3">
+                <a:hueOff val="0"/>
+                <a:satOff val="0"/>
+                <a:lumOff val="0"/>
+                <a:alphaOff val="0"/>
+                <a:lumMod val="110000"/>
+                <a:satMod val="105000"/>
+                <a:tint val="67000"/>
+              </a:schemeClr>
+            </a:gs>
+            <a:gs pos="50000">
+              <a:schemeClr val="accent3">
+                <a:hueOff val="0"/>
+                <a:satOff val="0"/>
+                <a:lumOff val="0"/>
+                <a:alphaOff val="0"/>
+                <a:lumMod val="105000"/>
+                <a:satMod val="103000"/>
+                <a:tint val="73000"/>
+              </a:schemeClr>
+            </a:gs>
+            <a:gs pos="100000">
+              <a:schemeClr val="accent3">
+                <a:hueOff val="0"/>
+                <a:satOff val="0"/>
+                <a:lumOff val="0"/>
+                <a:alphaOff val="0"/>
+                <a:lumMod val="105000"/>
+                <a:satMod val="109000"/>
+                <a:tint val="81000"/>
+              </a:schemeClr>
+            </a:gs>
+          </a:gsLst>
+          <a:lin ang="5400000" scaled="0"/>
+        </a:gradFill>
+        <a:ln>
+          <a:noFill/>
+        </a:ln>
+        <a:effectLst/>
+        <a:scene3d>
+          <a:camera prst="orthographicFront"/>
+          <a:lightRig rig="flat" dir="t"/>
+        </a:scene3d>
+        <a:sp3d prstMaterial="dkEdge">
+          <a:bevelT w="8200" h="38100"/>
+        </a:sp3d>
+      </dsp:spPr>
+      <dsp:style>
+        <a:lnRef idx="0">
+          <a:scrgbClr r="0" g="0" b="0"/>
+        </a:lnRef>
+        <a:fillRef idx="2">
+          <a:scrgbClr r="0" g="0" b="0"/>
+        </a:fillRef>
+        <a:effectRef idx="1">
+          <a:scrgbClr r="0" g="0" b="0"/>
+        </a:effectRef>
+        <a:fontRef idx="minor">
+          <a:schemeClr val="dk1"/>
+        </a:fontRef>
+      </dsp:style>
+      <dsp:txBody>
+        <a:bodyPr spcFirstLastPara="0" vert="horz" wrap="square" lIns="60960" tIns="60960" rIns="60960" bIns="60960" numCol="1" spcCol="1270" anchor="ctr" anchorCtr="0">
+          <a:noAutofit/>
+        </a:bodyPr>
+        <a:lstStyle/>
+        <a:p>
+          <a:pPr marL="0" lvl="0" indent="0" algn="ctr" defTabSz="711200">
+            <a:lnSpc>
+              <a:spcPct val="90000"/>
+            </a:lnSpc>
+            <a:spcBef>
+              <a:spcPct val="0"/>
+            </a:spcBef>
+            <a:spcAft>
+              <a:spcPct val="35000"/>
+            </a:spcAft>
+            <a:buNone/>
+          </a:pPr>
+          <a:r>
+            <a:rPr lang="zh-TW" altLang="en-US" sz="1600" kern="1200" dirty="0">
+              <a:latin typeface="標楷體" panose="03000509000000000000" pitchFamily="65" charset="-120"/>
+              <a:ea typeface="標楷體" panose="03000509000000000000" pitchFamily="65" charset="-120"/>
+            </a:rPr>
+            <a:t>分類器</a:t>
+          </a:r>
+        </a:p>
+      </dsp:txBody>
+      <dsp:txXfrm>
+        <a:off x="3812339" y="1705282"/>
+        <a:ext cx="868781" cy="567418"/>
+      </dsp:txXfrm>
+    </dsp:sp>
+    <dsp:sp modelId="{19D008B1-8602-4DA8-9D82-ACA161477DAF}">
+      <dsp:nvSpPr>
+        <dsp:cNvPr id="0" name=""/>
+        <dsp:cNvSpPr/>
+      </dsp:nvSpPr>
+      <dsp:spPr>
+        <a:xfrm>
+          <a:off x="4201010" y="2290353"/>
+          <a:ext cx="91440" cy="241089"/>
+        </a:xfrm>
+        <a:custGeom>
+          <a:avLst/>
+          <a:gdLst/>
+          <a:ahLst/>
+          <a:cxnLst/>
+          <a:rect l="0" t="0" r="0" b="0"/>
+          <a:pathLst>
+            <a:path>
+              <a:moveTo>
+                <a:pt x="45720" y="0"/>
+              </a:moveTo>
+              <a:lnTo>
+                <a:pt x="45720" y="241089"/>
+              </a:lnTo>
+            </a:path>
+          </a:pathLst>
+        </a:custGeom>
+        <a:noFill/>
+        <a:ln w="12700" cap="flat" cmpd="sng" algn="ctr">
+          <a:solidFill>
+            <a:schemeClr val="accent4">
+              <a:hueOff val="0"/>
+              <a:satOff val="0"/>
+              <a:lumOff val="0"/>
+              <a:alphaOff val="0"/>
+            </a:schemeClr>
+          </a:solidFill>
+          <a:prstDash val="solid"/>
+          <a:miter lim="800000"/>
+        </a:ln>
+        <a:effectLst/>
+      </dsp:spPr>
+      <dsp:style>
+        <a:lnRef idx="2">
+          <a:scrgbClr r="0" g="0" b="0"/>
+        </a:lnRef>
+        <a:fillRef idx="0">
+          <a:scrgbClr r="0" g="0" b="0"/>
+        </a:fillRef>
+        <a:effectRef idx="0">
+          <a:scrgbClr r="0" g="0" b="0"/>
+        </a:effectRef>
+        <a:fontRef idx="minor"/>
+      </dsp:style>
+    </dsp:sp>
+    <dsp:sp modelId="{F84B7668-2E95-43F8-B185-BE55FC19BC18}">
+      <dsp:nvSpPr>
+        <dsp:cNvPr id="0" name=""/>
+        <dsp:cNvSpPr/>
+      </dsp:nvSpPr>
+      <dsp:spPr>
+        <a:xfrm>
+          <a:off x="3794686" y="2531443"/>
+          <a:ext cx="904087" cy="602724"/>
+        </a:xfrm>
+        <a:prstGeom prst="roundRect">
+          <a:avLst>
+            <a:gd name="adj" fmla="val 10000"/>
+          </a:avLst>
+        </a:prstGeom>
+        <a:gradFill rotWithShape="0">
+          <a:gsLst>
+            <a:gs pos="0">
+              <a:schemeClr val="accent4">
+                <a:hueOff val="0"/>
+                <a:satOff val="0"/>
+                <a:lumOff val="0"/>
+                <a:alphaOff val="0"/>
+                <a:lumMod val="110000"/>
+                <a:satMod val="105000"/>
+                <a:tint val="67000"/>
+              </a:schemeClr>
+            </a:gs>
+            <a:gs pos="50000">
+              <a:schemeClr val="accent4">
+                <a:hueOff val="0"/>
+                <a:satOff val="0"/>
+                <a:lumOff val="0"/>
+                <a:alphaOff val="0"/>
+                <a:lumMod val="105000"/>
+                <a:satMod val="103000"/>
+                <a:tint val="73000"/>
+              </a:schemeClr>
+            </a:gs>
+            <a:gs pos="100000">
+              <a:schemeClr val="accent4">
+                <a:hueOff val="0"/>
+                <a:satOff val="0"/>
+                <a:lumOff val="0"/>
+                <a:alphaOff val="0"/>
+                <a:lumMod val="105000"/>
+                <a:satMod val="109000"/>
+                <a:tint val="81000"/>
+              </a:schemeClr>
+            </a:gs>
+          </a:gsLst>
+          <a:lin ang="5400000" scaled="0"/>
+        </a:gradFill>
+        <a:ln>
+          <a:noFill/>
+        </a:ln>
+        <a:effectLst/>
+        <a:scene3d>
+          <a:camera prst="orthographicFront"/>
+          <a:lightRig rig="flat" dir="t"/>
+        </a:scene3d>
+        <a:sp3d prstMaterial="dkEdge">
+          <a:bevelT w="8200" h="38100"/>
+        </a:sp3d>
+      </dsp:spPr>
+      <dsp:style>
+        <a:lnRef idx="0">
+          <a:scrgbClr r="0" g="0" b="0"/>
+        </a:lnRef>
+        <a:fillRef idx="2">
+          <a:scrgbClr r="0" g="0" b="0"/>
+        </a:fillRef>
+        <a:effectRef idx="1">
+          <a:scrgbClr r="0" g="0" b="0"/>
+        </a:effectRef>
+        <a:fontRef idx="minor">
+          <a:schemeClr val="dk1"/>
+        </a:fontRef>
+      </dsp:style>
+      <dsp:txBody>
+        <a:bodyPr spcFirstLastPara="0" vert="horz" wrap="square" lIns="60960" tIns="60960" rIns="60960" bIns="60960" numCol="1" spcCol="1270" anchor="ctr" anchorCtr="0">
+          <a:noAutofit/>
+        </a:bodyPr>
+        <a:lstStyle/>
+        <a:p>
+          <a:pPr marL="0" lvl="0" indent="0" algn="ctr" defTabSz="711200">
+            <a:lnSpc>
+              <a:spcPct val="90000"/>
+            </a:lnSpc>
+            <a:spcBef>
+              <a:spcPct val="0"/>
+            </a:spcBef>
+            <a:spcAft>
+              <a:spcPct val="35000"/>
+            </a:spcAft>
+            <a:buNone/>
+          </a:pPr>
+          <a:r>
+            <a:rPr lang="en-US" altLang="zh-TW" sz="1600" kern="1200" dirty="0">
+              <a:latin typeface="標楷體" panose="03000509000000000000" pitchFamily="65" charset="-120"/>
+              <a:ea typeface="標楷體" panose="03000509000000000000" pitchFamily="65" charset="-120"/>
+            </a:rPr>
+            <a:t>SVM</a:t>
+          </a:r>
+          <a:endParaRPr lang="zh-TW" altLang="en-US" sz="1600" kern="1200" dirty="0">
+            <a:latin typeface="標楷體" panose="03000509000000000000" pitchFamily="65" charset="-120"/>
+            <a:ea typeface="標楷體" panose="03000509000000000000" pitchFamily="65" charset="-120"/>
+          </a:endParaRPr>
+        </a:p>
+      </dsp:txBody>
+      <dsp:txXfrm>
+        <a:off x="3812339" y="2549096"/>
+        <a:ext cx="868781" cy="567418"/>
+      </dsp:txXfrm>
+    </dsp:sp>
+    <dsp:sp modelId="{09E4BC74-9A29-4E4C-B0E5-467B4B914A7B}">
+      <dsp:nvSpPr>
+        <dsp:cNvPr id="0" name=""/>
+        <dsp:cNvSpPr/>
+      </dsp:nvSpPr>
+      <dsp:spPr>
+        <a:xfrm>
+          <a:off x="4246730" y="1446539"/>
+          <a:ext cx="1175313" cy="241089"/>
+        </a:xfrm>
+        <a:custGeom>
+          <a:avLst/>
+          <a:gdLst/>
+          <a:ahLst/>
+          <a:cxnLst/>
+          <a:rect l="0" t="0" r="0" b="0"/>
+          <a:pathLst>
+            <a:path>
+              <a:moveTo>
+                <a:pt x="0" y="0"/>
+              </a:moveTo>
+              <a:lnTo>
+                <a:pt x="0" y="120544"/>
+              </a:lnTo>
+              <a:lnTo>
+                <a:pt x="1175313" y="120544"/>
+              </a:lnTo>
+              <a:lnTo>
+                <a:pt x="1175313" y="241089"/>
+              </a:lnTo>
+            </a:path>
+          </a:pathLst>
+        </a:custGeom>
+        <a:noFill/>
+        <a:ln w="12700" cap="flat" cmpd="sng" algn="ctr">
+          <a:solidFill>
+            <a:schemeClr val="accent3">
+              <a:hueOff val="0"/>
+              <a:satOff val="0"/>
+              <a:lumOff val="0"/>
+              <a:alphaOff val="0"/>
+            </a:schemeClr>
+          </a:solidFill>
+          <a:prstDash val="solid"/>
+          <a:miter lim="800000"/>
+        </a:ln>
+        <a:effectLst/>
+      </dsp:spPr>
+      <dsp:style>
+        <a:lnRef idx="2">
+          <a:scrgbClr r="0" g="0" b="0"/>
+        </a:lnRef>
+        <a:fillRef idx="0">
+          <a:scrgbClr r="0" g="0" b="0"/>
+        </a:fillRef>
+        <a:effectRef idx="0">
+          <a:scrgbClr r="0" g="0" b="0"/>
+        </a:effectRef>
+        <a:fontRef idx="minor"/>
+      </dsp:style>
+    </dsp:sp>
+    <dsp:sp modelId="{2948D152-9FE6-4FDD-87AF-AA9B4842060B}">
+      <dsp:nvSpPr>
+        <dsp:cNvPr id="0" name=""/>
+        <dsp:cNvSpPr/>
+      </dsp:nvSpPr>
+      <dsp:spPr>
+        <a:xfrm>
+          <a:off x="4970000" y="1687629"/>
+          <a:ext cx="904087" cy="602724"/>
+        </a:xfrm>
+        <a:prstGeom prst="roundRect">
+          <a:avLst>
+            <a:gd name="adj" fmla="val 10000"/>
+          </a:avLst>
+        </a:prstGeom>
+        <a:gradFill rotWithShape="0">
+          <a:gsLst>
+            <a:gs pos="0">
+              <a:schemeClr val="accent3">
+                <a:hueOff val="0"/>
+                <a:satOff val="0"/>
+                <a:lumOff val="0"/>
+                <a:alphaOff val="0"/>
+                <a:lumMod val="110000"/>
+                <a:satMod val="105000"/>
+                <a:tint val="67000"/>
+              </a:schemeClr>
+            </a:gs>
+            <a:gs pos="50000">
+              <a:schemeClr val="accent3">
+                <a:hueOff val="0"/>
+                <a:satOff val="0"/>
+                <a:lumOff val="0"/>
+                <a:alphaOff val="0"/>
+                <a:lumMod val="105000"/>
+                <a:satMod val="103000"/>
+                <a:tint val="73000"/>
+              </a:schemeClr>
+            </a:gs>
+            <a:gs pos="100000">
+              <a:schemeClr val="accent3">
+                <a:hueOff val="0"/>
+                <a:satOff val="0"/>
+                <a:lumOff val="0"/>
+                <a:alphaOff val="0"/>
+                <a:lumMod val="105000"/>
+                <a:satMod val="109000"/>
+                <a:tint val="81000"/>
+              </a:schemeClr>
+            </a:gs>
+          </a:gsLst>
+          <a:lin ang="5400000" scaled="0"/>
+        </a:gradFill>
+        <a:ln>
+          <a:noFill/>
+        </a:ln>
+        <a:effectLst/>
+        <a:scene3d>
+          <a:camera prst="orthographicFront"/>
+          <a:lightRig rig="flat" dir="t"/>
+        </a:scene3d>
+        <a:sp3d prstMaterial="dkEdge">
+          <a:bevelT w="8200" h="38100"/>
+        </a:sp3d>
+      </dsp:spPr>
+      <dsp:style>
+        <a:lnRef idx="0">
+          <a:scrgbClr r="0" g="0" b="0"/>
+        </a:lnRef>
+        <a:fillRef idx="2">
+          <a:scrgbClr r="0" g="0" b="0"/>
+        </a:fillRef>
+        <a:effectRef idx="1">
+          <a:scrgbClr r="0" g="0" b="0"/>
+        </a:effectRef>
+        <a:fontRef idx="minor">
+          <a:schemeClr val="dk1"/>
+        </a:fontRef>
+      </dsp:style>
+      <dsp:txBody>
+        <a:bodyPr spcFirstLastPara="0" vert="horz" wrap="square" lIns="60960" tIns="60960" rIns="60960" bIns="60960" numCol="1" spcCol="1270" anchor="ctr" anchorCtr="0">
+          <a:noAutofit/>
+        </a:bodyPr>
+        <a:lstStyle/>
+        <a:p>
+          <a:pPr marL="0" lvl="0" indent="0" algn="ctr" defTabSz="711200">
+            <a:lnSpc>
+              <a:spcPct val="90000"/>
+            </a:lnSpc>
+            <a:spcBef>
+              <a:spcPct val="0"/>
+            </a:spcBef>
+            <a:spcAft>
+              <a:spcPct val="35000"/>
+            </a:spcAft>
+            <a:buNone/>
+          </a:pPr>
+          <a:r>
+            <a:rPr lang="zh-TW" altLang="en-US" sz="1600" kern="1200" dirty="0">
+              <a:latin typeface="標楷體" panose="03000509000000000000" pitchFamily="65" charset="-120"/>
+              <a:ea typeface="標楷體" panose="03000509000000000000" pitchFamily="65" charset="-120"/>
+            </a:rPr>
+            <a:t>特徵提取</a:t>
+          </a:r>
+        </a:p>
+      </dsp:txBody>
+      <dsp:txXfrm>
+        <a:off x="4987653" y="1705282"/>
+        <a:ext cx="868781" cy="567418"/>
+      </dsp:txXfrm>
+    </dsp:sp>
+    <dsp:sp modelId="{1D12FEC2-D55B-43BD-BE3F-8A63BC3BDD84}">
+      <dsp:nvSpPr>
+        <dsp:cNvPr id="0" name=""/>
+        <dsp:cNvSpPr/>
+      </dsp:nvSpPr>
+      <dsp:spPr>
+        <a:xfrm>
+          <a:off x="5376323" y="2290353"/>
+          <a:ext cx="91440" cy="241089"/>
+        </a:xfrm>
+        <a:custGeom>
+          <a:avLst/>
+          <a:gdLst/>
+          <a:ahLst/>
+          <a:cxnLst/>
+          <a:rect l="0" t="0" r="0" b="0"/>
+          <a:pathLst>
+            <a:path>
+              <a:moveTo>
+                <a:pt x="45720" y="0"/>
+              </a:moveTo>
+              <a:lnTo>
+                <a:pt x="45720" y="241089"/>
+              </a:lnTo>
+            </a:path>
+          </a:pathLst>
+        </a:custGeom>
+        <a:noFill/>
+        <a:ln w="12700" cap="flat" cmpd="sng" algn="ctr">
+          <a:solidFill>
+            <a:schemeClr val="accent4">
+              <a:hueOff val="0"/>
+              <a:satOff val="0"/>
+              <a:lumOff val="0"/>
+              <a:alphaOff val="0"/>
+            </a:schemeClr>
+          </a:solidFill>
+          <a:prstDash val="solid"/>
+          <a:miter lim="800000"/>
+        </a:ln>
+        <a:effectLst/>
+      </dsp:spPr>
+      <dsp:style>
+        <a:lnRef idx="2">
+          <a:scrgbClr r="0" g="0" b="0"/>
+        </a:lnRef>
+        <a:fillRef idx="0">
+          <a:scrgbClr r="0" g="0" b="0"/>
+        </a:fillRef>
+        <a:effectRef idx="0">
+          <a:scrgbClr r="0" g="0" b="0"/>
+        </a:effectRef>
+        <a:fontRef idx="minor"/>
+      </dsp:style>
+    </dsp:sp>
+    <dsp:sp modelId="{B00B9491-58B2-4721-A586-A364AF32E235}">
+      <dsp:nvSpPr>
+        <dsp:cNvPr id="0" name=""/>
+        <dsp:cNvSpPr/>
+      </dsp:nvSpPr>
+      <dsp:spPr>
+        <a:xfrm>
+          <a:off x="4970000" y="2531443"/>
+          <a:ext cx="904087" cy="602724"/>
+        </a:xfrm>
+        <a:prstGeom prst="roundRect">
+          <a:avLst>
+            <a:gd name="adj" fmla="val 10000"/>
+          </a:avLst>
+        </a:prstGeom>
+        <a:gradFill rotWithShape="0">
+          <a:gsLst>
+            <a:gs pos="0">
+              <a:schemeClr val="accent4">
+                <a:hueOff val="0"/>
+                <a:satOff val="0"/>
+                <a:lumOff val="0"/>
+                <a:alphaOff val="0"/>
+                <a:lumMod val="110000"/>
+                <a:satMod val="105000"/>
+                <a:tint val="67000"/>
+              </a:schemeClr>
+            </a:gs>
+            <a:gs pos="50000">
+              <a:schemeClr val="accent4">
+                <a:hueOff val="0"/>
+                <a:satOff val="0"/>
+                <a:lumOff val="0"/>
+                <a:alphaOff val="0"/>
+                <a:lumMod val="105000"/>
+                <a:satMod val="103000"/>
+                <a:tint val="73000"/>
+              </a:schemeClr>
+            </a:gs>
+            <a:gs pos="100000">
+              <a:schemeClr val="accent4">
+                <a:hueOff val="0"/>
+                <a:satOff val="0"/>
+                <a:lumOff val="0"/>
+                <a:alphaOff val="0"/>
+                <a:lumMod val="105000"/>
+                <a:satMod val="109000"/>
+                <a:tint val="81000"/>
+              </a:schemeClr>
+            </a:gs>
+          </a:gsLst>
+          <a:lin ang="5400000" scaled="0"/>
+        </a:gradFill>
+        <a:ln>
+          <a:noFill/>
+        </a:ln>
+        <a:effectLst/>
+        <a:scene3d>
+          <a:camera prst="orthographicFront"/>
+          <a:lightRig rig="flat" dir="t"/>
+        </a:scene3d>
+        <a:sp3d prstMaterial="dkEdge">
+          <a:bevelT w="8200" h="38100"/>
+        </a:sp3d>
+      </dsp:spPr>
+      <dsp:style>
+        <a:lnRef idx="0">
+          <a:scrgbClr r="0" g="0" b="0"/>
+        </a:lnRef>
+        <a:fillRef idx="2">
+          <a:scrgbClr r="0" g="0" b="0"/>
+        </a:fillRef>
+        <a:effectRef idx="1">
+          <a:scrgbClr r="0" g="0" b="0"/>
+        </a:effectRef>
+        <a:fontRef idx="minor">
+          <a:schemeClr val="dk1"/>
+        </a:fontRef>
+      </dsp:style>
+      <dsp:txBody>
+        <a:bodyPr spcFirstLastPara="0" vert="horz" wrap="square" lIns="60960" tIns="60960" rIns="60960" bIns="60960" numCol="1" spcCol="1270" anchor="ctr" anchorCtr="0">
+          <a:noAutofit/>
+        </a:bodyPr>
+        <a:lstStyle/>
+        <a:p>
+          <a:pPr marL="0" lvl="0" indent="0" algn="ctr" defTabSz="711200">
+            <a:lnSpc>
+              <a:spcPct val="90000"/>
+            </a:lnSpc>
+            <a:spcBef>
+              <a:spcPct val="0"/>
+            </a:spcBef>
+            <a:spcAft>
+              <a:spcPct val="35000"/>
+            </a:spcAft>
+            <a:buNone/>
+          </a:pPr>
+          <a:r>
+            <a:rPr lang="en-US" altLang="zh-TW" sz="1600" kern="1200" dirty="0">
+              <a:latin typeface="標楷體" panose="03000509000000000000" pitchFamily="65" charset="-120"/>
+              <a:ea typeface="標楷體" panose="03000509000000000000" pitchFamily="65" charset="-120"/>
+            </a:rPr>
+            <a:t>HOG</a:t>
+          </a:r>
+          <a:endParaRPr lang="zh-TW" altLang="en-US" sz="1600" kern="1200" dirty="0">
+            <a:latin typeface="標楷體" panose="03000509000000000000" pitchFamily="65" charset="-120"/>
+            <a:ea typeface="標楷體" panose="03000509000000000000" pitchFamily="65" charset="-120"/>
+          </a:endParaRPr>
+        </a:p>
+      </dsp:txBody>
+      <dsp:txXfrm>
+        <a:off x="4987653" y="2549096"/>
+        <a:ext cx="868781" cy="567418"/>
+      </dsp:txXfrm>
+    </dsp:sp>
+    <dsp:sp modelId="{0E24FDDD-4DD9-41F3-B4EB-B76E27D7269D}">
+      <dsp:nvSpPr>
+        <dsp:cNvPr id="0" name=""/>
+        <dsp:cNvSpPr/>
+      </dsp:nvSpPr>
+      <dsp:spPr>
+        <a:xfrm>
+          <a:off x="4246730" y="1446539"/>
+          <a:ext cx="2350626" cy="241089"/>
+        </a:xfrm>
+        <a:custGeom>
+          <a:avLst/>
+          <a:gdLst/>
+          <a:ahLst/>
+          <a:cxnLst/>
+          <a:rect l="0" t="0" r="0" b="0"/>
+          <a:pathLst>
+            <a:path>
+              <a:moveTo>
+                <a:pt x="0" y="0"/>
+              </a:moveTo>
+              <a:lnTo>
+                <a:pt x="0" y="120544"/>
+              </a:lnTo>
+              <a:lnTo>
+                <a:pt x="2350626" y="120544"/>
+              </a:lnTo>
+              <a:lnTo>
+                <a:pt x="2350626" y="241089"/>
+              </a:lnTo>
+            </a:path>
+          </a:pathLst>
+        </a:custGeom>
+        <a:noFill/>
+        <a:ln w="12700" cap="flat" cmpd="sng" algn="ctr">
+          <a:solidFill>
+            <a:schemeClr val="accent3">
+              <a:hueOff val="0"/>
+              <a:satOff val="0"/>
+              <a:lumOff val="0"/>
+              <a:alphaOff val="0"/>
+            </a:schemeClr>
+          </a:solidFill>
+          <a:prstDash val="solid"/>
+          <a:miter lim="800000"/>
+        </a:ln>
+        <a:effectLst/>
+      </dsp:spPr>
+      <dsp:style>
+        <a:lnRef idx="2">
+          <a:scrgbClr r="0" g="0" b="0"/>
+        </a:lnRef>
+        <a:fillRef idx="0">
+          <a:scrgbClr r="0" g="0" b="0"/>
+        </a:fillRef>
+        <a:effectRef idx="0">
+          <a:scrgbClr r="0" g="0" b="0"/>
+        </a:effectRef>
+        <a:fontRef idx="minor"/>
+      </dsp:style>
+    </dsp:sp>
+    <dsp:sp modelId="{D337F9D4-600B-42FC-B2D5-9573CCAF82DA}">
+      <dsp:nvSpPr>
+        <dsp:cNvPr id="0" name=""/>
+        <dsp:cNvSpPr/>
+      </dsp:nvSpPr>
+      <dsp:spPr>
+        <a:xfrm>
+          <a:off x="6145313" y="1687629"/>
+          <a:ext cx="904087" cy="602724"/>
+        </a:xfrm>
+        <a:prstGeom prst="roundRect">
+          <a:avLst>
+            <a:gd name="adj" fmla="val 10000"/>
+          </a:avLst>
+        </a:prstGeom>
+        <a:gradFill rotWithShape="0">
+          <a:gsLst>
+            <a:gs pos="0">
+              <a:schemeClr val="accent3">
+                <a:hueOff val="0"/>
+                <a:satOff val="0"/>
+                <a:lumOff val="0"/>
+                <a:alphaOff val="0"/>
+                <a:lumMod val="110000"/>
+                <a:satMod val="105000"/>
+                <a:tint val="67000"/>
+              </a:schemeClr>
+            </a:gs>
+            <a:gs pos="50000">
+              <a:schemeClr val="accent3">
+                <a:hueOff val="0"/>
+                <a:satOff val="0"/>
+                <a:lumOff val="0"/>
+                <a:alphaOff val="0"/>
+                <a:lumMod val="105000"/>
+                <a:satMod val="103000"/>
+                <a:tint val="73000"/>
+              </a:schemeClr>
+            </a:gs>
+            <a:gs pos="100000">
+              <a:schemeClr val="accent3">
+                <a:hueOff val="0"/>
+                <a:satOff val="0"/>
+                <a:lumOff val="0"/>
+                <a:alphaOff val="0"/>
+                <a:lumMod val="105000"/>
+                <a:satMod val="109000"/>
+                <a:tint val="81000"/>
+              </a:schemeClr>
+            </a:gs>
+          </a:gsLst>
+          <a:lin ang="5400000" scaled="0"/>
+        </a:gradFill>
+        <a:ln>
+          <a:noFill/>
+        </a:ln>
+        <a:effectLst/>
+        <a:scene3d>
+          <a:camera prst="orthographicFront"/>
+          <a:lightRig rig="flat" dir="t"/>
+        </a:scene3d>
+        <a:sp3d prstMaterial="dkEdge">
+          <a:bevelT w="8200" h="38100"/>
+        </a:sp3d>
+      </dsp:spPr>
+      <dsp:style>
+        <a:lnRef idx="0">
+          <a:scrgbClr r="0" g="0" b="0"/>
+        </a:lnRef>
+        <a:fillRef idx="2">
+          <a:scrgbClr r="0" g="0" b="0"/>
+        </a:fillRef>
+        <a:effectRef idx="1">
+          <a:scrgbClr r="0" g="0" b="0"/>
+        </a:effectRef>
+        <a:fontRef idx="minor">
+          <a:schemeClr val="dk1"/>
+        </a:fontRef>
+      </dsp:style>
+      <dsp:txBody>
+        <a:bodyPr spcFirstLastPara="0" vert="horz" wrap="square" lIns="60960" tIns="60960" rIns="60960" bIns="60960" numCol="1" spcCol="1270" anchor="ctr" anchorCtr="0">
+          <a:noAutofit/>
+        </a:bodyPr>
+        <a:lstStyle/>
+        <a:p>
+          <a:pPr marL="0" lvl="0" indent="0" algn="ctr" defTabSz="711200">
+            <a:lnSpc>
+              <a:spcPct val="90000"/>
+            </a:lnSpc>
+            <a:spcBef>
+              <a:spcPct val="0"/>
+            </a:spcBef>
+            <a:spcAft>
+              <a:spcPct val="35000"/>
+            </a:spcAft>
+            <a:buNone/>
+          </a:pPr>
+          <a:r>
+            <a:rPr lang="en-US" altLang="zh-TW" sz="1600" kern="1200" dirty="0">
+              <a:latin typeface="標楷體" panose="03000509000000000000" pitchFamily="65" charset="-120"/>
+              <a:ea typeface="標楷體" panose="03000509000000000000" pitchFamily="65" charset="-120"/>
+            </a:rPr>
+            <a:t>VGA</a:t>
+          </a:r>
+          <a:r>
+            <a:rPr lang="zh-TW" altLang="en-US" sz="1600" kern="1200" dirty="0">
+              <a:latin typeface="標楷體" panose="03000509000000000000" pitchFamily="65" charset="-120"/>
+              <a:ea typeface="標楷體" panose="03000509000000000000" pitchFamily="65" charset="-120"/>
+            </a:rPr>
+            <a:t>  </a:t>
+          </a:r>
+          <a:r>
+            <a:rPr lang="en-US" altLang="zh-TW" sz="1600" kern="1200" dirty="0">
+              <a:latin typeface="標楷體" panose="03000509000000000000" pitchFamily="65" charset="-120"/>
+              <a:ea typeface="標楷體" panose="03000509000000000000" pitchFamily="65" charset="-120"/>
+            </a:rPr>
+            <a:t>out</a:t>
+          </a:r>
+          <a:endParaRPr lang="zh-TW" altLang="en-US" sz="1600" kern="1200" dirty="0">
+            <a:latin typeface="標楷體" panose="03000509000000000000" pitchFamily="65" charset="-120"/>
+            <a:ea typeface="標楷體" panose="03000509000000000000" pitchFamily="65" charset="-120"/>
+          </a:endParaRPr>
+        </a:p>
+      </dsp:txBody>
+      <dsp:txXfrm>
+        <a:off x="6162966" y="1705282"/>
+        <a:ext cx="868781" cy="567418"/>
+      </dsp:txXfrm>
+    </dsp:sp>
+    <dsp:sp modelId="{8CE15E9E-FDED-4083-AB6A-B4985C5C9119}">
+      <dsp:nvSpPr>
+        <dsp:cNvPr id="0" name=""/>
+        <dsp:cNvSpPr/>
+      </dsp:nvSpPr>
+      <dsp:spPr>
+        <a:xfrm>
+          <a:off x="4589442" y="659760"/>
+          <a:ext cx="3770883" cy="184054"/>
+        </a:xfrm>
+        <a:custGeom>
+          <a:avLst/>
+          <a:gdLst/>
+          <a:ahLst/>
+          <a:cxnLst/>
+          <a:rect l="0" t="0" r="0" b="0"/>
+          <a:pathLst>
+            <a:path>
+              <a:moveTo>
+                <a:pt x="0" y="0"/>
+              </a:moveTo>
+              <a:lnTo>
+                <a:pt x="0" y="92027"/>
+              </a:lnTo>
+              <a:lnTo>
+                <a:pt x="3770883" y="92027"/>
+              </a:lnTo>
+              <a:lnTo>
+                <a:pt x="3770883" y="184054"/>
+              </a:lnTo>
+            </a:path>
+          </a:pathLst>
+        </a:custGeom>
+        <a:noFill/>
+        <a:ln w="12700" cap="flat" cmpd="sng" algn="ctr">
+          <a:solidFill>
+            <a:schemeClr val="accent2">
+              <a:hueOff val="0"/>
+              <a:satOff val="0"/>
+              <a:lumOff val="0"/>
+              <a:alphaOff val="0"/>
+            </a:schemeClr>
+          </a:solidFill>
+          <a:prstDash val="solid"/>
+          <a:miter lim="800000"/>
+        </a:ln>
+        <a:effectLst/>
+      </dsp:spPr>
+      <dsp:style>
+        <a:lnRef idx="2">
+          <a:scrgbClr r="0" g="0" b="0"/>
+        </a:lnRef>
+        <a:fillRef idx="0">
+          <a:scrgbClr r="0" g="0" b="0"/>
+        </a:fillRef>
+        <a:effectRef idx="0">
+          <a:scrgbClr r="0" g="0" b="0"/>
+        </a:effectRef>
+        <a:fontRef idx="minor"/>
+      </dsp:style>
+    </dsp:sp>
+    <dsp:sp modelId="{E2DD7ED5-0F65-4A39-8A29-75BF565D17F7}">
+      <dsp:nvSpPr>
+        <dsp:cNvPr id="0" name=""/>
+        <dsp:cNvSpPr/>
+      </dsp:nvSpPr>
+      <dsp:spPr>
+        <a:xfrm>
+          <a:off x="7908282" y="843814"/>
+          <a:ext cx="904087" cy="602724"/>
+        </a:xfrm>
+        <a:prstGeom prst="roundRect">
+          <a:avLst>
+            <a:gd name="adj" fmla="val 10000"/>
+          </a:avLst>
+        </a:prstGeom>
+        <a:gradFill rotWithShape="0">
+          <a:gsLst>
+            <a:gs pos="0">
+              <a:schemeClr val="accent2">
+                <a:hueOff val="0"/>
+                <a:satOff val="0"/>
+                <a:lumOff val="0"/>
+                <a:alphaOff val="0"/>
+                <a:lumMod val="110000"/>
+                <a:satMod val="105000"/>
+                <a:tint val="67000"/>
+              </a:schemeClr>
+            </a:gs>
+            <a:gs pos="50000">
+              <a:schemeClr val="accent2">
+                <a:hueOff val="0"/>
+                <a:satOff val="0"/>
+                <a:lumOff val="0"/>
+                <a:alphaOff val="0"/>
+                <a:lumMod val="105000"/>
+                <a:satMod val="103000"/>
+                <a:tint val="73000"/>
+              </a:schemeClr>
+            </a:gs>
+            <a:gs pos="100000">
+              <a:schemeClr val="accent2">
+                <a:hueOff val="0"/>
+                <a:satOff val="0"/>
+                <a:lumOff val="0"/>
+                <a:alphaOff val="0"/>
+                <a:lumMod val="105000"/>
+                <a:satMod val="109000"/>
+                <a:tint val="81000"/>
+              </a:schemeClr>
+            </a:gs>
+          </a:gsLst>
+          <a:lin ang="5400000" scaled="0"/>
+        </a:gradFill>
+        <a:ln>
+          <a:noFill/>
+        </a:ln>
+        <a:effectLst/>
+        <a:scene3d>
+          <a:camera prst="orthographicFront"/>
+          <a:lightRig rig="flat" dir="t"/>
+        </a:scene3d>
+        <a:sp3d prstMaterial="dkEdge">
+          <a:bevelT w="8200" h="38100"/>
+        </a:sp3d>
+      </dsp:spPr>
+      <dsp:style>
+        <a:lnRef idx="0">
+          <a:scrgbClr r="0" g="0" b="0"/>
+        </a:lnRef>
+        <a:fillRef idx="2">
+          <a:scrgbClr r="0" g="0" b="0"/>
+        </a:fillRef>
+        <a:effectRef idx="1">
+          <a:scrgbClr r="0" g="0" b="0"/>
+        </a:effectRef>
+        <a:fontRef idx="minor">
+          <a:schemeClr val="dk1"/>
+        </a:fontRef>
+      </dsp:style>
+      <dsp:txBody>
+        <a:bodyPr spcFirstLastPara="0" vert="horz" wrap="square" lIns="60960" tIns="60960" rIns="60960" bIns="60960" numCol="1" spcCol="1270" anchor="ctr" anchorCtr="0">
+          <a:noAutofit/>
+        </a:bodyPr>
+        <a:lstStyle/>
+        <a:p>
+          <a:pPr marL="0" lvl="0" indent="0" algn="ctr" defTabSz="711200">
+            <a:lnSpc>
+              <a:spcPct val="90000"/>
+            </a:lnSpc>
+            <a:spcBef>
+              <a:spcPct val="0"/>
+            </a:spcBef>
+            <a:spcAft>
+              <a:spcPct val="35000"/>
+            </a:spcAft>
+            <a:buNone/>
+          </a:pPr>
+          <a:r>
+            <a:rPr lang="en-US" altLang="zh-TW" sz="1600" kern="1200" dirty="0" err="1">
+              <a:latin typeface="標楷體" panose="03000509000000000000" pitchFamily="65" charset="-120"/>
+              <a:ea typeface="標楷體" panose="03000509000000000000" pitchFamily="65" charset="-120"/>
+            </a:rPr>
+            <a:t>bladeRF</a:t>
+          </a:r>
+          <a:endParaRPr lang="zh-TW" altLang="en-US" sz="1600" kern="1200" dirty="0">
+            <a:latin typeface="標楷體" panose="03000509000000000000" pitchFamily="65" charset="-120"/>
+            <a:ea typeface="標楷體" panose="03000509000000000000" pitchFamily="65" charset="-120"/>
+          </a:endParaRPr>
+        </a:p>
+      </dsp:txBody>
+      <dsp:txXfrm>
+        <a:off x="7925935" y="861467"/>
+        <a:ext cx="868781" cy="567418"/>
+      </dsp:txXfrm>
+    </dsp:sp>
+    <dsp:sp modelId="{6D74DDD8-EAD7-4847-96ED-3A17A8A22AB4}">
+      <dsp:nvSpPr>
+        <dsp:cNvPr id="0" name=""/>
+        <dsp:cNvSpPr/>
+      </dsp:nvSpPr>
+      <dsp:spPr>
+        <a:xfrm>
+          <a:off x="7772669" y="1446539"/>
+          <a:ext cx="587656" cy="241089"/>
+        </a:xfrm>
+        <a:custGeom>
+          <a:avLst/>
+          <a:gdLst/>
+          <a:ahLst/>
+          <a:cxnLst/>
+          <a:rect l="0" t="0" r="0" b="0"/>
+          <a:pathLst>
+            <a:path>
+              <a:moveTo>
+                <a:pt x="587656" y="0"/>
+              </a:moveTo>
+              <a:lnTo>
+                <a:pt x="587656" y="120544"/>
+              </a:lnTo>
+              <a:lnTo>
+                <a:pt x="0" y="120544"/>
+              </a:lnTo>
+              <a:lnTo>
+                <a:pt x="0" y="241089"/>
+              </a:lnTo>
+            </a:path>
+          </a:pathLst>
+        </a:custGeom>
+        <a:noFill/>
+        <a:ln w="12700" cap="flat" cmpd="sng" algn="ctr">
+          <a:solidFill>
+            <a:schemeClr val="accent3">
+              <a:hueOff val="0"/>
+              <a:satOff val="0"/>
+              <a:lumOff val="0"/>
+              <a:alphaOff val="0"/>
+            </a:schemeClr>
+          </a:solidFill>
+          <a:prstDash val="solid"/>
+          <a:miter lim="800000"/>
+        </a:ln>
+        <a:effectLst/>
+      </dsp:spPr>
+      <dsp:style>
+        <a:lnRef idx="2">
+          <a:scrgbClr r="0" g="0" b="0"/>
+        </a:lnRef>
+        <a:fillRef idx="0">
+          <a:scrgbClr r="0" g="0" b="0"/>
+        </a:fillRef>
+        <a:effectRef idx="0">
+          <a:scrgbClr r="0" g="0" b="0"/>
+        </a:effectRef>
+        <a:fontRef idx="minor"/>
+      </dsp:style>
+    </dsp:sp>
+    <dsp:sp modelId="{12AAD122-F8E5-4650-BF9E-0E809711BFCC}">
+      <dsp:nvSpPr>
+        <dsp:cNvPr id="0" name=""/>
+        <dsp:cNvSpPr/>
+      </dsp:nvSpPr>
+      <dsp:spPr>
+        <a:xfrm>
+          <a:off x="7320626" y="1687629"/>
+          <a:ext cx="904087" cy="602724"/>
+        </a:xfrm>
+        <a:prstGeom prst="roundRect">
+          <a:avLst>
+            <a:gd name="adj" fmla="val 10000"/>
+          </a:avLst>
+        </a:prstGeom>
+        <a:gradFill rotWithShape="0">
+          <a:gsLst>
+            <a:gs pos="0">
+              <a:schemeClr val="accent3">
+                <a:hueOff val="0"/>
+                <a:satOff val="0"/>
+                <a:lumOff val="0"/>
+                <a:alphaOff val="0"/>
+                <a:lumMod val="110000"/>
+                <a:satMod val="105000"/>
+                <a:tint val="67000"/>
+              </a:schemeClr>
+            </a:gs>
+            <a:gs pos="50000">
+              <a:schemeClr val="accent3">
+                <a:hueOff val="0"/>
+                <a:satOff val="0"/>
+                <a:lumOff val="0"/>
+                <a:alphaOff val="0"/>
+                <a:lumMod val="105000"/>
+                <a:satMod val="103000"/>
+                <a:tint val="73000"/>
+              </a:schemeClr>
+            </a:gs>
+            <a:gs pos="100000">
+              <a:schemeClr val="accent3">
+                <a:hueOff val="0"/>
+                <a:satOff val="0"/>
+                <a:lumOff val="0"/>
+                <a:alphaOff val="0"/>
+                <a:lumMod val="105000"/>
+                <a:satMod val="109000"/>
+                <a:tint val="81000"/>
+              </a:schemeClr>
+            </a:gs>
+          </a:gsLst>
+          <a:lin ang="5400000" scaled="0"/>
+        </a:gradFill>
+        <a:ln>
+          <a:noFill/>
+        </a:ln>
+        <a:effectLst/>
+        <a:scene3d>
+          <a:camera prst="orthographicFront"/>
+          <a:lightRig rig="flat" dir="t"/>
+        </a:scene3d>
+        <a:sp3d prstMaterial="dkEdge">
+          <a:bevelT w="8200" h="38100"/>
+        </a:sp3d>
+      </dsp:spPr>
+      <dsp:style>
+        <a:lnRef idx="0">
+          <a:scrgbClr r="0" g="0" b="0"/>
+        </a:lnRef>
+        <a:fillRef idx="2">
+          <a:scrgbClr r="0" g="0" b="0"/>
+        </a:fillRef>
+        <a:effectRef idx="1">
+          <a:scrgbClr r="0" g="0" b="0"/>
+        </a:effectRef>
+        <a:fontRef idx="minor">
+          <a:schemeClr val="dk1"/>
+        </a:fontRef>
+      </dsp:style>
+      <dsp:txBody>
+        <a:bodyPr spcFirstLastPara="0" vert="horz" wrap="square" lIns="60960" tIns="60960" rIns="60960" bIns="60960" numCol="1" spcCol="1270" anchor="ctr" anchorCtr="0">
+          <a:noAutofit/>
+        </a:bodyPr>
+        <a:lstStyle/>
+        <a:p>
+          <a:pPr marL="0" lvl="0" indent="0" algn="ctr" defTabSz="711200">
+            <a:lnSpc>
+              <a:spcPct val="90000"/>
+            </a:lnSpc>
+            <a:spcBef>
+              <a:spcPct val="0"/>
+            </a:spcBef>
+            <a:spcAft>
+              <a:spcPct val="35000"/>
+            </a:spcAft>
+            <a:buNone/>
+          </a:pPr>
+          <a:r>
+            <a:rPr lang="en-US" altLang="zh-TW" sz="1600" kern="1200" dirty="0">
+              <a:latin typeface="標楷體" panose="03000509000000000000" pitchFamily="65" charset="-120"/>
+              <a:ea typeface="標楷體" panose="03000509000000000000" pitchFamily="65" charset="-120"/>
+            </a:rPr>
+            <a:t>TX</a:t>
+          </a:r>
+          <a:endParaRPr lang="zh-TW" altLang="en-US" sz="1600" kern="1200" dirty="0">
+            <a:latin typeface="標楷體" panose="03000509000000000000" pitchFamily="65" charset="-120"/>
+            <a:ea typeface="標楷體" panose="03000509000000000000" pitchFamily="65" charset="-120"/>
+          </a:endParaRPr>
+        </a:p>
+      </dsp:txBody>
+      <dsp:txXfrm>
+        <a:off x="7338279" y="1705282"/>
+        <a:ext cx="868781" cy="567418"/>
+      </dsp:txXfrm>
+    </dsp:sp>
+    <dsp:sp modelId="{AD9F8604-128E-4FFC-8EBD-C51C1B4EC0C0}">
+      <dsp:nvSpPr>
+        <dsp:cNvPr id="0" name=""/>
+        <dsp:cNvSpPr/>
+      </dsp:nvSpPr>
+      <dsp:spPr>
+        <a:xfrm>
+          <a:off x="8360326" y="1446539"/>
+          <a:ext cx="587656" cy="241089"/>
+        </a:xfrm>
+        <a:custGeom>
+          <a:avLst/>
+          <a:gdLst/>
+          <a:ahLst/>
+          <a:cxnLst/>
+          <a:rect l="0" t="0" r="0" b="0"/>
+          <a:pathLst>
+            <a:path>
+              <a:moveTo>
+                <a:pt x="0" y="0"/>
+              </a:moveTo>
+              <a:lnTo>
+                <a:pt x="0" y="120544"/>
+              </a:lnTo>
+              <a:lnTo>
+                <a:pt x="587656" y="120544"/>
+              </a:lnTo>
+              <a:lnTo>
+                <a:pt x="587656" y="241089"/>
+              </a:lnTo>
+            </a:path>
+          </a:pathLst>
+        </a:custGeom>
+        <a:noFill/>
+        <a:ln w="12700" cap="flat" cmpd="sng" algn="ctr">
+          <a:solidFill>
+            <a:schemeClr val="accent3">
+              <a:hueOff val="0"/>
+              <a:satOff val="0"/>
+              <a:lumOff val="0"/>
+              <a:alphaOff val="0"/>
+            </a:schemeClr>
+          </a:solidFill>
+          <a:prstDash val="solid"/>
+          <a:miter lim="800000"/>
+        </a:ln>
+        <a:effectLst/>
+      </dsp:spPr>
+      <dsp:style>
+        <a:lnRef idx="2">
+          <a:scrgbClr r="0" g="0" b="0"/>
+        </a:lnRef>
+        <a:fillRef idx="0">
+          <a:scrgbClr r="0" g="0" b="0"/>
+        </a:fillRef>
+        <a:effectRef idx="0">
+          <a:scrgbClr r="0" g="0" b="0"/>
+        </a:effectRef>
+        <a:fontRef idx="minor"/>
+      </dsp:style>
+    </dsp:sp>
+    <dsp:sp modelId="{EAFE556B-8391-45BE-AD29-797FFD930603}">
+      <dsp:nvSpPr>
+        <dsp:cNvPr id="0" name=""/>
+        <dsp:cNvSpPr/>
+      </dsp:nvSpPr>
+      <dsp:spPr>
+        <a:xfrm>
+          <a:off x="8495939" y="1687629"/>
+          <a:ext cx="904087" cy="602724"/>
+        </a:xfrm>
+        <a:prstGeom prst="roundRect">
+          <a:avLst>
+            <a:gd name="adj" fmla="val 10000"/>
+          </a:avLst>
+        </a:prstGeom>
+        <a:gradFill rotWithShape="0">
+          <a:gsLst>
+            <a:gs pos="0">
+              <a:schemeClr val="accent3">
+                <a:hueOff val="0"/>
+                <a:satOff val="0"/>
+                <a:lumOff val="0"/>
+                <a:alphaOff val="0"/>
+                <a:lumMod val="110000"/>
+                <a:satMod val="105000"/>
+                <a:tint val="67000"/>
+              </a:schemeClr>
+            </a:gs>
+            <a:gs pos="50000">
+              <a:schemeClr val="accent3">
+                <a:hueOff val="0"/>
+                <a:satOff val="0"/>
+                <a:lumOff val="0"/>
+                <a:alphaOff val="0"/>
+                <a:lumMod val="105000"/>
+                <a:satMod val="103000"/>
+                <a:tint val="73000"/>
+              </a:schemeClr>
+            </a:gs>
+            <a:gs pos="100000">
+              <a:schemeClr val="accent3">
+                <a:hueOff val="0"/>
+                <a:satOff val="0"/>
+                <a:lumOff val="0"/>
+                <a:alphaOff val="0"/>
+                <a:lumMod val="105000"/>
+                <a:satMod val="109000"/>
+                <a:tint val="81000"/>
+              </a:schemeClr>
+            </a:gs>
+          </a:gsLst>
+          <a:lin ang="5400000" scaled="0"/>
+        </a:gradFill>
+        <a:ln>
+          <a:noFill/>
+        </a:ln>
+        <a:effectLst/>
+        <a:scene3d>
+          <a:camera prst="orthographicFront"/>
+          <a:lightRig rig="flat" dir="t"/>
+        </a:scene3d>
+        <a:sp3d prstMaterial="dkEdge">
+          <a:bevelT w="8200" h="38100"/>
+        </a:sp3d>
+      </dsp:spPr>
+      <dsp:style>
+        <a:lnRef idx="0">
+          <a:scrgbClr r="0" g="0" b="0"/>
+        </a:lnRef>
+        <a:fillRef idx="2">
+          <a:scrgbClr r="0" g="0" b="0"/>
+        </a:fillRef>
+        <a:effectRef idx="1">
+          <a:scrgbClr r="0" g="0" b="0"/>
+        </a:effectRef>
+        <a:fontRef idx="minor">
+          <a:schemeClr val="dk1"/>
+        </a:fontRef>
+      </dsp:style>
+      <dsp:txBody>
+        <a:bodyPr spcFirstLastPara="0" vert="horz" wrap="square" lIns="60960" tIns="60960" rIns="60960" bIns="60960" numCol="1" spcCol="1270" anchor="ctr" anchorCtr="0">
+          <a:noAutofit/>
+        </a:bodyPr>
+        <a:lstStyle/>
+        <a:p>
+          <a:pPr marL="0" lvl="0" indent="0" algn="ctr" defTabSz="711200">
+            <a:lnSpc>
+              <a:spcPct val="90000"/>
+            </a:lnSpc>
+            <a:spcBef>
+              <a:spcPct val="0"/>
+            </a:spcBef>
+            <a:spcAft>
+              <a:spcPct val="35000"/>
+            </a:spcAft>
+            <a:buNone/>
+          </a:pPr>
+          <a:r>
+            <a:rPr lang="en-US" altLang="zh-TW" sz="1600" kern="1200" dirty="0">
+              <a:latin typeface="標楷體" panose="03000509000000000000" pitchFamily="65" charset="-120"/>
+              <a:ea typeface="標楷體" panose="03000509000000000000" pitchFamily="65" charset="-120"/>
+            </a:rPr>
+            <a:t>RX</a:t>
+          </a:r>
+          <a:endParaRPr lang="zh-TW" altLang="en-US" sz="1600" kern="1200" dirty="0">
+            <a:latin typeface="標楷體" panose="03000509000000000000" pitchFamily="65" charset="-120"/>
+            <a:ea typeface="標楷體" panose="03000509000000000000" pitchFamily="65" charset="-120"/>
+          </a:endParaRPr>
+        </a:p>
+      </dsp:txBody>
+      <dsp:txXfrm>
+        <a:off x="8513592" y="1705282"/>
+        <a:ext cx="868781" cy="567418"/>
+      </dsp:txXfrm>
+    </dsp:sp>
+  </dsp:spTree>
+</dsp:drawing>
+</file>
+
+<file path=ppt/diagrams/layout1.xml><?xml version="1.0" encoding="utf-8"?>
+<dgm:layoutDef xmlns:dgm="http://schemas.openxmlformats.org/drawingml/2006/diagram" xmlns:a="http://schemas.openxmlformats.org/drawingml/2006/main" uniqueId="urn:microsoft.com/office/officeart/2005/8/layout/hierarchy6">
+  <dgm:title val=""/>
+  <dgm:desc val=""/>
+  <dgm:catLst>
+    <dgm:cat type="hierarchy" pri="3000"/>
+  </dgm:catLst>
+  <dgm:sampData>
+    <dgm:dataModel>
+      <dgm:ptLst>
+        <dgm:pt modelId="0" type="doc"/>
+        <dgm:pt modelId="1">
+          <dgm:prSet phldr="1"/>
+        </dgm:pt>
+        <dgm:pt modelId="2">
+          <dgm:prSet phldr="1"/>
+        </dgm:pt>
+        <dgm:pt modelId="21">
+          <dgm:prSet phldr="1"/>
+        </dgm:pt>
+        <dgm:pt modelId="22">
+          <dgm:prSet phldr="1"/>
+        </dgm:pt>
+        <dgm:pt modelId="3">
+          <dgm:prSet phldr="1"/>
+        </dgm:pt>
+        <dgm:pt modelId="31">
+          <dgm:prSet phldr="1"/>
+        </dgm:pt>
+        <dgm:pt modelId="4">
+          <dgm:prSet phldr="1"/>
+        </dgm:pt>
+        <dgm:pt modelId="5">
+          <dgm:prSet phldr="1"/>
+        </dgm:pt>
+        <dgm:pt modelId="6">
+          <dgm:prSet phldr="1"/>
+        </dgm:pt>
+      </dgm:ptLst>
+      <dgm:cxnLst>
+        <dgm:cxn modelId="7" srcId="0" destId="1" srcOrd="0" destOrd="0"/>
+        <dgm:cxn modelId="8" srcId="1" destId="2" srcOrd="0" destOrd="0"/>
+        <dgm:cxn modelId="9" srcId="1" destId="3" srcOrd="1" destOrd="0"/>
+        <dgm:cxn modelId="23" srcId="2" destId="21" srcOrd="0" destOrd="0"/>
+        <dgm:cxn modelId="24" srcId="2" destId="22" srcOrd="1" destOrd="0"/>
+        <dgm:cxn modelId="33" srcId="3" destId="31" srcOrd="0" destOrd="0"/>
+        <dgm:cxn modelId="10" srcId="0" destId="4" srcOrd="1" destOrd="0"/>
+        <dgm:cxn modelId="11" srcId="0" destId="5" srcOrd="2" destOrd="0"/>
+        <dgm:cxn modelId="12" srcId="0" destId="6" srcOrd="3" destOrd="0"/>
+      </dgm:cxnLst>
+      <dgm:bg/>
+      <dgm:whole/>
+    </dgm:dataModel>
+  </dgm:sampData>
+  <dgm:styleData>
+    <dgm:dataModel>
+      <dgm:ptLst>
+        <dgm:pt modelId="0" type="doc"/>
+        <dgm:pt modelId="1"/>
+        <dgm:pt modelId="11"/>
+        <dgm:pt modelId="12"/>
+        <dgm:pt modelId="2"/>
+        <dgm:pt modelId="3"/>
+      </dgm:ptLst>
+      <dgm:cxnLst>
+        <dgm:cxn modelId="4" srcId="0" destId="1" srcOrd="0" destOrd="0"/>
+        <dgm:cxn modelId="13" srcId="1" destId="11" srcOrd="0" destOrd="0"/>
+        <dgm:cxn modelId="14" srcId="1" destId="12" srcOrd="1" destOrd="0"/>
+        <dgm:cxn modelId="5" srcId="0" destId="2" srcOrd="1" destOrd="0"/>
+        <dgm:cxn modelId="6" srcId="0" destId="3" srcOrd="2" destOrd="0"/>
+      </dgm:cxnLst>
+      <dgm:bg/>
+      <dgm:whole/>
+    </dgm:dataModel>
+  </dgm:styleData>
+  <dgm:clrData>
+    <dgm:dataModel>
+      <dgm:ptLst>
+        <dgm:pt modelId="0" type="doc"/>
+        <dgm:pt modelId="1"/>
+        <dgm:pt modelId="2"/>
+        <dgm:pt modelId="21"/>
+        <dgm:pt modelId="211"/>
+        <dgm:pt modelId="3"/>
+        <dgm:pt modelId="31"/>
+        <dgm:pt modelId="311"/>
+        <dgm:pt modelId="4"/>
+        <dgm:pt modelId="5"/>
+        <dgm:pt modelId="6"/>
+        <dgm:pt modelId="7"/>
+      </dgm:ptLst>
+      <dgm:cxnLst>
+        <dgm:cxn modelId="8" srcId="0" destId="1" srcOrd="0" destOrd="0"/>
+        <dgm:cxn modelId="9" srcId="1" destId="2" srcOrd="0" destOrd="0"/>
+        <dgm:cxn modelId="10" srcId="1" destId="3" srcOrd="1" destOrd="0"/>
+        <dgm:cxn modelId="23" srcId="2" destId="21" srcOrd="0" destOrd="0"/>
+        <dgm:cxn modelId="24" srcId="21" destId="211" srcOrd="0" destOrd="0"/>
+        <dgm:cxn modelId="33" srcId="3" destId="31" srcOrd="0" destOrd="0"/>
+        <dgm:cxn modelId="34" srcId="31" destId="311" srcOrd="0" destOrd="0"/>
+        <dgm:cxn modelId="11" srcId="0" destId="4" srcOrd="1" destOrd="0"/>
+        <dgm:cxn modelId="12" srcId="0" destId="5" srcOrd="2" destOrd="0"/>
+        <dgm:cxn modelId="13" srcId="0" destId="6" srcOrd="3" destOrd="0"/>
+        <dgm:cxn modelId="14" srcId="0" destId="7" srcOrd="4" destOrd="0"/>
+      </dgm:cxnLst>
+      <dgm:bg/>
+      <dgm:whole/>
+    </dgm:dataModel>
+  </dgm:clrData>
+  <dgm:layoutNode name="mainComposite">
+    <dgm:varLst>
+      <dgm:chPref val="1"/>
+      <dgm:dir/>
+      <dgm:animOne val="branch"/>
+      <dgm:animLvl val="lvl"/>
+      <dgm:resizeHandles val="exact"/>
+    </dgm:varLst>
+    <dgm:alg type="composite">
+      <dgm:param type="vertAlign" val="mid"/>
+      <dgm:param type="horzAlign" val="ctr"/>
+    </dgm:alg>
+    <dgm:shape xmlns:r="http://schemas.openxmlformats.org/officeDocument/2006/relationships" r:blip="">
+      <dgm:adjLst/>
+    </dgm:shape>
+    <dgm:presOf/>
+    <dgm:choose name="Name0">
+      <dgm:if name="Name1" axis="ch" ptType="node" func="cnt" op="gte" val="2">
+        <dgm:choose name="Name2">
+          <dgm:if name="Name3" func="var" arg="dir" op="equ" val="norm">
+            <dgm:constrLst>
+              <dgm:constr type="l" for="ch" forName="hierFlow" refType="w" fact="0.3"/>
+              <dgm:constr type="t" for="ch" forName="hierFlow"/>
+              <dgm:constr type="r" for="ch" forName="hierFlow" refType="w" fact="0.98"/>
+              <dgm:constr type="b" for="ch" forName="hierFlow" refType="h" fact="0.98"/>
+              <dgm:constr type="l" for="ch" forName="bgShapesFlow"/>
+              <dgm:constr type="t" for="ch" forName="bgShapesFlow"/>
+              <dgm:constr type="r" for="ch" forName="bgShapesFlow" refType="w"/>
+              <dgm:constr type="b" for="ch" forName="bgShapesFlow" refType="h"/>
+              <dgm:constr type="w" for="des" forName="level1Shape" refType="w"/>
+              <dgm:constr type="h" for="des" forName="level1Shape" refType="w" refFor="des" refForName="level1Shape" fact="0.66667"/>
+              <dgm:constr type="w" for="des" forName="level2Shape" refType="w" refFor="des" refForName="level1Shape" op="equ"/>
+              <dgm:constr type="h" for="des" forName="level2Shape" refType="h" refFor="des" refForName="level1Shape" op="equ"/>
+              <dgm:constr type="sp" for="des" refType="h" refFor="des" refForName="level1Shape" op="equ" fact="0.4"/>
+              <dgm:constr type="sibSp" for="des" forName="hierChild1" refType="w" refFor="des" refForName="level1Shape" op="equ" fact="0.3"/>
+              <dgm:constr type="sibSp" for="des" forName="hierChild2" refType="sibSp" refFor="des" refForName="hierChild1" op="equ"/>
+              <dgm:constr type="sibSp" for="des" forName="hierChild3" refType="sibSp" refFor="des" refForName="hierChild1" op="equ"/>
+              <dgm:constr type="userA" for="des" refType="h" refFor="des" refForName="level1Shape" op="equ"/>
+              <dgm:constr type="userB" for="des" refType="sp" refFor="des" op="equ"/>
+              <dgm:constr type="h" for="des" forName="firstBuf" refType="h" refFor="des" refForName="level1Shape" fact="0.1"/>
+            </dgm:constrLst>
+          </dgm:if>
+          <dgm:else name="Name4">
+            <dgm:constrLst>
+              <dgm:constr type="l" for="ch" forName="hierFlow" refType="w" fact="0.02"/>
+              <dgm:constr type="t" for="ch" forName="hierFlow"/>
+              <dgm:constr type="r" for="ch" forName="hierFlow" refType="w" fact="0.7"/>
+              <dgm:constr type="b" for="ch" forName="hierFlow" refType="h" fact="0.98"/>
+              <dgm:constr type="l" for="ch" forName="bgShapesFlow"/>
+              <dgm:constr type="t" for="ch" forName="bgShapesFlow"/>
+              <dgm:constr type="r" for="ch" forName="bgShapesFlow" refType="w"/>
+              <dgm:constr type="b" for="ch" forName="bgShapesFlow" refType="h"/>
+              <dgm:constr type="w" for="des" forName="level1Shape" refType="w"/>
+              <dgm:constr type="h" for="des" forName="level1Shape" refType="w" refFor="des" refForName="level1Shape" fact="0.66667"/>
+              <dgm:constr type="w" for="des" forName="level2Shape" refType="w" refFor="des" refForName="level1Shape" op="equ"/>
+              <dgm:constr type="h" for="des" forName="level2Shape" refType="h" refFor="des" refForName="level1Shape" op="equ"/>
+              <dgm:constr type="sp" for="des" refType="h" refFor="des" refForName="level1Shape" op="equ" fact="0.4"/>
+              <dgm:constr type="sibSp" for="des" forName="hierChild1" refType="w" refFor="des" refForName="level1Shape" op="equ" fact="0.3"/>
+              <dgm:constr type="sibSp" for="des" forName="hierChild2" refType="sibSp" refFor="des" refForName="hierChild1" op="equ"/>
+              <dgm:constr type="sibSp" for="des" forName="hierChild3" refType="sibSp" refFor="des" refForName="hierChild1" op="equ"/>
+              <dgm:constr type="userA" for="des" refType="h" refFor="des" refForName="level1Shape" op="equ"/>
+              <dgm:constr type="userB" for="des" refType="sp" refFor="des" op="equ"/>
+              <dgm:constr type="h" for="des" forName="firstBuf" refType="h" refFor="des" refForName="level1Shape" fact="0.1"/>
+            </dgm:constrLst>
+          </dgm:else>
+        </dgm:choose>
+      </dgm:if>
+      <dgm:else name="Name5">
+        <dgm:constrLst>
+          <dgm:constr type="l" for="ch" forName="hierFlow"/>
+          <dgm:constr type="t" for="ch" forName="hierFlow"/>
+          <dgm:constr type="r" for="ch" forName="hierFlow" refType="w"/>
+          <dgm:constr type="b" for="ch" forName="hierFlow" refType="h"/>
+          <dgm:constr type="l" for="ch" forName="bgShapesFlow"/>
+          <dgm:constr type="t" for="ch" forName="bgShapesFlow"/>
+          <dgm:constr type="r" for="ch" forName="bgShapesFlow" refType="w"/>
+          <dgm:constr type="b" for="ch" forName="bgShapesFlow" refType="h"/>
+          <dgm:constr type="w" for="des" forName="level1Shape" refType="w"/>
+          <dgm:constr type="h" for="des" forName="level1Shape" refType="w" refFor="des" refForName="level1Shape" fact="0.66667"/>
+          <dgm:constr type="w" for="des" forName="level2Shape" refType="w" refFor="des" refForName="level1Shape" op="equ"/>
+          <dgm:constr type="h" for="des" forName="level2Shape" refType="h" refFor="des" refForName="level1Shape" op="equ"/>
+          <dgm:constr type="sp" for="des" refType="h" refFor="des" refForName="level1Shape" op="equ" fact="0.4"/>
+          <dgm:constr type="sibSp" for="des" forName="hierChild1" refType="w" refFor="des" refForName="level1Shape" op="equ" fact="0.3"/>
+          <dgm:constr type="sibSp" for="des" forName="hierChild2" refType="sibSp" refFor="des" refForName="hierChild1" op="equ"/>
+          <dgm:constr type="sibSp" for="des" forName="hierChild3" refType="sibSp" refFor="des" refForName="hierChild1" op="equ"/>
+          <dgm:constr type="userA" for="des" refType="h" refFor="des" refForName="level1Shape" op="equ"/>
+          <dgm:constr type="userB" for="des" refType="sp" refFor="des" op="equ"/>
+          <dgm:constr type="h" for="des" forName="firstBuf" refType="h" refFor="des" refForName="level1Shape" fact="0.1"/>
+        </dgm:constrLst>
+      </dgm:else>
+    </dgm:choose>
+    <dgm:ruleLst/>
+    <dgm:layoutNode name="hierFlow">
+      <dgm:alg type="lin">
+        <dgm:param type="linDir" val="fromT"/>
+        <dgm:param type="nodeVertAlign" val="t"/>
+        <dgm:param type="vertAlign" val="t"/>
+        <dgm:param type="nodeHorzAlign" val="ctr"/>
+        <dgm:param type="fallback" val="2D"/>
+      </dgm:alg>
+      <dgm:shape xmlns:r="http://schemas.openxmlformats.org/officeDocument/2006/relationships" r:blip="">
+        <dgm:adjLst/>
+      </dgm:shape>
+      <dgm:presOf/>
+      <dgm:constrLst/>
+      <dgm:ruleLst/>
+      <dgm:choose name="Name6">
+        <dgm:if name="Name7" axis="ch" ptType="node" func="cnt" op="gte" val="2">
+          <dgm:layoutNode name="firstBuf">
+            <dgm:alg type="sp"/>
+            <dgm:shape xmlns:r="http://schemas.openxmlformats.org/officeDocument/2006/relationships" r:blip="">
+              <dgm:adjLst/>
+            </dgm:shape>
+            <dgm:presOf/>
+            <dgm:constrLst/>
+            <dgm:ruleLst/>
+          </dgm:layoutNode>
+        </dgm:if>
+        <dgm:else name="Name8"/>
+      </dgm:choose>
+      <dgm:layoutNode name="hierChild1">
+        <dgm:varLst>
+          <dgm:chPref val="1"/>
+          <dgm:animOne val="branch"/>
+          <dgm:animLvl val="lvl"/>
+        </dgm:varLst>
+        <dgm:choose name="Name9">
+          <dgm:if name="Name10" func="var" arg="dir" op="equ" val="norm">
+            <dgm:alg type="hierChild">
+              <dgm:param type="linDir" val="fromL"/>
+              <dgm:param type="vertAlign" val="t"/>
+            </dgm:alg>
+          </dgm:if>
+          <dgm:else name="Name11">
+            <dgm:alg type="hierChild">
+              <dgm:param type="linDir" val="fromR"/>
+              <dgm:param type="vertAlign" val="t"/>
+            </dgm:alg>
+          </dgm:else>
+        </dgm:choose>
+        <dgm:shape xmlns:r="http://schemas.openxmlformats.org/officeDocument/2006/relationships" r:blip="">
+          <dgm:adjLst/>
+        </dgm:shape>
+        <dgm:presOf/>
+        <dgm:constrLst>
+          <dgm:constr type="primFontSz" for="des" ptType="node" op="equ"/>
+        </dgm:constrLst>
+        <dgm:ruleLst/>
+        <dgm:forEach name="Name12" axis="ch" cnt="3">
+          <dgm:forEach name="Name13" axis="self" ptType="node">
+            <dgm:layoutNode name="Name14">
+              <dgm:alg type="hierRoot"/>
+              <dgm:shape xmlns:r="http://schemas.openxmlformats.org/officeDocument/2006/relationships" r:blip="">
+                <dgm:adjLst/>
+              </dgm:shape>
+              <dgm:presOf/>
+              <dgm:constrLst/>
+              <dgm:ruleLst/>
+              <dgm:layoutNode name="level1Shape" styleLbl="node0">
+                <dgm:varLst>
+                  <dgm:chPref val="3"/>
+                </dgm:varLst>
+                <dgm:alg type="tx"/>
+                <dgm:shape xmlns:r="http://schemas.openxmlformats.org/officeDocument/2006/relationships" type="roundRect" r:blip="">
+                  <dgm:adjLst>
+                    <dgm:adj idx="1" val="0.1"/>
+                  </dgm:adjLst>
+                </dgm:shape>
+                <dgm:presOf axis="self"/>
+                <dgm:constrLst>
+                  <dgm:constr type="primFontSz" val="65"/>
+                  <dgm:constr type="tMarg" refType="primFontSz" fact="0.3"/>
+                  <dgm:constr type="bMarg" refType="primFontSz" fact="0.3"/>
+                  <dgm:constr type="lMarg" refType="primFontSz" fact="0.3"/>
+                  <dgm:constr type="rMarg" refType="primFontSz" fact="0.3"/>
+                </dgm:constrLst>
+                <dgm:ruleLst>
+                  <dgm:rule type="primFontSz" val="5" fact="NaN" max="NaN"/>
+                </dgm:ruleLst>
+              </dgm:layoutNode>
+              <dgm:layoutNode name="hierChild2">
+                <dgm:choose name="Name15">
+                  <dgm:if name="Name16" func="var" arg="dir" op="equ" val="norm">
+                    <dgm:alg type="hierChild">
+                      <dgm:param type="linDir" val="fromL"/>
+                    </dgm:alg>
+                  </dgm:if>
+                  <dgm:else name="Name17">
+                    <dgm:alg type="hierChild">
+                      <dgm:param type="linDir" val="fromR"/>
+                    </dgm:alg>
+                  </dgm:else>
+                </dgm:choose>
+                <dgm:shape xmlns:r="http://schemas.openxmlformats.org/officeDocument/2006/relationships" r:blip="">
+                  <dgm:adjLst/>
+                </dgm:shape>
+                <dgm:presOf/>
+                <dgm:constrLst/>
+                <dgm:ruleLst/>
+                <dgm:forEach name="repeat" axis="ch">
+                  <dgm:forEach name="Name18" axis="self" ptType="parTrans" cnt="1">
+                    <dgm:layoutNode name="Name19">
+                      <dgm:alg type="conn">
+                        <dgm:param type="dim" val="1D"/>
+                        <dgm:param type="endSty" val="noArr"/>
+                        <dgm:param type="connRout" val="bend"/>
+                        <dgm:param type="begPts" val="bCtr"/>
+                        <dgm:param type="endPts" val="tCtr"/>
+                      </dgm:alg>
+                      <dgm:shape xmlns:r="http://schemas.openxmlformats.org/officeDocument/2006/relationships" type="conn" r:blip="">
+                        <dgm:adjLst/>
+                      </dgm:shape>
+                      <dgm:presOf axis="self"/>
+                      <dgm:constrLst>
+                        <dgm:constr type="w" val="1"/>
+                        <dgm:constr type="h" val="1"/>
+                        <dgm:constr type="begPad"/>
+                        <dgm:constr type="endPad"/>
+                      </dgm:constrLst>
+                      <dgm:ruleLst/>
+                    </dgm:layoutNode>
+                  </dgm:forEach>
+                  <dgm:forEach name="Name20" axis="self" ptType="node">
+                    <dgm:layoutNode name="Name21">
+                      <dgm:alg type="hierRoot"/>
+                      <dgm:shape xmlns:r="http://schemas.openxmlformats.org/officeDocument/2006/relationships" r:blip="">
+                        <dgm:adjLst/>
+                      </dgm:shape>
+                      <dgm:presOf/>
+                      <dgm:constrLst/>
+                      <dgm:ruleLst/>
+                      <dgm:layoutNode name="level2Shape">
+                        <dgm:alg type="tx"/>
+                        <dgm:shape xmlns:r="http://schemas.openxmlformats.org/officeDocument/2006/relationships" type="roundRect" r:blip="">
+                          <dgm:adjLst>
+                            <dgm:adj idx="1" val="0.1"/>
+                          </dgm:adjLst>
+                        </dgm:shape>
+                        <dgm:presOf axis="self"/>
+                        <dgm:constrLst>
+                          <dgm:constr type="primFontSz" val="65"/>
+                          <dgm:constr type="tMarg" refType="primFontSz" fact="0.3"/>
+                          <dgm:constr type="bMarg" refType="primFontSz" fact="0.3"/>
+                          <dgm:constr type="lMarg" refType="primFontSz" fact="0.3"/>
+                          <dgm:constr type="rMarg" refType="primFontSz" fact="0.3"/>
+                        </dgm:constrLst>
+                        <dgm:ruleLst>
+                          <dgm:rule type="primFontSz" val="5" fact="NaN" max="NaN"/>
+                        </dgm:ruleLst>
+                      </dgm:layoutNode>
+                      <dgm:layoutNode name="hierChild3">
+                        <dgm:choose name="Name22">
+                          <dgm:if name="Name23" func="var" arg="dir" op="equ" val="norm">
+                            <dgm:alg type="hierChild">
+                              <dgm:param type="linDir" val="fromL"/>
+                            </dgm:alg>
+                          </dgm:if>
+                          <dgm:else name="Name24">
+                            <dgm:alg type="hierChild">
+                              <dgm:param type="linDir" val="fromR"/>
+                            </dgm:alg>
+                          </dgm:else>
+                        </dgm:choose>
+                        <dgm:shape xmlns:r="http://schemas.openxmlformats.org/officeDocument/2006/relationships" r:blip="">
+                          <dgm:adjLst/>
+                        </dgm:shape>
+                        <dgm:presOf/>
+                        <dgm:constrLst/>
+                        <dgm:ruleLst/>
+                        <dgm:forEach name="Name25" ref="repeat"/>
+                      </dgm:layoutNode>
+                    </dgm:layoutNode>
+                  </dgm:forEach>
+                </dgm:forEach>
+              </dgm:layoutNode>
+            </dgm:layoutNode>
+          </dgm:forEach>
+        </dgm:forEach>
+      </dgm:layoutNode>
+    </dgm:layoutNode>
+    <dgm:layoutNode name="bgShapesFlow">
+      <dgm:alg type="lin">
+        <dgm:param type="linDir" val="fromT"/>
+        <dgm:param type="nodeVertAlign" val="t"/>
+        <dgm:param type="vertAlign" val="t"/>
+        <dgm:param type="nodeHorzAlign" val="ctr"/>
+      </dgm:alg>
+      <dgm:shape xmlns:r="http://schemas.openxmlformats.org/officeDocument/2006/relationships" r:blip="">
+        <dgm:adjLst/>
+      </dgm:shape>
+      <dgm:presOf/>
+      <dgm:constrLst>
+        <dgm:constr type="userB"/>
+        <dgm:constr type="w" for="ch" forName="rectComp" refType="w"/>
+        <dgm:constr type="h" for="ch" forName="rectComp" refType="h"/>
+        <dgm:constr type="w" for="des" forName="bgRect" refType="w"/>
+        <dgm:constr type="primFontSz" for="des" forName="bgRectTx" op="equ"/>
+      </dgm:constrLst>
+      <dgm:ruleLst/>
+      <dgm:forEach name="Name26" axis="ch" ptType="node" st="2">
+        <dgm:layoutNode name="rectComp">
+          <dgm:alg type="composite">
+            <dgm:param type="vertAlign" val="t"/>
+            <dgm:param type="horzAlign" val="ctr"/>
+          </dgm:alg>
+          <dgm:shape xmlns:r="http://schemas.openxmlformats.org/officeDocument/2006/relationships" r:blip="">
+            <dgm:adjLst/>
+          </dgm:shape>
+          <dgm:presOf/>
+          <dgm:choose name="Name27">
+            <dgm:if name="Name28" func="var" arg="dir" op="equ" val="norm">
+              <dgm:constrLst>
+                <dgm:constr type="userA"/>
+                <dgm:constr type="l" for="ch" forName="bgRect"/>
+                <dgm:constr type="t" for="ch" forName="bgRect"/>
+                <dgm:constr type="h" for="ch" forName="bgRect" refType="userA" fact="1.2"/>
+                <dgm:constr type="l" for="ch" forName="bgRectTx"/>
+                <dgm:constr type="t" for="ch" forName="bgRectTx"/>
+                <dgm:constr type="w" for="ch" forName="bgRectTx" refType="w" refFor="ch" refForName="bgRect" fact="0.3"/>
+                <dgm:constr type="h" for="ch" forName="bgRectTx" refType="h" refFor="ch" refForName="bgRect" op="equ"/>
+              </dgm:constrLst>
+            </dgm:if>
+            <dgm:else name="Name29">
+              <dgm:constrLst>
+                <dgm:constr type="userA"/>
+                <dgm:constr type="l" for="ch" forName="bgRect"/>
+                <dgm:constr type="t" for="ch" forName="bgRect"/>
+                <dgm:constr type="h" for="ch" forName="bgRect" refType="userA" fact="1.2"/>
+                <dgm:constr type="r" for="ch" forName="bgRectTx" refType="w"/>
+                <dgm:constr type="t" for="ch" forName="bgRectTx"/>
+                <dgm:constr type="w" for="ch" forName="bgRectTx" refType="w" refFor="ch" refForName="bgRect" fact="0.3"/>
+                <dgm:constr type="h" for="ch" forName="bgRectTx" refType="h" refFor="ch" refForName="bgRect" op="equ"/>
+              </dgm:constrLst>
+            </dgm:else>
+          </dgm:choose>
+          <dgm:ruleLst/>
+          <dgm:layoutNode name="bgRect" styleLbl="bgShp">
+            <dgm:alg type="sp"/>
+            <dgm:shape xmlns:r="http://schemas.openxmlformats.org/officeDocument/2006/relationships" type="roundRect" r:blip="" zOrderOff="-999">
+              <dgm:adjLst>
+                <dgm:adj idx="1" val="0.1"/>
+              </dgm:adjLst>
+            </dgm:shape>
+            <dgm:presOf axis="desOrSelf" ptType="node"/>
+            <dgm:constrLst/>
+            <dgm:ruleLst/>
+          </dgm:layoutNode>
+          <dgm:layoutNode name="bgRectTx" styleLbl="bgShp">
+            <dgm:varLst>
+              <dgm:bulletEnabled val="1"/>
+            </dgm:varLst>
+            <dgm:alg type="tx"/>
+            <dgm:presOf axis="desOrSelf" ptType="node"/>
+            <dgm:shape xmlns:r="http://schemas.openxmlformats.org/officeDocument/2006/relationships" type="rect" r:blip="" zOrderOff="-999" hideGeom="1">
+              <dgm:adjLst/>
+            </dgm:shape>
+            <dgm:constrLst>
+              <dgm:constr type="primFontSz" val="65"/>
+            </dgm:constrLst>
+            <dgm:ruleLst>
+              <dgm:rule type="primFontSz" val="5" fact="NaN" max="NaN"/>
+            </dgm:ruleLst>
+          </dgm:layoutNode>
+        </dgm:layoutNode>
+        <dgm:choose name="Name30">
+          <dgm:if name="Name31" axis="self" ptType="node" func="revPos" op="gte" val="2">
+            <dgm:layoutNode name="spComp">
+              <dgm:alg type="composite">
+                <dgm:param type="vertAlign" val="t"/>
+                <dgm:param type="horzAlign" val="ctr"/>
+              </dgm:alg>
+              <dgm:shape xmlns:r="http://schemas.openxmlformats.org/officeDocument/2006/relationships" r:blip="">
+                <dgm:adjLst/>
+              </dgm:shape>
+              <dgm:presOf/>
+              <dgm:constrLst>
+                <dgm:constr type="userA"/>
+                <dgm:constr type="userB"/>
+                <dgm:constr type="l" for="ch" forName="vSp"/>
+                <dgm:constr type="t" for="ch" forName="vSp"/>
+                <dgm:constr type="h" for="ch" forName="vSp" refType="userB"/>
+                <dgm:constr type="hOff" for="ch" forName="vSp" refType="userA" fact="-0.2"/>
+              </dgm:constrLst>
+              <dgm:ruleLst/>
+              <dgm:layoutNode name="vSp">
+                <dgm:alg type="sp"/>
+                <dgm:shape xmlns:r="http://schemas.openxmlformats.org/officeDocument/2006/relationships" r:blip="">
+                  <dgm:adjLst/>
+                </dgm:shape>
+                <dgm:presOf/>
+                <dgm:constrLst/>
+                <dgm:ruleLst/>
+              </dgm:layoutNode>
+            </dgm:layoutNode>
+          </dgm:if>
+          <dgm:else name="Name32"/>
+        </dgm:choose>
+      </dgm:forEach>
+    </dgm:layoutNode>
+  </dgm:layoutNode>
+</dgm:layoutDef>
+</file>
+
+<file path=ppt/diagrams/quickStyle1.xml><?xml version="1.0" encoding="utf-8"?>
+<dgm:styleDef xmlns:dgm="http://schemas.openxmlformats.org/drawingml/2006/diagram" xmlns:a="http://schemas.openxmlformats.org/drawingml/2006/main" uniqueId="urn:microsoft.com/office/officeart/2005/8/quickstyle/simple3">
+  <dgm:title val=""/>
+  <dgm:desc val=""/>
+  <dgm:catLst>
+    <dgm:cat type="simple" pri="10300"/>
+  </dgm:catLst>
+  <dgm:scene3d>
+    <a:camera prst="orthographicFront"/>
+    <a:lightRig rig="threePt" dir="t"/>
+  </dgm:scene3d>
+  <dgm:styleLbl name="node0">
+    <dgm:scene3d>
+      <a:camera prst="orthographicFront"/>
+      <a:lightRig rig="flat" dir="t"/>
+    </dgm:scene3d>
+    <dgm:sp3d prstMaterial="dkEdge">
+      <a:bevelT w="8200" h="38100"/>
+    </dgm:sp3d>
+    <dgm:txPr/>
+    <dgm:style>
+      <a:lnRef idx="0">
+        <a:scrgbClr r="0" g="0" b="0"/>
+      </a:lnRef>
+      <a:fillRef idx="2">
+        <a:scrgbClr r="0" g="0" b="0"/>
+      </a:fillRef>
+      <a:effectRef idx="1">
+        <a:scrgbClr r="0" g="0" b="0"/>
+      </a:effectRef>
+      <a:fontRef idx="minor">
+        <a:schemeClr val="dk1"/>
+      </a:fontRef>
+    </dgm:style>
+  </dgm:styleLbl>
+  <dgm:styleLbl name="lnNode1">
+    <dgm:scene3d>
+      <a:camera prst="orthographicFront"/>
+      <a:lightRig rig="flat" dir="t"/>
+    </dgm:scene3d>
+    <dgm:sp3d prstMaterial="dkEdge">
+      <a:bevelT w="8200" h="38100"/>
+    </dgm:sp3d>
+    <dgm:txPr/>
+    <dgm:style>
+      <a:lnRef idx="1">
+        <a:scrgbClr r="0" g="0" b="0"/>
+      </a:lnRef>
+      <a:fillRef idx="2">
+        <a:scrgbClr r="0" g="0" b="0"/>
+      </a:fillRef>
+      <a:effectRef idx="0">
+        <a:scrgbClr r="0" g="0" b="0"/>
+      </a:effectRef>
+      <a:fontRef idx="minor">
+        <a:schemeClr val="dk1"/>
+      </a:fontRef>
+    </dgm:style>
+  </dgm:styleLbl>
+  <dgm:styleLbl name="vennNode1">
+    <dgm:scene3d>
+      <a:camera prst="orthographicFront"/>
+      <a:lightRig rig="flat" dir="t"/>
+    </dgm:scene3d>
+    <dgm:sp3d prstMaterial="dkEdge">
+      <a:bevelT w="8200" h="38100"/>
+    </dgm:sp3d>
+    <dgm:txPr/>
+    <dgm:style>
+      <a:lnRef idx="0">
+        <a:scrgbClr r="0" g="0" b="0"/>
+      </a:lnRef>
+      <a:fillRef idx="2">
+        <a:scrgbClr r="0" g="0" b="0"/>
+      </a:fillRef>
+      <a:effectRef idx="0">
+        <a:scrgbClr r="0" g="0" b="0"/>
+      </a:effectRef>
+      <a:fontRef idx="minor">
+        <a:schemeClr val="tx1"/>
+      </a:fontRef>
+    </dgm:style>
+  </dgm:styleLbl>
+  <dgm:styleLbl name="alignNode1">
+    <dgm:scene3d>
+      <a:camera prst="orthographicFront"/>
+      <a:lightRig rig="threePt" dir="t"/>
+    </dgm:scene3d>
+    <dgm:sp3d/>
+    <dgm:txPr/>
+    <dgm:style>
+      <a:lnRef idx="1">
+        <a:scrgbClr r="0" g="0" b="0"/>
+      </a:lnRef>
+      <a:fillRef idx="2">
+        <a:scrgbClr r="0" g="0" b="0"/>
+      </a:fillRef>
+      <a:effectRef idx="1">
+        <a:scrgbClr r="0" g="0" b="0"/>
+      </a:effectRef>
+      <a:fontRef idx="minor">
+        <a:schemeClr val="dk1"/>
+      </a:fontRef>
+    </dgm:style>
+  </dgm:styleLbl>
+  <dgm:styleLbl name="node1">
+    <dgm:scene3d>
+      <a:camera prst="orthographicFront"/>
+      <a:lightRig rig="flat" dir="t"/>
+    </dgm:scene3d>
+    <dgm:sp3d prstMaterial="dkEdge">
+      <a:bevelT w="8200" h="38100"/>
+    </dgm:sp3d>
+    <dgm:txPr/>
+    <dgm:style>
+      <a:lnRef idx="0">
+        <a:scrgbClr r="0" g="0" b="0"/>
+      </a:lnRef>
+      <a:fillRef idx="2">
+        <a:scrgbClr r="0" g="0" b="0"/>
+      </a:fillRef>
+      <a:effectRef idx="1">
+        <a:scrgbClr r="0" g="0" b="0"/>
+      </a:effectRef>
+      <a:fontRef idx="minor">
+        <a:schemeClr val="dk1"/>
+      </a:fontRef>
+    </dgm:style>
+  </dgm:styleLbl>
+  <dgm:styleLbl name="node2">
+    <dgm:scene3d>
+      <a:camera prst="orthographicFront"/>
+      <a:lightRig rig="flat" dir="t"/>
+    </dgm:scene3d>
+    <dgm:sp3d prstMaterial="dkEdge">
+      <a:bevelT w="8200" h="38100"/>
+    </dgm:sp3d>
+    <dgm:txPr/>
+    <dgm:style>
+      <a:lnRef idx="0">
+        <a:scrgbClr r="0" g="0" b="0"/>
+      </a:lnRef>
+      <a:fillRef idx="2">
+        <a:scrgbClr r="0" g="0" b="0"/>
+      </a:fillRef>
+      <a:effectRef idx="1">
+        <a:scrgbClr r="0" g="0" b="0"/>
+      </a:effectRef>
+      <a:fontRef idx="minor">
+        <a:schemeClr val="dk1"/>
+      </a:fontRef>
+    </dgm:style>
+  </dgm:styleLbl>
+  <dgm:styleLbl name="node3">
+    <dgm:scene3d>
+      <a:camera prst="orthographicFront"/>
+      <a:lightRig rig="flat" dir="t"/>
+    </dgm:scene3d>
+    <dgm:sp3d prstMaterial="dkEdge">
+      <a:bevelT w="8200" h="38100"/>
+    </dgm:sp3d>
+    <dgm:txPr/>
+    <dgm:style>
+      <a:lnRef idx="0">
+        <a:scrgbClr r="0" g="0" b="0"/>
+      </a:lnRef>
+      <a:fillRef idx="2">
+        <a:scrgbClr r="0" g="0" b="0"/>
+      </a:fillRef>
+      <a:effectRef idx="1">
+        <a:scrgbClr r="0" g="0" b="0"/>
+      </a:effectRef>
+      <a:fontRef idx="minor">
+        <a:schemeClr val="dk1"/>
+      </a:fontRef>
+    </dgm:style>
+  </dgm:styleLbl>
+  <dgm:styleLbl name="node4">
+    <dgm:scene3d>
+      <a:camera prst="orthographicFront"/>
+      <a:lightRig rig="flat" dir="t"/>
+    </dgm:scene3d>
+    <dgm:sp3d prstMaterial="dkEdge">
+      <a:bevelT w="8200" h="38100"/>
+    </dgm:sp3d>
+    <dgm:txPr/>
+    <dgm:style>
+      <a:lnRef idx="0">
+        <a:scrgbClr r="0" g="0" b="0"/>
+      </a:lnRef>
+      <a:fillRef idx="2">
+        <a:scrgbClr r="0" g="0" b="0"/>
+      </a:fillRef>
+      <a:effectRef idx="1">
+        <a:scrgbClr r="0" g="0" b="0"/>
+      </a:effectRef>
+      <a:fontRef idx="minor">
+        <a:schemeClr val="dk1"/>
+      </a:fontRef>
+    </dgm:style>
+  </dgm:styleLbl>
+  <dgm:styleLbl name="fgImgPlace1">
+    <dgm:scene3d>
+      <a:camera prst="orthographicFront"/>
+      <a:lightRig rig="threePt" dir="t"/>
+    </dgm:scene3d>
+    <dgm:sp3d/>
+    <dgm:txPr/>
+    <dgm:style>
+      <a:lnRef idx="1">
+        <a:scrgbClr r="0" g="0" b="0"/>
+      </a:lnRef>
+      <a:fillRef idx="1">
+        <a:scrgbClr r="0" g="0" b="0"/>
+      </a:fillRef>
+      <a:effectRef idx="1">
+        <a:scrgbClr r="0" g="0" b="0"/>
+      </a:effectRef>
+      <a:fontRef idx="minor"/>
+    </dgm:style>
+  </dgm:styleLbl>
+  <dgm:styleLbl name="alignImgPlace1">
+    <dgm:scene3d>
+      <a:camera prst="orthographicFront"/>
+      <a:lightRig rig="threePt" dir="t"/>
+    </dgm:scene3d>
+    <dgm:sp3d/>
+    <dgm:txPr/>
+    <dgm:style>
+      <a:lnRef idx="1">
+        <a:scrgbClr r="0" g="0" b="0"/>
+      </a:lnRef>
+      <a:fillRef idx="1">
+        <a:scrgbClr r="0" g="0" b="0"/>
+      </a:fillRef>
+      <a:effectRef idx="1">
+        <a:scrgbClr r="0" g="0" b="0"/>
+      </a:effectRef>
+      <a:fontRef idx="minor"/>
+    </dgm:style>
+  </dgm:styleLbl>
+  <dgm:styleLbl name="bgImgPlace1">
+    <dgm:scene3d>
+      <a:camera prst="orthographicFront"/>
+      <a:lightRig rig="threePt" dir="t"/>
+    </dgm:scene3d>
+    <dgm:sp3d/>
+    <dgm:txPr/>
+    <dgm:style>
+      <a:lnRef idx="1">
+        <a:scrgbClr r="0" g="0" b="0"/>
+      </a:lnRef>
+      <a:fillRef idx="1">
+        <a:scrgbClr r="0" g="0" b="0"/>
+      </a:fillRef>
+      <a:effectRef idx="1">
+        <a:scrgbClr r="0" g="0" b="0"/>
+      </a:effectRef>
+      <a:fontRef idx="minor"/>
+    </dgm:style>
+  </dgm:styleLbl>
+  <dgm:styleLbl name="sibTrans2D1">
+    <dgm:scene3d>
+      <a:camera prst="orthographicFront"/>
+      <a:lightRig rig="threePt" dir="t"/>
+    </dgm:scene3d>
+    <dgm:sp3d/>
+    <dgm:txPr/>
+    <dgm:style>
+      <a:lnRef idx="0">
+        <a:scrgbClr r="0" g="0" b="0"/>
+      </a:lnRef>
+      <a:fillRef idx="2">
+        <a:scrgbClr r="0" g="0" b="0"/>
+      </a:fillRef>
+      <a:effectRef idx="1">
+        <a:scrgbClr r="0" g="0" b="0"/>
+      </a:effectRef>
+      <a:fontRef idx="minor">
+        <a:schemeClr val="dk1"/>
+      </a:fontRef>
+    </dgm:style>
+  </dgm:styleLbl>
+  <dgm:styleLbl name="fgSibTrans2D1">
+    <dgm:scene3d>
+      <a:camera prst="orthographicFront"/>
+      <a:lightRig rig="threePt" dir="t"/>
+    </dgm:scene3d>
+    <dgm:sp3d/>
+    <dgm:txPr/>
+    <dgm:style>
+      <a:lnRef idx="0">
+        <a:scrgbClr r="0" g="0" b="0"/>
+      </a:lnRef>
+      <a:fillRef idx="2">
+        <a:scrgbClr r="0" g="0" b="0"/>
+      </a:fillRef>
+      <a:effectRef idx="1">
+        <a:scrgbClr r="0" g="0" b="0"/>
+      </a:effectRef>
+      <a:fontRef idx="minor">
+        <a:schemeClr val="dk1"/>
+      </a:fontRef>
+    </dgm:style>
+  </dgm:styleLbl>
+  <dgm:styleLbl name="bgSibTrans2D1">
+    <dgm:scene3d>
+      <a:camera prst="orthographicFront"/>
+      <a:lightRig rig="threePt" dir="t"/>
+    </dgm:scene3d>
+    <dgm:sp3d/>
+    <dgm:txPr/>
+    <dgm:style>
+      <a:lnRef idx="0">
+        <a:scrgbClr r="0" g="0" b="0"/>
+      </a:lnRef>
+      <a:fillRef idx="2">
+        <a:scrgbClr r="0" g="0" b="0"/>
+      </a:fillRef>
+      <a:effectRef idx="1">
+        <a:scrgbClr r="0" g="0" b="0"/>
+      </a:effectRef>
+      <a:fontRef idx="minor">
+        <a:schemeClr val="dk1"/>
+      </a:fontRef>
+    </dgm:style>
+  </dgm:styleLbl>
+  <dgm:styleLbl name="sibTrans1D1">
+    <dgm:scene3d>
+      <a:camera prst="orthographicFront"/>
+      <a:lightRig rig="threePt" dir="t"/>
+    </dgm:scene3d>
+    <dgm:sp3d/>
+    <dgm:txPr/>
+    <dgm:style>
+      <a:lnRef idx="1">
+        <a:scrgbClr r="0" g="0" b="0"/>
+      </a:lnRef>
+      <a:fillRef idx="0">
+        <a:scrgbClr r="0" g="0" b="0"/>
+      </a:fillRef>
+      <a:effectRef idx="0">
+        <a:scrgbClr r="0" g="0" b="0"/>
+      </a:effectRef>
+      <a:fontRef idx="minor"/>
+    </dgm:style>
+  </dgm:styleLbl>
+  <dgm:styleLbl name="callout">
+    <dgm:scene3d>
+      <a:camera prst="orthographicFront"/>
+      <a:lightRig rig="threePt" dir="t"/>
+    </dgm:scene3d>
+    <dgm:sp3d/>
+    <dgm:txPr/>
+    <dgm:style>
+      <a:lnRef idx="1">
+        <a:scrgbClr r="0" g="0" b="0"/>
+      </a:lnRef>
+      <a:fillRef idx="2">
+        <a:scrgbClr r="0" g="0" b="0"/>
+      </a:fillRef>
+      <a:effectRef idx="1">
+        <a:scrgbClr r="0" g="0" b="0"/>
+      </a:effectRef>
+      <a:fontRef idx="minor"/>
+    </dgm:style>
+  </dgm:styleLbl>
+  <dgm:styleLbl name="asst0">
+    <dgm:scene3d>
+      <a:camera prst="orthographicFront"/>
+      <a:lightRig rig="flat" dir="t"/>
+    </dgm:scene3d>
+    <dgm:sp3d prstMaterial="dkEdge">
+      <a:bevelT w="8200" h="38100"/>
+    </dgm:sp3d>
+    <dgm:txPr/>
+    <dgm:style>
+      <a:lnRef idx="0">
+        <a:scrgbClr r="0" g="0" b="0"/>
+      </a:lnRef>
+      <a:fillRef idx="2">
+        <a:scrgbClr r="0" g="0" b="0"/>
+      </a:fillRef>
+      <a:effectRef idx="1">
+        <a:scrgbClr r="0" g="0" b="0"/>
+      </a:effectRef>
+      <a:fontRef idx="minor">
+        <a:schemeClr val="dk1"/>
+      </a:fontRef>
+    </dgm:style>
+  </dgm:styleLbl>
+  <dgm:styleLbl name="asst1">
+    <dgm:scene3d>
+      <a:camera prst="orthographicFront"/>
+      <a:lightRig rig="flat" dir="t"/>
+    </dgm:scene3d>
+    <dgm:sp3d prstMaterial="dkEdge">
+      <a:bevelT w="8200" h="38100"/>
+    </dgm:sp3d>
+    <dgm:txPr/>
+    <dgm:style>
+      <a:lnRef idx="0">
+        <a:scrgbClr r="0" g="0" b="0"/>
+      </a:lnRef>
+      <a:fillRef idx="2">
+        <a:scrgbClr r="0" g="0" b="0"/>
+      </a:fillRef>
+      <a:effectRef idx="1">
+        <a:scrgbClr r="0" g="0" b="0"/>
+      </a:effectRef>
+      <a:fontRef idx="minor">
+        <a:schemeClr val="dk1"/>
+      </a:fontRef>
+    </dgm:style>
+  </dgm:styleLbl>
+  <dgm:styleLbl name="asst2">
+    <dgm:scene3d>
+      <a:camera prst="orthographicFront"/>
+      <a:lightRig rig="flat" dir="t"/>
+    </dgm:scene3d>
+    <dgm:sp3d prstMaterial="dkEdge">
+      <a:bevelT w="8200" h="38100"/>
+    </dgm:sp3d>
+    <dgm:txPr/>
+    <dgm:style>
+      <a:lnRef idx="0">
+        <a:scrgbClr r="0" g="0" b="0"/>
+      </a:lnRef>
+      <a:fillRef idx="2">
+        <a:scrgbClr r="0" g="0" b="0"/>
+      </a:fillRef>
+      <a:effectRef idx="1">
+        <a:scrgbClr r="0" g="0" b="0"/>
+      </a:effectRef>
+      <a:fontRef idx="minor">
+        <a:schemeClr val="dk1"/>
+      </a:fontRef>
+    </dgm:style>
+  </dgm:styleLbl>
+  <dgm:styleLbl name="asst3">
+    <dgm:scene3d>
+      <a:camera prst="orthographicFront"/>
+      <a:lightRig rig="flat" dir="t"/>
+    </dgm:scene3d>
+    <dgm:sp3d prstMaterial="dkEdge">
+      <a:bevelT w="8200" h="38100"/>
+    </dgm:sp3d>
+    <dgm:txPr/>
+    <dgm:style>
+      <a:lnRef idx="0">
+        <a:scrgbClr r="0" g="0" b="0"/>
+      </a:lnRef>
+      <a:fillRef idx="2">
+        <a:scrgbClr r="0" g="0" b="0"/>
+      </a:fillRef>
+      <a:effectRef idx="1">
+        <a:scrgbClr r="0" g="0" b="0"/>
+      </a:effectRef>
+      <a:fontRef idx="minor">
+        <a:schemeClr val="dk1"/>
+      </a:fontRef>
+    </dgm:style>
+  </dgm:styleLbl>
+  <dgm:styleLbl name="asst4">
+    <dgm:scene3d>
+      <a:camera prst="orthographicFront"/>
+      <a:lightRig rig="flat" dir="t"/>
+    </dgm:scene3d>
+    <dgm:sp3d prstMaterial="dkEdge">
+      <a:bevelT w="8200" h="38100"/>
+    </dgm:sp3d>
+    <dgm:txPr/>
+    <dgm:style>
+      <a:lnRef idx="0">
+        <a:scrgbClr r="0" g="0" b="0"/>
+      </a:lnRef>
+      <a:fillRef idx="2">
+        <a:scrgbClr r="0" g="0" b="0"/>
+      </a:fillRef>
+      <a:effectRef idx="1">
+        <a:scrgbClr r="0" g="0" b="0"/>
+      </a:effectRef>
+      <a:fontRef idx="minor">
+        <a:schemeClr val="dk1"/>
+      </a:fontRef>
+    </dgm:style>
+  </dgm:styleLbl>
+  <dgm:styleLbl name="parChTrans2D1">
+    <dgm:scene3d>
+      <a:camera prst="orthographicFront"/>
+      <a:lightRig rig="threePt" dir="t"/>
+    </dgm:scene3d>
+    <dgm:sp3d/>
+    <dgm:txPr/>
+    <dgm:style>
+      <a:lnRef idx="1">
+        <a:scrgbClr r="0" g="0" b="0"/>
+      </a:lnRef>
+      <a:fillRef idx="2">
+        <a:scrgbClr r="0" g="0" b="0"/>
+      </a:fillRef>
+      <a:effectRef idx="1">
+        <a:scrgbClr r="0" g="0" b="0"/>
+      </a:effectRef>
+      <a:fontRef idx="minor">
+        <a:schemeClr val="dk1"/>
+      </a:fontRef>
+    </dgm:style>
+  </dgm:styleLbl>
+  <dgm:styleLbl name="parChTrans2D2">
+    <dgm:scene3d>
+      <a:camera prst="orthographicFront"/>
+      <a:lightRig rig="threePt" dir="t"/>
+    </dgm:scene3d>
+    <dgm:sp3d/>
+    <dgm:txPr/>
+    <dgm:style>
+      <a:lnRef idx="1">
+        <a:scrgbClr r="0" g="0" b="0"/>
+      </a:lnRef>
+      <a:fillRef idx="2">
+        <a:scrgbClr r="0" g="0" b="0"/>
+      </a:fillRef>
+      <a:effectRef idx="1">
+        <a:scrgbClr r="0" g="0" b="0"/>
+      </a:effectRef>
+      <a:fontRef idx="minor">
+        <a:schemeClr val="dk1"/>
+      </a:fontRef>
+    </dgm:style>
+  </dgm:styleLbl>
+  <dgm:styleLbl name="parChTrans2D3">
+    <dgm:scene3d>
+      <a:camera prst="orthographicFront"/>
+      <a:lightRig rig="threePt" dir="t"/>
+    </dgm:scene3d>
+    <dgm:sp3d/>
+    <dgm:txPr/>
+    <dgm:style>
+      <a:lnRef idx="1">
+        <a:scrgbClr r="0" g="0" b="0"/>
+      </a:lnRef>
+      <a:fillRef idx="2">
+        <a:scrgbClr r="0" g="0" b="0"/>
+      </a:fillRef>
+      <a:effectRef idx="1">
+        <a:scrgbClr r="0" g="0" b="0"/>
+      </a:effectRef>
+      <a:fontRef idx="minor">
+        <a:schemeClr val="dk1"/>
+      </a:fontRef>
+    </dgm:style>
+  </dgm:styleLbl>
+  <dgm:styleLbl name="parChTrans2D4">
+    <dgm:scene3d>
+      <a:camera prst="orthographicFront"/>
+      <a:lightRig rig="threePt" dir="t"/>
+    </dgm:scene3d>
+    <dgm:sp3d/>
+    <dgm:txPr/>
+    <dgm:style>
+      <a:lnRef idx="1">
+        <a:scrgbClr r="0" g="0" b="0"/>
+      </a:lnRef>
+      <a:fillRef idx="2">
+        <a:scrgbClr r="0" g="0" b="0"/>
+      </a:fillRef>
+      <a:effectRef idx="1">
+        <a:scrgbClr r="0" g="0" b="0"/>
+      </a:effectRef>
+      <a:fontRef idx="minor">
+        <a:schemeClr val="dk1"/>
+      </a:fontRef>
+    </dgm:style>
+  </dgm:styleLbl>
+  <dgm:styleLbl name="parChTrans1D1">
+    <dgm:scene3d>
+      <a:camera prst="orthographicFront"/>
+      <a:lightRig rig="threePt" dir="t"/>
+    </dgm:scene3d>
+    <dgm:sp3d/>
+    <dgm:txPr/>
+    <dgm:style>
+      <a:lnRef idx="2">
+        <a:scrgbClr r="0" g="0" b="0"/>
+      </a:lnRef>
+      <a:fillRef idx="0">
+        <a:scrgbClr r="0" g="0" b="0"/>
+      </a:fillRef>
+      <a:effectRef idx="0">
+        <a:scrgbClr r="0" g="0" b="0"/>
+      </a:effectRef>
+      <a:fontRef idx="minor"/>
+    </dgm:style>
+  </dgm:styleLbl>
+  <dgm:styleLbl name="parChTrans1D2">
+    <dgm:scene3d>
+      <a:camera prst="orthographicFront"/>
+      <a:lightRig rig="threePt" dir="t"/>
+    </dgm:scene3d>
+    <dgm:sp3d/>
+    <dgm:txPr/>
+    <dgm:style>
+      <a:lnRef idx="2">
+        <a:scrgbClr r="0" g="0" b="0"/>
+      </a:lnRef>
+      <a:fillRef idx="0">
+        <a:scrgbClr r="0" g="0" b="0"/>
+      </a:fillRef>
+      <a:effectRef idx="0">
+        <a:scrgbClr r="0" g="0" b="0"/>
+      </a:effectRef>
+      <a:fontRef idx="minor"/>
+    </dgm:style>
+  </dgm:styleLbl>
+  <dgm:styleLbl name="parChTrans1D3">
+    <dgm:scene3d>
+      <a:camera prst="orthographicFront"/>
+      <a:lightRig rig="threePt" dir="t"/>
+    </dgm:scene3d>
+    <dgm:sp3d/>
+    <dgm:txPr/>
+    <dgm:style>
+      <a:lnRef idx="2">
+        <a:scrgbClr r="0" g="0" b="0"/>
+      </a:lnRef>
+      <a:fillRef idx="0">
+        <a:scrgbClr r="0" g="0" b="0"/>
+      </a:fillRef>
+      <a:effectRef idx="0">
+        <a:scrgbClr r="0" g="0" b="0"/>
+      </a:effectRef>
+      <a:fontRef idx="minor"/>
+    </dgm:style>
+  </dgm:styleLbl>
+  <dgm:styleLbl name="parChTrans1D4">
+    <dgm:scene3d>
+      <a:camera prst="orthographicFront"/>
+      <a:lightRig rig="threePt" dir="t"/>
+    </dgm:scene3d>
+    <dgm:sp3d/>
+    <dgm:txPr/>
+    <dgm:style>
+      <a:lnRef idx="2">
+        <a:scrgbClr r="0" g="0" b="0"/>
+      </a:lnRef>
+      <a:fillRef idx="0">
+        <a:scrgbClr r="0" g="0" b="0"/>
+      </a:fillRef>
+      <a:effectRef idx="0">
+        <a:scrgbClr r="0" g="0" b="0"/>
+      </a:effectRef>
+      <a:fontRef idx="minor"/>
+    </dgm:style>
+  </dgm:styleLbl>
+  <dgm:styleLbl name="fgAcc1">
+    <dgm:scene3d>
+      <a:camera prst="orthographicFront"/>
+      <a:lightRig rig="threePt" dir="t"/>
+    </dgm:scene3d>
+    <dgm:sp3d/>
+    <dgm:txPr/>
+    <dgm:style>
+      <a:lnRef idx="1">
+        <a:scrgbClr r="0" g="0" b="0"/>
+      </a:lnRef>
+      <a:fillRef idx="1">
+        <a:scrgbClr r="0" g="0" b="0"/>
+      </a:fillRef>
+      <a:effectRef idx="0">
+        <a:scrgbClr r="0" g="0" b="0"/>
+      </a:effectRef>
+      <a:fontRef idx="minor"/>
+    </dgm:style>
+  </dgm:styleLbl>
+  <dgm:styleLbl name="conFgAcc1">
+    <dgm:scene3d>
+      <a:camera prst="orthographicFront"/>
+      <a:lightRig rig="threePt" dir="t"/>
+    </dgm:scene3d>
+    <dgm:sp3d/>
+    <dgm:txPr/>
+    <dgm:style>
+      <a:lnRef idx="1">
+        <a:scrgbClr r="0" g="0" b="0"/>
+      </a:lnRef>
+      <a:fillRef idx="1">
+        <a:scrgbClr r="0" g="0" b="0"/>
+      </a:fillRef>
+      <a:effectRef idx="0">
+        <a:scrgbClr r="0" g="0" b="0"/>
+      </a:effectRef>
+      <a:fontRef idx="minor"/>
+    </dgm:style>
+  </dgm:styleLbl>
+  <dgm:styleLbl name="alignAcc1">
+    <dgm:scene3d>
+      <a:camera prst="orthographicFront"/>
+      <a:lightRig rig="threePt" dir="t"/>
+    </dgm:scene3d>
+    <dgm:sp3d/>
+    <dgm:txPr/>
+    <dgm:style>
+      <a:lnRef idx="1">
+        <a:scrgbClr r="0" g="0" b="0"/>
+      </a:lnRef>
+      <a:fillRef idx="1">
+        <a:scrgbClr r="0" g="0" b="0"/>
+      </a:fillRef>
+      <a:effectRef idx="0">
+        <a:scrgbClr r="0" g="0" b="0"/>
+      </a:effectRef>
+      <a:fontRef idx="minor"/>
+    </dgm:style>
+  </dgm:styleLbl>
+  <dgm:styleLbl name="trAlignAcc1">
+    <dgm:scene3d>
+      <a:camera prst="orthographicFront"/>
+      <a:lightRig rig="threePt" dir="t"/>
+    </dgm:scene3d>
+    <dgm:sp3d/>
+    <dgm:txPr/>
+    <dgm:style>
+      <a:lnRef idx="1">
+        <a:scrgbClr r="0" g="0" b="0"/>
+      </a:lnRef>
+      <a:fillRef idx="1">
+        <a:scrgbClr r="0" g="0" b="0"/>
+      </a:fillRef>
+      <a:effectRef idx="0">
+        <a:scrgbClr r="0" g="0" b="0"/>
+      </a:effectRef>
+      <a:fontRef idx="minor"/>
+    </dgm:style>
+  </dgm:styleLbl>
+  <dgm:styleLbl name="bgAcc1">
+    <dgm:scene3d>
+      <a:camera prst="orthographicFront"/>
+      <a:lightRig rig="threePt" dir="t"/>
+    </dgm:scene3d>
+    <dgm:sp3d/>
+    <dgm:txPr/>
+    <dgm:style>
+      <a:lnRef idx="1">
+        <a:scrgbClr r="0" g="0" b="0"/>
+      </a:lnRef>
+      <a:fillRef idx="1">
+        <a:scrgbClr r="0" g="0" b="0"/>
+      </a:fillRef>
+      <a:effectRef idx="0">
+        <a:scrgbClr r="0" g="0" b="0"/>
+      </a:effectRef>
+      <a:fontRef idx="minor"/>
+    </dgm:style>
+  </dgm:styleLbl>
+  <dgm:styleLbl name="solidFgAcc1">
+    <dgm:scene3d>
+      <a:camera prst="orthographicFront"/>
+      <a:lightRig rig="threePt" dir="t"/>
+    </dgm:scene3d>
+    <dgm:sp3d/>
+    <dgm:txPr/>
+    <dgm:style>
+      <a:lnRef idx="1">
+        <a:scrgbClr r="0" g="0" b="0"/>
+      </a:lnRef>
+      <a:fillRef idx="2">
+        <a:scrgbClr r="0" g="0" b="0"/>
+      </a:fillRef>
+      <a:effectRef idx="0">
+        <a:scrgbClr r="0" g="0" b="0"/>
+      </a:effectRef>
+      <a:fontRef idx="minor"/>
+    </dgm:style>
+  </dgm:styleLbl>
+  <dgm:styleLbl name="solidAlignAcc1">
+    <dgm:scene3d>
+      <a:camera prst="orthographicFront"/>
+      <a:lightRig rig="threePt" dir="t"/>
+    </dgm:scene3d>
+    <dgm:sp3d/>
+    <dgm:txPr/>
+    <dgm:style>
+      <a:lnRef idx="1">
+        <a:scrgbClr r="0" g="0" b="0"/>
+      </a:lnRef>
+      <a:fillRef idx="1">
+        <a:scrgbClr r="0" g="0" b="0"/>
+      </a:fillRef>
+      <a:effectRef idx="0">
+        <a:scrgbClr r="0" g="0" b="0"/>
+      </a:effectRef>
+      <a:fontRef idx="minor"/>
+    </dgm:style>
+  </dgm:styleLbl>
+  <dgm:styleLbl name="solidBgAcc1">
+    <dgm:scene3d>
+      <a:camera prst="orthographicFront"/>
+      <a:lightRig rig="threePt" dir="t"/>
+    </dgm:scene3d>
+    <dgm:sp3d/>
+    <dgm:txPr/>
+    <dgm:style>
+      <a:lnRef idx="1">
+        <a:scrgbClr r="0" g="0" b="0"/>
+      </a:lnRef>
+      <a:fillRef idx="1">
+        <a:scrgbClr r="0" g="0" b="0"/>
+      </a:fillRef>
+      <a:effectRef idx="0">
+        <a:scrgbClr r="0" g="0" b="0"/>
+      </a:effectRef>
+      <a:fontRef idx="minor"/>
+    </dgm:style>
+  </dgm:styleLbl>
+  <dgm:styleLbl name="fgAccFollowNode1">
+    <dgm:scene3d>
+      <a:camera prst="orthographicFront"/>
+      <a:lightRig rig="threePt" dir="t"/>
+    </dgm:scene3d>
+    <dgm:sp3d/>
+    <dgm:txPr/>
+    <dgm:style>
+      <a:lnRef idx="1">
+        <a:scrgbClr r="0" g="0" b="0"/>
+      </a:lnRef>
+      <a:fillRef idx="1">
+        <a:scrgbClr r="0" g="0" b="0"/>
+      </a:fillRef>
+      <a:effectRef idx="0">
+        <a:scrgbClr r="0" g="0" b="0"/>
+      </a:effectRef>
+      <a:fontRef idx="minor"/>
+    </dgm:style>
+  </dgm:styleLbl>
+  <dgm:styleLbl name="alignAccFollowNode1">
+    <dgm:scene3d>
+      <a:camera prst="orthographicFront"/>
+      <a:lightRig rig="threePt" dir="t"/>
+    </dgm:scene3d>
+    <dgm:sp3d/>
+    <dgm:txPr/>
+    <dgm:style>
+      <a:lnRef idx="1">
+        <a:scrgbClr r="0" g="0" b="0"/>
+      </a:lnRef>
+      <a:fillRef idx="1">
+        <a:scrgbClr r="0" g="0" b="0"/>
+      </a:fillRef>
+      <a:effectRef idx="0">
+        <a:scrgbClr r="0" g="0" b="0"/>
+      </a:effectRef>
+      <a:fontRef idx="minor"/>
+    </dgm:style>
+  </dgm:styleLbl>
+  <dgm:styleLbl name="bgAccFollowNode1">
+    <dgm:scene3d>
+      <a:camera prst="orthographicFront"/>
+      <a:lightRig rig="threePt" dir="t"/>
+    </dgm:scene3d>
+    <dgm:sp3d/>
+    <dgm:txPr/>
+    <dgm:style>
+      <a:lnRef idx="1">
+        <a:scrgbClr r="0" g="0" b="0"/>
+      </a:lnRef>
+      <a:fillRef idx="1">
+        <a:scrgbClr r="0" g="0" b="0"/>
+      </a:fillRef>
+      <a:effectRef idx="0">
+        <a:scrgbClr r="0" g="0" b="0"/>
+      </a:effectRef>
+      <a:fontRef idx="minor"/>
+    </dgm:style>
+  </dgm:styleLbl>
+  <dgm:styleLbl name="fgAcc0">
+    <dgm:scene3d>
+      <a:camera prst="orthographicFront"/>
+      <a:lightRig rig="threePt" dir="t"/>
+    </dgm:scene3d>
+    <dgm:sp3d/>
+    <dgm:txPr/>
+    <dgm:style>
+      <a:lnRef idx="1">
+        <a:scrgbClr r="0" g="0" b="0"/>
+      </a:lnRef>
+      <a:fillRef idx="1">
+        <a:scrgbClr r="0" g="0" b="0"/>
+      </a:fillRef>
+      <a:effectRef idx="0">
+        <a:scrgbClr r="0" g="0" b="0"/>
+      </a:effectRef>
+      <a:fontRef idx="minor"/>
+    </dgm:style>
+  </dgm:styleLbl>
+  <dgm:styleLbl name="fgAcc2">
+    <dgm:scene3d>
+      <a:camera prst="orthographicFront"/>
+      <a:lightRig rig="threePt" dir="t"/>
+    </dgm:scene3d>
+    <dgm:sp3d/>
+    <dgm:txPr/>
+    <dgm:style>
+      <a:lnRef idx="1">
+        <a:scrgbClr r="0" g="0" b="0"/>
+      </a:lnRef>
+      <a:fillRef idx="1">
+        <a:scrgbClr r="0" g="0" b="0"/>
+      </a:fillRef>
+      <a:effectRef idx="0">
+        <a:scrgbClr r="0" g="0" b="0"/>
+      </a:effectRef>
+      <a:fontRef idx="minor"/>
+    </dgm:style>
+  </dgm:styleLbl>
+  <dgm:styleLbl name="fgAcc3">
+    <dgm:scene3d>
+      <a:camera prst="orthographicFront"/>
+      <a:lightRig rig="threePt" dir="t"/>
+    </dgm:scene3d>
+    <dgm:sp3d/>
+    <dgm:txPr/>
+    <dgm:style>
+      <a:lnRef idx="1">
+        <a:scrgbClr r="0" g="0" b="0"/>
+      </a:lnRef>
+      <a:fillRef idx="1">
+        <a:scrgbClr r="0" g="0" b="0"/>
+      </a:fillRef>
+      <a:effectRef idx="0">
+        <a:scrgbClr r="0" g="0" b="0"/>
+      </a:effectRef>
+      <a:fontRef idx="minor"/>
+    </dgm:style>
+  </dgm:styleLbl>
+  <dgm:styleLbl name="fgAcc4">
+    <dgm:scene3d>
+      <a:camera prst="orthographicFront"/>
+      <a:lightRig rig="threePt" dir="t"/>
+    </dgm:scene3d>
+    <dgm:sp3d/>
+    <dgm:txPr/>
+    <dgm:style>
+      <a:lnRef idx="1">
+        <a:scrgbClr r="0" g="0" b="0"/>
+      </a:lnRef>
+      <a:fillRef idx="1">
+        <a:scrgbClr r="0" g="0" b="0"/>
+      </a:fillRef>
+      <a:effectRef idx="0">
+        <a:scrgbClr r="0" g="0" b="0"/>
+      </a:effectRef>
+      <a:fontRef idx="minor"/>
+    </dgm:style>
+  </dgm:styleLbl>
+  <dgm:styleLbl name="bgShp">
+    <dgm:scene3d>
+      <a:camera prst="orthographicFront"/>
+      <a:lightRig rig="threePt" dir="t"/>
+    </dgm:scene3d>
+    <dgm:sp3d/>
+    <dgm:txPr/>
+    <dgm:style>
+      <a:lnRef idx="0">
+        <a:scrgbClr r="0" g="0" b="0"/>
+      </a:lnRef>
+      <a:fillRef idx="1">
+        <a:scrgbClr r="0" g="0" b="0"/>
+      </a:fillRef>
+      <a:effectRef idx="1">
+        <a:scrgbClr r="0" g="0" b="0"/>
+      </a:effectRef>
+      <a:fontRef idx="minor"/>
+    </dgm:style>
+  </dgm:styleLbl>
+  <dgm:styleLbl name="dkBgShp">
+    <dgm:scene3d>
+      <a:camera prst="orthographicFront"/>
+      <a:lightRig rig="threePt" dir="t"/>
+    </dgm:scene3d>
+    <dgm:sp3d/>
+    <dgm:txPr/>
+    <dgm:style>
+      <a:lnRef idx="0">
+        <a:scrgbClr r="0" g="0" b="0"/>
+      </a:lnRef>
+      <a:fillRef idx="1">
+        <a:scrgbClr r="0" g="0" b="0"/>
+      </a:fillRef>
+      <a:effectRef idx="1">
+        <a:scrgbClr r="0" g="0" b="0"/>
+      </a:effectRef>
+      <a:fontRef idx="minor"/>
+    </dgm:style>
+  </dgm:styleLbl>
+  <dgm:styleLbl name="trBgShp">
+    <dgm:scene3d>
+      <a:camera prst="orthographicFront"/>
+      <a:lightRig rig="threePt" dir="t"/>
+    </dgm:scene3d>
+    <dgm:sp3d/>
+    <dgm:txPr/>
+    <dgm:style>
+      <a:lnRef idx="0">
+        <a:scrgbClr r="0" g="0" b="0"/>
+      </a:lnRef>
+      <a:fillRef idx="1">
+        <a:scrgbClr r="0" g="0" b="0"/>
+      </a:fillRef>
+      <a:effectRef idx="0">
+        <a:scrgbClr r="0" g="0" b="0"/>
+      </a:effectRef>
+      <a:fontRef idx="minor"/>
+    </dgm:style>
+  </dgm:styleLbl>
+  <dgm:styleLbl name="fgShp">
+    <dgm:scene3d>
+      <a:camera prst="orthographicFront"/>
+      <a:lightRig rig="flat" dir="t"/>
+    </dgm:scene3d>
+    <dgm:sp3d prstMaterial="dkEdge">
+      <a:bevelT w="8200" h="38100"/>
+    </dgm:sp3d>
+    <dgm:txPr/>
+    <dgm:style>
+      <a:lnRef idx="1">
+        <a:scrgbClr r="0" g="0" b="0"/>
+      </a:lnRef>
+      <a:fillRef idx="2">
+        <a:scrgbClr r="0" g="0" b="0"/>
+      </a:fillRef>
+      <a:effectRef idx="1">
+        <a:scrgbClr r="0" g="0" b="0"/>
+      </a:effectRef>
+      <a:fontRef idx="minor"/>
+    </dgm:style>
+  </dgm:styleLbl>
+  <dgm:styleLbl name="revTx">
+    <dgm:scene3d>
+      <a:camera prst="orthographicFront"/>
+      <a:lightRig rig="threePt" dir="t"/>
+    </dgm:scene3d>
+    <dgm:sp3d/>
+    <dgm:txPr/>
+    <dgm:style>
+      <a:lnRef idx="0">
+        <a:scrgbClr r="0" g="0" b="0"/>
+      </a:lnRef>
+      <a:fillRef idx="0">
+        <a:scrgbClr r="0" g="0" b="0"/>
+      </a:fillRef>
+      <a:effectRef idx="0">
+        <a:scrgbClr r="0" g="0" b="0"/>
+      </a:effectRef>
+      <a:fontRef idx="minor"/>
+    </dgm:style>
+  </dgm:styleLbl>
+</dgm:styleDef>
 </file>
 
 <file path=ppt/handoutMasters/handoutMaster1.xml><?xml version="1.0" encoding="utf-8"?>
@@ -4889,27 +11650,7 @@
                 <a:effectLst/>
                 <a:latin typeface="標楷體" panose="03000509000000000000" pitchFamily="65" charset="-120"/>
               </a:rPr>
-              <a:t>,</a:t>
-            </a:r>
-            <a:r>
-              <a:rPr lang="en-US" altLang="zh-TW" sz="1400" b="0" i="0" dirty="0" err="1">
-                <a:solidFill>
-                  <a:srgbClr val="000000"/>
-                </a:solidFill>
-                <a:effectLst/>
-                <a:latin typeface="標楷體" panose="03000509000000000000" pitchFamily="65" charset="-120"/>
-              </a:rPr>
-              <a:t>matlab</a:t>
-            </a:r>
-            <a:r>
-              <a:rPr lang="en-US" altLang="zh-TW" sz="1400" b="0" i="0" dirty="0">
-                <a:solidFill>
-                  <a:srgbClr val="000000"/>
-                </a:solidFill>
-                <a:effectLst/>
-                <a:latin typeface="標楷體" panose="03000509000000000000" pitchFamily="65" charset="-120"/>
-              </a:rPr>
-              <a:t>(</a:t>
+              <a:t>,matlab(</a:t>
             </a:r>
             <a:r>
               <a:rPr lang="en-US" altLang="zh-TW" sz="1200" dirty="0" err="1">
@@ -5037,6 +11778,21 @@
               </a:rPr>
               <a:t>  </a:t>
             </a:r>
+            <a:endParaRPr lang="en-US" altLang="zh-TW" sz="1400" b="0" i="0" dirty="0">
+              <a:solidFill>
+                <a:srgbClr val="000000"/>
+              </a:solidFill>
+              <a:effectLst/>
+              <a:latin typeface="標楷體" panose="03000509000000000000" pitchFamily="65" charset="-120"/>
+            </a:endParaRPr>
+          </a:p>
+          <a:p>
+            <a:pPr marL="0" indent="0" fontAlgn="base">
+              <a:lnSpc>
+                <a:spcPts val="1564"/>
+              </a:lnSpc>
+              <a:buNone/>
+            </a:pPr>
             <a:endParaRPr lang="zh-TW" altLang="en-US" sz="1200" b="0" i="0" dirty="0">
               <a:solidFill>
                 <a:srgbClr val="000000"/>
@@ -5416,16 +12172,6 @@
               <a:t>、</a:t>
             </a:r>
             <a:r>
-              <a:rPr lang="en-US" altLang="zh-TW" sz="1600" dirty="0" err="1">
-                <a:solidFill>
-                  <a:srgbClr val="000000"/>
-                </a:solidFill>
-                <a:latin typeface="標楷體" panose="03000509000000000000" pitchFamily="65" charset="-120"/>
-                <a:ea typeface="標楷體" panose="03000509000000000000" pitchFamily="65" charset="-120"/>
-              </a:rPr>
-              <a:t>matlab</a:t>
-            </a:r>
-            <a:r>
               <a:rPr lang="en-US" altLang="zh-TW" sz="1600" dirty="0">
                 <a:solidFill>
                   <a:srgbClr val="000000"/>
@@ -5433,7 +12179,7 @@
                 <a:latin typeface="標楷體" panose="03000509000000000000" pitchFamily="65" charset="-120"/>
                 <a:ea typeface="標楷體" panose="03000509000000000000" pitchFamily="65" charset="-120"/>
               </a:rPr>
-              <a:t>:</a:t>
+              <a:t>matlab:</a:t>
             </a:r>
             <a:r>
               <a:rPr lang="zh-TW" altLang="en-US" sz="1600" dirty="0">
@@ -5880,6 +12626,108 @@
 </file>
 
 <file path=ppt/slides/slide5.xml><?xml version="1.0" encoding="utf-8"?>
+<p:sld xmlns:a="http://schemas.openxmlformats.org/drawingml/2006/main" xmlns:r="http://schemas.openxmlformats.org/officeDocument/2006/relationships" xmlns:p="http://schemas.openxmlformats.org/presentationml/2006/main">
+  <p:cSld>
+    <p:spTree>
+      <p:nvGrpSpPr>
+        <p:cNvPr id="1" name=""/>
+        <p:cNvGrpSpPr/>
+        <p:nvPr/>
+      </p:nvGrpSpPr>
+      <p:grpSpPr>
+        <a:xfrm>
+          <a:off x="0" y="0"/>
+          <a:ext cx="0" cy="0"/>
+          <a:chOff x="0" y="0"/>
+          <a:chExt cx="0" cy="0"/>
+        </a:xfrm>
+      </p:grpSpPr>
+      <p:graphicFrame>
+        <p:nvGraphicFramePr>
+          <p:cNvPr id="8" name="內容版面配置區 7">
+            <a:extLst>
+              <a:ext uri="{FF2B5EF4-FFF2-40B4-BE49-F238E27FC236}">
+                <a16:creationId xmlns:a16="http://schemas.microsoft.com/office/drawing/2014/main" id="{2217E5C6-A5C9-7A19-3910-5CCF1BDAE504}"/>
+              </a:ext>
+            </a:extLst>
+          </p:cNvPr>
+          <p:cNvGraphicFramePr>
+            <a:graphicFrameLocks noGrp="1"/>
+          </p:cNvGraphicFramePr>
+          <p:nvPr>
+            <p:ph idx="1"/>
+            <p:extLst>
+              <p:ext uri="{D42A27DB-BD31-4B8C-83A1-F6EECF244321}">
+                <p14:modId xmlns:p14="http://schemas.microsoft.com/office/powerpoint/2010/main" val="1794619326"/>
+              </p:ext>
+            </p:extLst>
+          </p:nvPr>
+        </p:nvGraphicFramePr>
+        <p:xfrm>
+          <a:off x="1261613" y="1438425"/>
+          <a:ext cx="9668774" cy="3981150"/>
+        </p:xfrm>
+        <a:graphic>
+          <a:graphicData uri="http://schemas.openxmlformats.org/drawingml/2006/diagram">
+            <dgm:relIds xmlns:dgm="http://schemas.openxmlformats.org/drawingml/2006/diagram" xmlns:r="http://schemas.openxmlformats.org/officeDocument/2006/relationships" r:dm="rId2" r:lo="rId3" r:qs="rId4" r:cs="rId5"/>
+          </a:graphicData>
+        </a:graphic>
+      </p:graphicFrame>
+      <p:sp>
+        <p:nvSpPr>
+          <p:cNvPr id="4" name="標題 3">
+            <a:extLst>
+              <a:ext uri="{FF2B5EF4-FFF2-40B4-BE49-F238E27FC236}">
+                <a16:creationId xmlns:a16="http://schemas.microsoft.com/office/drawing/2014/main" id="{3E101B28-3DB8-BF45-3777-A75EA60780D3}"/>
+              </a:ext>
+            </a:extLst>
+          </p:cNvPr>
+          <p:cNvSpPr>
+            <a:spLocks noGrp="1"/>
+          </p:cNvSpPr>
+          <p:nvPr>
+            <p:ph type="title"/>
+          </p:nvPr>
+        </p:nvSpPr>
+        <p:spPr/>
+        <p:txBody>
+          <a:bodyPr/>
+          <a:lstStyle/>
+          <a:p>
+            <a:r>
+              <a:rPr lang="zh-TW" altLang="en-US" dirty="0"/>
+              <a:t>系統分析 </a:t>
+            </a:r>
+            <a:r>
+              <a:rPr lang="en-US" altLang="zh-TW" dirty="0"/>
+              <a:t>–</a:t>
+            </a:r>
+            <a:r>
+              <a:rPr lang="zh-TW" altLang="en-US" dirty="0"/>
+              <a:t> </a:t>
+            </a:r>
+            <a:r>
+              <a:rPr lang="en-US" altLang="zh-TW" dirty="0"/>
+              <a:t>breakdown</a:t>
+            </a:r>
+            <a:endParaRPr lang="zh-TW" altLang="en-US" dirty="0"/>
+          </a:p>
+        </p:txBody>
+      </p:sp>
+    </p:spTree>
+    <p:extLst>
+      <p:ext uri="{BB962C8B-B14F-4D97-AF65-F5344CB8AC3E}">
+        <p14:creationId xmlns:p14="http://schemas.microsoft.com/office/powerpoint/2010/main" val="2915763357"/>
+      </p:ext>
+    </p:extLst>
+  </p:cSld>
+  <p:clrMapOvr>
+    <a:masterClrMapping/>
+  </p:clrMapOvr>
+</p:sld>
+</file>
+
+<file path=ppt/slides/slide6.xml><?xml version="1.0" encoding="utf-8"?>
 <p:sld xmlns:a="http://schemas.openxmlformats.org/drawingml/2006/main" xmlns:r="http://schemas.openxmlformats.org/officeDocument/2006/relationships" xmlns:p="http://schemas.openxmlformats.org/presentationml/2006/main">
   <p:cSld>
     <p:spTree>
